--- a/day-3-copilot-python-agent-model/day-3-copilot-python-agent-mode.pptx
+++ b/day-3-copilot-python-agent-model/day-3-copilot-python-agent-mode.pptx
@@ -5,28 +5,30 @@
     <p:sldMasterId id="2147483648" r:id="rId1"/>
   </p:sldMasterIdLst>
   <p:notesMasterIdLst>
-    <p:notesMasterId r:id="rId11"/>
+    <p:notesMasterId r:id="rId13"/>
   </p:notesMasterIdLst>
   <p:sldIdLst>
     <p:sldId id="256" r:id="rId2"/>
     <p:sldId id="455" r:id="rId3"/>
     <p:sldId id="471" r:id="rId4"/>
-    <p:sldId id="474" r:id="rId5"/>
-    <p:sldId id="407" r:id="rId6"/>
-    <p:sldId id="472" r:id="rId7"/>
-    <p:sldId id="473" r:id="rId8"/>
-    <p:sldId id="415" r:id="rId9"/>
-    <p:sldId id="470" r:id="rId10"/>
+    <p:sldId id="439" r:id="rId5"/>
+    <p:sldId id="428" r:id="rId6"/>
+    <p:sldId id="440" r:id="rId7"/>
+    <p:sldId id="441" r:id="rId8"/>
+    <p:sldId id="474" r:id="rId9"/>
+    <p:sldId id="473" r:id="rId10"/>
+    <p:sldId id="415" r:id="rId11"/>
+    <p:sldId id="470" r:id="rId12"/>
   </p:sldIdLst>
   <p:sldSz cx="18288000" cy="10287000"/>
   <p:notesSz cx="6858000" cy="9144000"/>
   <p:embeddedFontLst>
     <p:embeddedFont>
       <p:font typeface="Consolas" panose="020B0609020204030204" pitchFamily="49" charset="0"/>
-      <p:regular r:id="rId12"/>
-      <p:bold r:id="rId13"/>
-      <p:italic r:id="rId14"/>
-      <p:boldItalic r:id="rId15"/>
+      <p:regular r:id="rId14"/>
+      <p:bold r:id="rId15"/>
+      <p:italic r:id="rId16"/>
+      <p:boldItalic r:id="rId17"/>
     </p:embeddedFont>
   </p:embeddedFontLst>
   <p:defaultTextStyle>
@@ -563,31 +565,111 @@
           <a:bodyPr/>
           <a:lstStyle/>
           <a:p>
-            <a:pPr marL="228600" indent="-228600">
-              <a:buAutoNum type="arabicPeriod"/>
-            </a:pPr>
             <a:r>
               <a:rPr lang="en-US" dirty="0"/>
-              <a:t>False!</a:t>
-            </a:r>
-          </a:p>
-          <a:p>
-            <a:pPr marL="228600" indent="-228600">
-              <a:buAutoNum type="arabicPeriod"/>
-            </a:pPr>
+              <a:t>This chart shows the spectrum of AI tools based on two dimensions: how deeply they’re integrated into your workflow, and how much they can automate on their own.</a:t>
+            </a:r>
+          </a:p>
+          <a:p>
+            <a:endParaRPr lang="en-US" dirty="0"/>
+          </a:p>
+          <a:p>
             <a:r>
               <a:rPr lang="en-US" dirty="0"/>
-              <a:t>Function, Formula, Function</a:t>
-            </a:r>
-          </a:p>
-          <a:p>
-            <a:pPr marL="228600" indent="-228600">
-              <a:buAutoNum type="arabicPeriod"/>
-            </a:pPr>
+              <a:t>In the bottom left, we have </a:t>
+            </a:r>
+            <a:r>
+              <a:rPr lang="en-US" b="1" dirty="0"/>
+              <a:t>Assistants</a:t>
+            </a:r>
             <a:r>
               <a:rPr lang="en-US" dirty="0"/>
-              <a:t>Argument</a:t>
-            </a:r>
+              <a:t> like ChatGPT or Bard. These tools are conversational and flexible, but they exist outside your main work environment. They can generate ideas, write text, or help explain concepts, but you have to feed them the context yourself. They don’t automatically connect to your files or data.</a:t>
+            </a:r>
+          </a:p>
+          <a:p>
+            <a:endParaRPr lang="en-US" dirty="0"/>
+          </a:p>
+          <a:p>
+            <a:r>
+              <a:rPr lang="en-US" dirty="0"/>
+              <a:t>Moving up to the top left are </a:t>
+            </a:r>
+            <a:r>
+              <a:rPr lang="en-US" b="1" dirty="0"/>
+              <a:t>Copilots</a:t>
+            </a:r>
+            <a:r>
+              <a:rPr lang="en-US" dirty="0"/>
+              <a:t>, like Microsoft Copilot in Excel. These tools are highly integrated into your daily work tools. Copilot in Excel knows your workbook, formulas, and tables. It can help you analyze data, write formulas, and generate summaries—all inside Excel. But it’s still assistive, not autonomous. You’re in control, and it only acts when you prompt it.</a:t>
+            </a:r>
+          </a:p>
+          <a:p>
+            <a:r>
+              <a:rPr lang="en-US" dirty="0"/>
+              <a:t>On the bottom right are </a:t>
+            </a:r>
+            <a:r>
+              <a:rPr lang="en-US" b="1" dirty="0"/>
+              <a:t>Autopilots</a:t>
+            </a:r>
+            <a:r>
+              <a:rPr lang="en-US" dirty="0"/>
+              <a:t>, which handle repetitive processes automatically but without much awareness of your data. These might include automated social media posting or simple scheduled tasks. They act independently but lack real integration with your work context.</a:t>
+            </a:r>
+          </a:p>
+          <a:p>
+            <a:endParaRPr lang="en-US" dirty="0"/>
+          </a:p>
+          <a:p>
+            <a:r>
+              <a:rPr lang="en-US" dirty="0"/>
+              <a:t>Finally, in the top right are </a:t>
+            </a:r>
+            <a:r>
+              <a:rPr lang="en-US" b="1" dirty="0"/>
+              <a:t>Agents</a:t>
+            </a:r>
+            <a:r>
+              <a:rPr lang="en-US" dirty="0"/>
+              <a:t>. These combine deep integration with high automation. Agents can understand your business data and act proactively—like automatically generating reports, summarizing meetings, or triggering workflows across apps.</a:t>
+            </a:r>
+          </a:p>
+          <a:p>
+            <a:endParaRPr lang="en-US" dirty="0"/>
+          </a:p>
+          <a:p>
+            <a:r>
+              <a:rPr lang="en-US" b="1" dirty="0"/>
+              <a:t>Copilot in Excel</a:t>
+            </a:r>
+            <a:r>
+              <a:rPr lang="en-US" dirty="0"/>
+              <a:t> sits in the “Copilot” quadrant—it’s deeply embedded in your tools but still relies on you to guide it. </a:t>
+            </a:r>
+            <a:r>
+              <a:rPr lang="en-US" b="1" dirty="0"/>
+              <a:t>Agent Mode</a:t>
+            </a:r>
+            <a:r>
+              <a:rPr lang="en-US" dirty="0"/>
+              <a:t> is what happens when that same intelligence gains the ability to take initiative. It builds on Copilot’s understanding of your data but can connect across multiple apps and act without waiting for your command.</a:t>
+            </a:r>
+          </a:p>
+          <a:p>
+            <a:endParaRPr lang="en-US" dirty="0"/>
+          </a:p>
+          <a:p>
+            <a:r>
+              <a:rPr lang="en-US" dirty="0"/>
+              <a:t>In short, Copilot helps you do the work; Agent Mode will start doing the work for you.</a:t>
+            </a:r>
+          </a:p>
+          <a:p>
+            <a:endParaRPr lang="en-US" dirty="0"/>
+          </a:p>
+          <a:p>
+            <a:endParaRPr lang="en-US" dirty="0"/>
           </a:p>
         </p:txBody>
       </p:sp>
@@ -606,9 +688,315 @@
           <a:bodyPr/>
           <a:lstStyle/>
           <a:p>
+            <a:fld id="{FFB500C5-13F7-48FC-8160-C29AECF6C602}" type="slidenum">
+              <a:rPr lang="en-US" smtClean="0"/>
+              <a:t>4</a:t>
+            </a:fld>
+            <a:endParaRPr lang="en-US"/>
+          </a:p>
+        </p:txBody>
+      </p:sp>
+    </p:spTree>
+    <p:extLst>
+      <p:ext uri="{BB962C8B-B14F-4D97-AF65-F5344CB8AC3E}">
+        <p14:creationId xmlns:p14="http://schemas.microsoft.com/office/powerpoint/2010/main" val="828131509"/>
+      </p:ext>
+    </p:extLst>
+  </p:cSld>
+  <p:clrMapOvr>
+    <a:masterClrMapping/>
+  </p:clrMapOvr>
+</p:notes>
+</file>
+
+<file path=ppt/notesSlides/notesSlide2.xml><?xml version="1.0" encoding="utf-8"?>
+<p:notes xmlns:a="http://schemas.openxmlformats.org/drawingml/2006/main" xmlns:r="http://schemas.openxmlformats.org/officeDocument/2006/relationships" xmlns:p="http://schemas.openxmlformats.org/presentationml/2006/main">
+  <p:cSld>
+    <p:spTree>
+      <p:nvGrpSpPr>
+        <p:cNvPr id="1" name=""/>
+        <p:cNvGrpSpPr/>
+        <p:nvPr/>
+      </p:nvGrpSpPr>
+      <p:grpSpPr>
+        <a:xfrm>
+          <a:off x="0" y="0"/>
+          <a:ext cx="0" cy="0"/>
+          <a:chOff x="0" y="0"/>
+          <a:chExt cx="0" cy="0"/>
+        </a:xfrm>
+      </p:grpSpPr>
+      <p:sp>
+        <p:nvSpPr>
+          <p:cNvPr id="2" name="Slide Image Placeholder 1"/>
+          <p:cNvSpPr>
+            <a:spLocks noGrp="1" noRot="1" noChangeAspect="1"/>
+          </p:cNvSpPr>
+          <p:nvPr>
+            <p:ph type="sldImg"/>
+          </p:nvPr>
+        </p:nvSpPr>
+        <p:spPr/>
+      </p:sp>
+      <p:sp>
+        <p:nvSpPr>
+          <p:cNvPr id="3" name="Notes Placeholder 2"/>
+          <p:cNvSpPr>
+            <a:spLocks noGrp="1"/>
+          </p:cNvSpPr>
+          <p:nvPr>
+            <p:ph type="body" idx="1"/>
+          </p:nvPr>
+        </p:nvSpPr>
+        <p:spPr/>
+        <p:txBody>
+          <a:bodyPr/>
+          <a:lstStyle/>
+          <a:p>
+            <a:pPr marL="0" indent="0">
+              <a:buNone/>
+            </a:pPr>
+            <a:endParaRPr lang="en-US" dirty="0"/>
+          </a:p>
+        </p:txBody>
+      </p:sp>
+      <p:sp>
+        <p:nvSpPr>
+          <p:cNvPr id="4" name="Slide Number Placeholder 3"/>
+          <p:cNvSpPr>
+            <a:spLocks noGrp="1"/>
+          </p:cNvSpPr>
+          <p:nvPr>
+            <p:ph type="sldNum" sz="quarter" idx="5"/>
+          </p:nvPr>
+        </p:nvSpPr>
+        <p:spPr/>
+        <p:txBody>
+          <a:bodyPr/>
+          <a:lstStyle/>
+          <a:p>
             <a:fld id="{1300335D-9F13-4B80-ADC5-B0EA3E10FF6B}" type="slidenum">
               <a:rPr lang="en-US" smtClean="0"/>
               <a:t>5</a:t>
+            </a:fld>
+            <a:endParaRPr lang="en-US"/>
+          </a:p>
+        </p:txBody>
+      </p:sp>
+    </p:spTree>
+    <p:extLst>
+      <p:ext uri="{BB962C8B-B14F-4D97-AF65-F5344CB8AC3E}">
+        <p14:creationId xmlns:p14="http://schemas.microsoft.com/office/powerpoint/2010/main" val="3864329887"/>
+      </p:ext>
+    </p:extLst>
+  </p:cSld>
+  <p:clrMapOvr>
+    <a:masterClrMapping/>
+  </p:clrMapOvr>
+</p:notes>
+</file>
+
+<file path=ppt/notesSlides/notesSlide3.xml><?xml version="1.0" encoding="utf-8"?>
+<p:notes xmlns:a="http://schemas.openxmlformats.org/drawingml/2006/main" xmlns:r="http://schemas.openxmlformats.org/officeDocument/2006/relationships" xmlns:p="http://schemas.openxmlformats.org/presentationml/2006/main">
+  <p:cSld>
+    <p:spTree>
+      <p:nvGrpSpPr>
+        <p:cNvPr id="1" name=""/>
+        <p:cNvGrpSpPr/>
+        <p:nvPr/>
+      </p:nvGrpSpPr>
+      <p:grpSpPr>
+        <a:xfrm>
+          <a:off x="0" y="0"/>
+          <a:ext cx="0" cy="0"/>
+          <a:chOff x="0" y="0"/>
+          <a:chExt cx="0" cy="0"/>
+        </a:xfrm>
+      </p:grpSpPr>
+      <p:sp>
+        <p:nvSpPr>
+          <p:cNvPr id="2" name="Slide Image Placeholder 1"/>
+          <p:cNvSpPr>
+            <a:spLocks noGrp="1" noRot="1" noChangeAspect="1"/>
+          </p:cNvSpPr>
+          <p:nvPr>
+            <p:ph type="sldImg"/>
+          </p:nvPr>
+        </p:nvSpPr>
+        <p:spPr/>
+      </p:sp>
+      <p:sp>
+        <p:nvSpPr>
+          <p:cNvPr id="3" name="Notes Placeholder 2"/>
+          <p:cNvSpPr>
+            <a:spLocks noGrp="1"/>
+          </p:cNvSpPr>
+          <p:nvPr>
+            <p:ph type="body" idx="1"/>
+          </p:nvPr>
+        </p:nvSpPr>
+        <p:spPr/>
+        <p:txBody>
+          <a:bodyPr/>
+          <a:lstStyle/>
+          <a:p>
+            <a:r>
+              <a:rPr lang="en-US" sz="900" dirty="0"/>
+              <a:t>When people hear Copilot and Agent Mode, they often assume they are the same thing, but they represent very different stages in how AI works inside Excel.</a:t>
+            </a:r>
+          </a:p>
+          <a:p>
+            <a:endParaRPr lang="en-US" sz="900" dirty="0"/>
+          </a:p>
+          <a:p>
+            <a:r>
+              <a:rPr lang="en-US" sz="900" dirty="0"/>
+              <a:t>Copilot is what most of us have used so far. It is a great assistant when you need to generate a formula, summarize some data, or clean up a quick report. You ask it a question, it gives an answer, and then it is up to you to decide what to do next. It is reactive. It waits for your prompt each time.</a:t>
+            </a:r>
+          </a:p>
+          <a:p>
+            <a:endParaRPr lang="en-US" sz="900" dirty="0"/>
+          </a:p>
+          <a:p>
+            <a:r>
+              <a:rPr lang="en-US" sz="900" dirty="0"/>
+              <a:t>Agent Mode takes this a step further. Instead of a single prompt and response, the agent can plan, execute, and evaluate multiple steps on its own. It does not just answer you, it actually works with you, refining its approach until it gets the result right. Think of it as the difference between giving someone an instruction versus giving them a project.</a:t>
+            </a:r>
+          </a:p>
+          <a:p>
+            <a:endParaRPr lang="en-US" sz="900" dirty="0"/>
+          </a:p>
+          <a:p>
+            <a:r>
+              <a:rPr lang="en-US" sz="900" dirty="0"/>
+              <a:t>That also changes your role as the analyst. With Copilot, you are still the one doing the work, just faster. With Agent Mode, you become more of a manager or reviewer, someone who guides, oversees, and checks the agent’s work. The focus shifts from “Can I get this formula right?” to “Can I structure and verify the workflow my agent is running?”</a:t>
+            </a:r>
+          </a:p>
+          <a:p>
+            <a:endParaRPr lang="en-US" sz="900" dirty="0"/>
+          </a:p>
+          <a:p>
+            <a:r>
+              <a:rPr lang="en-US" sz="900" dirty="0"/>
+              <a:t>In terms of output, Copilot is great for speed. You will get something usable right away. Agent Mode is built for reliability. It double checks itself, validates formulas, and produces outputs that are more auditable and refreshable. That is what makes it better suited for more complex or higher stakes workflows like financial models, reconciliations, or recurring dashboards.</a:t>
+            </a:r>
+          </a:p>
+          <a:p>
+            <a:endParaRPr lang="en-US" sz="900" dirty="0"/>
+          </a:p>
+          <a:p>
+            <a:r>
+              <a:rPr lang="en-US" sz="900" dirty="0"/>
+              <a:t>So the short version is: Copilot accelerates your work. Agent Mode begins to do the work. The real opportunity for Excel professionals is learning how to manage and guide these new digital teammates effectively.</a:t>
+            </a:r>
+          </a:p>
+        </p:txBody>
+      </p:sp>
+      <p:sp>
+        <p:nvSpPr>
+          <p:cNvPr id="4" name="Slide Number Placeholder 3"/>
+          <p:cNvSpPr>
+            <a:spLocks noGrp="1"/>
+          </p:cNvSpPr>
+          <p:nvPr>
+            <p:ph type="sldNum" sz="quarter" idx="5"/>
+          </p:nvPr>
+        </p:nvSpPr>
+        <p:spPr/>
+        <p:txBody>
+          <a:bodyPr/>
+          <a:lstStyle/>
+          <a:p>
+            <a:fld id="{FFB500C5-13F7-48FC-8160-C29AECF6C602}" type="slidenum">
+              <a:rPr lang="en-US" smtClean="0"/>
+              <a:t>6</a:t>
+            </a:fld>
+            <a:endParaRPr lang="en-US"/>
+          </a:p>
+        </p:txBody>
+      </p:sp>
+    </p:spTree>
+    <p:extLst>
+      <p:ext uri="{BB962C8B-B14F-4D97-AF65-F5344CB8AC3E}">
+        <p14:creationId xmlns:p14="http://schemas.microsoft.com/office/powerpoint/2010/main" val="2986116311"/>
+      </p:ext>
+    </p:extLst>
+  </p:cSld>
+  <p:clrMapOvr>
+    <a:masterClrMapping/>
+  </p:clrMapOvr>
+</p:notes>
+</file>
+
+<file path=ppt/notesSlides/notesSlide4.xml><?xml version="1.0" encoding="utf-8"?>
+<p:notes xmlns:a="http://schemas.openxmlformats.org/drawingml/2006/main" xmlns:r="http://schemas.openxmlformats.org/officeDocument/2006/relationships" xmlns:p="http://schemas.openxmlformats.org/presentationml/2006/main">
+  <p:cSld>
+    <p:spTree>
+      <p:nvGrpSpPr>
+        <p:cNvPr id="1" name=""/>
+        <p:cNvGrpSpPr/>
+        <p:nvPr/>
+      </p:nvGrpSpPr>
+      <p:grpSpPr>
+        <a:xfrm>
+          <a:off x="0" y="0"/>
+          <a:ext cx="0" cy="0"/>
+          <a:chOff x="0" y="0"/>
+          <a:chExt cx="0" cy="0"/>
+        </a:xfrm>
+      </p:grpSpPr>
+      <p:sp>
+        <p:nvSpPr>
+          <p:cNvPr id="2" name="Slide Image Placeholder 1"/>
+          <p:cNvSpPr>
+            <a:spLocks noGrp="1" noRot="1" noChangeAspect="1"/>
+          </p:cNvSpPr>
+          <p:nvPr>
+            <p:ph type="sldImg"/>
+          </p:nvPr>
+        </p:nvSpPr>
+        <p:spPr/>
+      </p:sp>
+      <p:sp>
+        <p:nvSpPr>
+          <p:cNvPr id="3" name="Notes Placeholder 2"/>
+          <p:cNvSpPr>
+            <a:spLocks noGrp="1"/>
+          </p:cNvSpPr>
+          <p:nvPr>
+            <p:ph type="body" idx="1"/>
+          </p:nvPr>
+        </p:nvSpPr>
+        <p:spPr/>
+        <p:txBody>
+          <a:bodyPr/>
+          <a:lstStyle/>
+          <a:p>
+            <a:pPr marL="228600" indent="-228600">
+              <a:buAutoNum type="arabicPeriod"/>
+            </a:pPr>
+            <a:endParaRPr lang="en-US" dirty="0"/>
+          </a:p>
+        </p:txBody>
+      </p:sp>
+      <p:sp>
+        <p:nvSpPr>
+          <p:cNvPr id="4" name="Slide Number Placeholder 3"/>
+          <p:cNvSpPr>
+            <a:spLocks noGrp="1"/>
+          </p:cNvSpPr>
+          <p:nvPr>
+            <p:ph type="sldNum" sz="quarter" idx="5"/>
+          </p:nvPr>
+        </p:nvSpPr>
+        <p:spPr/>
+        <p:txBody>
+          <a:bodyPr/>
+          <a:lstStyle/>
+          <a:p>
+            <a:fld id="{1300335D-9F13-4B80-ADC5-B0EA3E10FF6B}" type="slidenum">
+              <a:rPr lang="en-US" smtClean="0"/>
+              <a:t>7</a:t>
             </a:fld>
             <a:endParaRPr lang="en-US"/>
           </a:p>
@@ -3662,7 +4050,7 @@
                 </a:solidFill>
                 <a:latin typeface="Pragmatica" panose="020B0403040502020204" pitchFamily="34" charset="0"/>
               </a:rPr>
-              <a:t>Day 2: Power BI and Dataverse – The Foundation Layer</a:t>
+              <a:t>Day 3: The Excel Intelligence Layer – Copilot, Python, Agent Mode</a:t>
             </a:r>
           </a:p>
         </p:txBody>
@@ -3725,1352 +4113,7 @@
 </p:sld>
 </file>
 
-<file path=ppt/slides/slide2.xml><?xml version="1.0" encoding="utf-8"?>
-<p:sld xmlns:a="http://schemas.openxmlformats.org/drawingml/2006/main" xmlns:r="http://schemas.openxmlformats.org/officeDocument/2006/relationships" xmlns:p="http://schemas.openxmlformats.org/presentationml/2006/main">
-  <p:cSld>
-    <p:spTree>
-      <p:nvGrpSpPr>
-        <p:cNvPr id="1" name="">
-          <a:extLst>
-            <a:ext uri="{FF2B5EF4-FFF2-40B4-BE49-F238E27FC236}">
-              <a16:creationId xmlns:a16="http://schemas.microsoft.com/office/drawing/2014/main" id="{B016697A-2DDC-AD06-0D5F-524946CCFA3B}"/>
-            </a:ext>
-          </a:extLst>
-        </p:cNvPr>
-        <p:cNvGrpSpPr/>
-        <p:nvPr/>
-      </p:nvGrpSpPr>
-      <p:grpSpPr>
-        <a:xfrm>
-          <a:off x="0" y="0"/>
-          <a:ext cx="0" cy="0"/>
-          <a:chOff x="0" y="0"/>
-          <a:chExt cx="0" cy="0"/>
-        </a:xfrm>
-      </p:grpSpPr>
-      <p:sp>
-        <p:nvSpPr>
-          <p:cNvPr id="11" name="TextBox 10">
-            <a:extLst>
-              <a:ext uri="{FF2B5EF4-FFF2-40B4-BE49-F238E27FC236}">
-                <a16:creationId xmlns:a16="http://schemas.microsoft.com/office/drawing/2014/main" id="{0E25D70B-1F78-7AF8-4771-7B64B436CB0F}"/>
-              </a:ext>
-            </a:extLst>
-          </p:cNvPr>
-          <p:cNvSpPr txBox="1"/>
-          <p:nvPr/>
-        </p:nvSpPr>
-        <p:spPr>
-          <a:xfrm>
-            <a:off x="520861" y="170082"/>
-            <a:ext cx="14642939" cy="1477328"/>
-          </a:xfrm>
-          <a:prstGeom prst="rect">
-            <a:avLst/>
-          </a:prstGeom>
-          <a:noFill/>
-        </p:spPr>
-        <p:txBody>
-          <a:bodyPr wrap="square" rtlCol="0">
-            <a:spAutoFit/>
-          </a:bodyPr>
-          <a:lstStyle/>
-          <a:p>
-            <a:r>
-              <a:rPr lang="en-US" sz="9000" dirty="0">
-                <a:latin typeface="Aliens &amp; cows" panose="00000500000000000000" pitchFamily="2" charset="0"/>
-              </a:rPr>
-              <a:t>Class logistics</a:t>
-            </a:r>
-          </a:p>
-        </p:txBody>
-      </p:sp>
-      <p:sp>
-        <p:nvSpPr>
-          <p:cNvPr id="3" name="TextBox 2">
-            <a:extLst>
-              <a:ext uri="{FF2B5EF4-FFF2-40B4-BE49-F238E27FC236}">
-                <a16:creationId xmlns:a16="http://schemas.microsoft.com/office/drawing/2014/main" id="{8AD5976A-E96C-DF78-2D1D-42CD64D3E69F}"/>
-              </a:ext>
-            </a:extLst>
-          </p:cNvPr>
-          <p:cNvSpPr txBox="1"/>
-          <p:nvPr/>
-        </p:nvSpPr>
-        <p:spPr>
-          <a:xfrm>
-            <a:off x="520861" y="3191948"/>
-            <a:ext cx="14393120" cy="5078313"/>
-          </a:xfrm>
-          <a:prstGeom prst="rect">
-            <a:avLst/>
-          </a:prstGeom>
-          <a:noFill/>
-        </p:spPr>
-        <p:txBody>
-          <a:bodyPr wrap="square" rtlCol="0">
-            <a:spAutoFit/>
-          </a:bodyPr>
-          <a:lstStyle/>
-          <a:p>
-            <a:pPr marL="685800" indent="-685800">
-              <a:buClr>
-                <a:srgbClr val="CF3338"/>
-              </a:buClr>
-              <a:buFont typeface="Arial" panose="020B0604020202020204" pitchFamily="34" charset="0"/>
-              <a:buChar char="•"/>
-            </a:pPr>
-            <a:r>
-              <a:rPr lang="en-US" sz="5400" dirty="0">
-                <a:solidFill>
-                  <a:srgbClr val="707070"/>
-                </a:solidFill>
-                <a:latin typeface="Pragmatica" panose="020B0403040502020204" pitchFamily="34" charset="0"/>
-              </a:rPr>
-              <a:t>All recordings, files used and communication will be on Teams channel</a:t>
-            </a:r>
-          </a:p>
-          <a:p>
-            <a:pPr marL="1143000" lvl="1" indent="-685800">
-              <a:buClr>
-                <a:srgbClr val="CF3338"/>
-              </a:buClr>
-              <a:buFont typeface="Arial" panose="020B0604020202020204" pitchFamily="34" charset="0"/>
-              <a:buChar char="•"/>
-            </a:pPr>
-            <a:r>
-              <a:rPr lang="en-US" sz="5400" dirty="0">
-                <a:solidFill>
-                  <a:srgbClr val="707070"/>
-                </a:solidFill>
-                <a:latin typeface="Pragmatica" panose="020B0403040502020204" pitchFamily="34" charset="0"/>
-              </a:rPr>
-              <a:t>Be sure to use your email used to sign up for the course!</a:t>
-            </a:r>
-          </a:p>
-          <a:p>
-            <a:pPr marL="1143000" lvl="1" indent="-685800">
-              <a:buClr>
-                <a:srgbClr val="CF3338"/>
-              </a:buClr>
-              <a:buFont typeface="Arial" panose="020B0604020202020204" pitchFamily="34" charset="0"/>
-              <a:buChar char="•"/>
-            </a:pPr>
-            <a:r>
-              <a:rPr lang="en-US" sz="5400" dirty="0">
-                <a:solidFill>
-                  <a:srgbClr val="707070"/>
-                </a:solidFill>
-                <a:latin typeface="Pragmatica" panose="020B0403040502020204" pitchFamily="34" charset="0"/>
-              </a:rPr>
-              <a:t>Email me with any questions: </a:t>
-            </a:r>
-            <a:r>
-              <a:rPr lang="en-US" sz="5400" b="1" dirty="0">
-                <a:solidFill>
-                  <a:srgbClr val="707070"/>
-                </a:solidFill>
-                <a:latin typeface="Pragmatica" panose="020B0403040502020204" pitchFamily="34" charset="0"/>
-              </a:rPr>
-              <a:t>george@stringfestanalytics.com </a:t>
-            </a:r>
-          </a:p>
-        </p:txBody>
-      </p:sp>
-      <p:pic>
-        <p:nvPicPr>
-          <p:cNvPr id="15" name="Picture 14" descr="A close up of a sign&#10;&#10;Description automatically generated">
-            <a:extLst>
-              <a:ext uri="{FF2B5EF4-FFF2-40B4-BE49-F238E27FC236}">
-                <a16:creationId xmlns:a16="http://schemas.microsoft.com/office/drawing/2014/main" id="{56BC9DC3-5856-1F48-F0BE-E6FB589534FC}"/>
-              </a:ext>
-            </a:extLst>
-          </p:cNvPr>
-          <p:cNvPicPr>
-            <a:picLocks noChangeAspect="1"/>
-          </p:cNvPicPr>
-          <p:nvPr/>
-        </p:nvPicPr>
-        <p:blipFill>
-          <a:blip r:embed="rId2">
-            <a:extLst>
-              <a:ext uri="{28A0092B-C50C-407E-A947-70E740481C1C}">
-                <a14:useLocalDpi xmlns:a14="http://schemas.microsoft.com/office/drawing/2010/main" val="0"/>
-              </a:ext>
-            </a:extLst>
-          </a:blip>
-          <a:stretch>
-            <a:fillRect/>
-          </a:stretch>
-        </p:blipFill>
-        <p:spPr>
-          <a:xfrm>
-            <a:off x="16341036" y="8058429"/>
-            <a:ext cx="1942857" cy="2228571"/>
-          </a:xfrm>
-          <a:prstGeom prst="rect">
-            <a:avLst/>
-          </a:prstGeom>
-        </p:spPr>
-      </p:pic>
-    </p:spTree>
-    <p:extLst>
-      <p:ext uri="{BB962C8B-B14F-4D97-AF65-F5344CB8AC3E}">
-        <p14:creationId xmlns:p14="http://schemas.microsoft.com/office/powerpoint/2010/main" val="3740785016"/>
-      </p:ext>
-    </p:extLst>
-  </p:cSld>
-  <p:clrMapOvr>
-    <a:masterClrMapping/>
-  </p:clrMapOvr>
-</p:sld>
-</file>
-
-<file path=ppt/slides/slide3.xml><?xml version="1.0" encoding="utf-8"?>
-<p:sld xmlns:a="http://schemas.openxmlformats.org/drawingml/2006/main" xmlns:r="http://schemas.openxmlformats.org/officeDocument/2006/relationships" xmlns:p="http://schemas.openxmlformats.org/presentationml/2006/main">
-  <p:cSld>
-    <p:spTree>
-      <p:nvGrpSpPr>
-        <p:cNvPr id="1" name="">
-          <a:extLst>
-            <a:ext uri="{FF2B5EF4-FFF2-40B4-BE49-F238E27FC236}">
-              <a16:creationId xmlns:a16="http://schemas.microsoft.com/office/drawing/2014/main" id="{B3E6ACC5-4B11-2B34-2998-BB1C4FC9CC6C}"/>
-            </a:ext>
-          </a:extLst>
-        </p:cNvPr>
-        <p:cNvGrpSpPr/>
-        <p:nvPr/>
-      </p:nvGrpSpPr>
-      <p:grpSpPr>
-        <a:xfrm>
-          <a:off x="0" y="0"/>
-          <a:ext cx="0" cy="0"/>
-          <a:chOff x="0" y="0"/>
-          <a:chExt cx="0" cy="0"/>
-        </a:xfrm>
-      </p:grpSpPr>
-      <p:sp>
-        <p:nvSpPr>
-          <p:cNvPr id="11" name="TextBox 10">
-            <a:extLst>
-              <a:ext uri="{FF2B5EF4-FFF2-40B4-BE49-F238E27FC236}">
-                <a16:creationId xmlns:a16="http://schemas.microsoft.com/office/drawing/2014/main" id="{EDA2185A-0457-8E44-DEEB-D9AF5A6DD844}"/>
-              </a:ext>
-            </a:extLst>
-          </p:cNvPr>
-          <p:cNvSpPr txBox="1"/>
-          <p:nvPr/>
-        </p:nvSpPr>
-        <p:spPr>
-          <a:xfrm>
-            <a:off x="520861" y="170082"/>
-            <a:ext cx="6794339" cy="3785652"/>
-          </a:xfrm>
-          <a:prstGeom prst="rect">
-            <a:avLst/>
-          </a:prstGeom>
-          <a:noFill/>
-        </p:spPr>
-        <p:txBody>
-          <a:bodyPr wrap="square" rtlCol="0">
-            <a:spAutoFit/>
-          </a:bodyPr>
-          <a:lstStyle/>
-          <a:p>
-            <a:r>
-              <a:rPr lang="en-US" sz="8000" dirty="0">
-                <a:latin typeface="Aliens &amp; cows" panose="00000500000000000000" pitchFamily="2" charset="0"/>
-              </a:rPr>
-              <a:t>Welcome to the modern Excel AI stack</a:t>
-            </a:r>
-          </a:p>
-        </p:txBody>
-      </p:sp>
-      <p:pic>
-        <p:nvPicPr>
-          <p:cNvPr id="15" name="Picture 14" descr="A close up of a sign&#10;&#10;Description automatically generated">
-            <a:extLst>
-              <a:ext uri="{FF2B5EF4-FFF2-40B4-BE49-F238E27FC236}">
-                <a16:creationId xmlns:a16="http://schemas.microsoft.com/office/drawing/2014/main" id="{B40CB128-54BB-AAD9-5F61-2143EA93C39E}"/>
-              </a:ext>
-            </a:extLst>
-          </p:cNvPr>
-          <p:cNvPicPr>
-            <a:picLocks noChangeAspect="1"/>
-          </p:cNvPicPr>
-          <p:nvPr/>
-        </p:nvPicPr>
-        <p:blipFill>
-          <a:blip r:embed="rId2">
-            <a:extLst>
-              <a:ext uri="{28A0092B-C50C-407E-A947-70E740481C1C}">
-                <a14:useLocalDpi xmlns:a14="http://schemas.microsoft.com/office/drawing/2010/main" val="0"/>
-              </a:ext>
-            </a:extLst>
-          </a:blip>
-          <a:stretch>
-            <a:fillRect/>
-          </a:stretch>
-        </p:blipFill>
-        <p:spPr>
-          <a:xfrm>
-            <a:off x="16341036" y="8058429"/>
-            <a:ext cx="1942857" cy="2228571"/>
-          </a:xfrm>
-          <a:prstGeom prst="rect">
-            <a:avLst/>
-          </a:prstGeom>
-        </p:spPr>
-      </p:pic>
-      <p:sp>
-        <p:nvSpPr>
-          <p:cNvPr id="4" name="TextBox 3">
-            <a:extLst>
-              <a:ext uri="{FF2B5EF4-FFF2-40B4-BE49-F238E27FC236}">
-                <a16:creationId xmlns:a16="http://schemas.microsoft.com/office/drawing/2014/main" id="{59AB6FFB-7FD0-7057-BC27-8C4B01CE34D2}"/>
-              </a:ext>
-            </a:extLst>
-          </p:cNvPr>
-          <p:cNvSpPr txBox="1"/>
-          <p:nvPr/>
-        </p:nvSpPr>
-        <p:spPr>
-          <a:xfrm>
-            <a:off x="228600" y="8267700"/>
-            <a:ext cx="6400800" cy="1569660"/>
-          </a:xfrm>
-          <a:prstGeom prst="rect">
-            <a:avLst/>
-          </a:prstGeom>
-          <a:noFill/>
-        </p:spPr>
-        <p:txBody>
-          <a:bodyPr wrap="square">
-            <a:spAutoFit/>
-          </a:bodyPr>
-          <a:lstStyle/>
-          <a:p>
-            <a:r>
-              <a:rPr lang="en-US" sz="3200" dirty="0">
-                <a:hlinkClick r:id="rId3"/>
-              </a:rPr>
-              <a:t>https://stringfestanalytics.com/how-to-understand-the-modern-excel-ai-stack/</a:t>
-            </a:r>
-            <a:r>
-              <a:rPr lang="en-US" sz="3200" dirty="0"/>
-              <a:t> </a:t>
-            </a:r>
-          </a:p>
-        </p:txBody>
-      </p:sp>
-      <p:pic>
-        <p:nvPicPr>
-          <p:cNvPr id="5" name="Picture 4">
-            <a:extLst>
-              <a:ext uri="{FF2B5EF4-FFF2-40B4-BE49-F238E27FC236}">
-                <a16:creationId xmlns:a16="http://schemas.microsoft.com/office/drawing/2014/main" id="{B9D87183-BF8B-3C89-D59E-109566F38D46}"/>
-              </a:ext>
-            </a:extLst>
-          </p:cNvPr>
-          <p:cNvPicPr>
-            <a:picLocks noChangeAspect="1"/>
-          </p:cNvPicPr>
-          <p:nvPr/>
-        </p:nvPicPr>
-        <p:blipFill>
-          <a:blip r:embed="rId4"/>
-          <a:stretch>
-            <a:fillRect/>
-          </a:stretch>
-        </p:blipFill>
-        <p:spPr>
-          <a:xfrm>
-            <a:off x="8001000" y="0"/>
-            <a:ext cx="10287000" cy="10287000"/>
-          </a:xfrm>
-          <a:prstGeom prst="rect">
-            <a:avLst/>
-          </a:prstGeom>
-        </p:spPr>
-      </p:pic>
-      <p:sp>
-        <p:nvSpPr>
-          <p:cNvPr id="2" name="Rectangle 1">
-            <a:extLst>
-              <a:ext uri="{FF2B5EF4-FFF2-40B4-BE49-F238E27FC236}">
-                <a16:creationId xmlns:a16="http://schemas.microsoft.com/office/drawing/2014/main" id="{2A65A1F1-433D-842C-ED33-95F0AF974DBB}"/>
-              </a:ext>
-            </a:extLst>
-          </p:cNvPr>
-          <p:cNvSpPr/>
-          <p:nvPr/>
-        </p:nvSpPr>
-        <p:spPr>
-          <a:xfrm>
-            <a:off x="8763000" y="6286500"/>
-            <a:ext cx="8991600" cy="1524000"/>
-          </a:xfrm>
-          <a:prstGeom prst="rect">
-            <a:avLst/>
-          </a:prstGeom>
-          <a:noFill/>
-          <a:ln w="76200">
-            <a:solidFill>
-              <a:srgbClr val="CF3338"/>
-            </a:solidFill>
-          </a:ln>
-        </p:spPr>
-        <p:style>
-          <a:lnRef idx="2">
-            <a:schemeClr val="accent1">
-              <a:shade val="15000"/>
-            </a:schemeClr>
-          </a:lnRef>
-          <a:fillRef idx="1">
-            <a:schemeClr val="accent1"/>
-          </a:fillRef>
-          <a:effectRef idx="0">
-            <a:schemeClr val="accent1"/>
-          </a:effectRef>
-          <a:fontRef idx="minor">
-            <a:schemeClr val="lt1"/>
-          </a:fontRef>
-        </p:style>
-        <p:txBody>
-          <a:bodyPr rtlCol="0" anchor="ctr"/>
-          <a:lstStyle/>
-          <a:p>
-            <a:pPr algn="ctr"/>
-            <a:endParaRPr lang="en-US"/>
-          </a:p>
-        </p:txBody>
-      </p:sp>
-    </p:spTree>
-    <p:extLst>
-      <p:ext uri="{BB962C8B-B14F-4D97-AF65-F5344CB8AC3E}">
-        <p14:creationId xmlns:p14="http://schemas.microsoft.com/office/powerpoint/2010/main" val="2791422705"/>
-      </p:ext>
-    </p:extLst>
-  </p:cSld>
-  <p:clrMapOvr>
-    <a:masterClrMapping/>
-  </p:clrMapOvr>
-</p:sld>
-</file>
-
-<file path=ppt/slides/slide4.xml><?xml version="1.0" encoding="utf-8"?>
-<p:sld xmlns:a="http://schemas.openxmlformats.org/drawingml/2006/main" xmlns:r="http://schemas.openxmlformats.org/officeDocument/2006/relationships" xmlns:p="http://schemas.openxmlformats.org/presentationml/2006/main">
-  <p:cSld>
-    <p:spTree>
-      <p:nvGrpSpPr>
-        <p:cNvPr id="1" name="">
-          <a:extLst>
-            <a:ext uri="{FF2B5EF4-FFF2-40B4-BE49-F238E27FC236}">
-              <a16:creationId xmlns:a16="http://schemas.microsoft.com/office/drawing/2014/main" id="{58E778E5-4EE9-9207-6FC7-3D28CF2383AD}"/>
-            </a:ext>
-          </a:extLst>
-        </p:cNvPr>
-        <p:cNvGrpSpPr/>
-        <p:nvPr/>
-      </p:nvGrpSpPr>
-      <p:grpSpPr>
-        <a:xfrm>
-          <a:off x="0" y="0"/>
-          <a:ext cx="0" cy="0"/>
-          <a:chOff x="0" y="0"/>
-          <a:chExt cx="0" cy="0"/>
-        </a:xfrm>
-      </p:grpSpPr>
-      <p:sp>
-        <p:nvSpPr>
-          <p:cNvPr id="11" name="TextBox 10">
-            <a:extLst>
-              <a:ext uri="{FF2B5EF4-FFF2-40B4-BE49-F238E27FC236}">
-                <a16:creationId xmlns:a16="http://schemas.microsoft.com/office/drawing/2014/main" id="{781603C7-76CD-A76B-F955-68F3329D8967}"/>
-              </a:ext>
-            </a:extLst>
-          </p:cNvPr>
-          <p:cNvSpPr txBox="1"/>
-          <p:nvPr/>
-        </p:nvSpPr>
-        <p:spPr>
-          <a:xfrm>
-            <a:off x="520861" y="170082"/>
-            <a:ext cx="14642939" cy="1477328"/>
-          </a:xfrm>
-          <a:prstGeom prst="rect">
-            <a:avLst/>
-          </a:prstGeom>
-          <a:noFill/>
-        </p:spPr>
-        <p:txBody>
-          <a:bodyPr wrap="square" rtlCol="0">
-            <a:spAutoFit/>
-          </a:bodyPr>
-          <a:lstStyle/>
-          <a:p>
-            <a:r>
-              <a:rPr lang="en-US" sz="9000" dirty="0">
-                <a:latin typeface="Aliens &amp; cows" panose="00000500000000000000" pitchFamily="2" charset="0"/>
-              </a:rPr>
-              <a:t>So what for AI?</a:t>
-            </a:r>
-          </a:p>
-        </p:txBody>
-      </p:sp>
-      <p:sp>
-        <p:nvSpPr>
-          <p:cNvPr id="3" name="TextBox 2">
-            <a:extLst>
-              <a:ext uri="{FF2B5EF4-FFF2-40B4-BE49-F238E27FC236}">
-                <a16:creationId xmlns:a16="http://schemas.microsoft.com/office/drawing/2014/main" id="{5F84214C-EACA-355D-FAEB-44DBEAE3040B}"/>
-              </a:ext>
-            </a:extLst>
-          </p:cNvPr>
-          <p:cNvSpPr txBox="1"/>
-          <p:nvPr/>
-        </p:nvSpPr>
-        <p:spPr>
-          <a:xfrm>
-            <a:off x="520861" y="2095500"/>
-            <a:ext cx="14393120" cy="7571303"/>
-          </a:xfrm>
-          <a:prstGeom prst="rect">
-            <a:avLst/>
-          </a:prstGeom>
-          <a:noFill/>
-        </p:spPr>
-        <p:txBody>
-          <a:bodyPr wrap="square" rtlCol="0">
-            <a:spAutoFit/>
-          </a:bodyPr>
-          <a:lstStyle/>
-          <a:p>
-            <a:pPr marL="685800" indent="-685800">
-              <a:buClr>
-                <a:srgbClr val="CF3338"/>
-              </a:buClr>
-              <a:buFont typeface="Arial" panose="020B0604020202020204" pitchFamily="34" charset="0"/>
-              <a:buChar char="•"/>
-            </a:pPr>
-            <a:r>
-              <a:rPr lang="en-US" sz="5400" dirty="0">
-                <a:solidFill>
-                  <a:srgbClr val="707070"/>
-                </a:solidFill>
-                <a:latin typeface="Pragmatica" panose="020B0403040502020204" pitchFamily="34" charset="0"/>
-              </a:rPr>
-              <a:t>AI depends on clean, governed, trusted data</a:t>
-            </a:r>
-          </a:p>
-          <a:p>
-            <a:pPr marL="685800" indent="-685800">
-              <a:buClr>
-                <a:srgbClr val="CF3338"/>
-              </a:buClr>
-              <a:buFont typeface="Arial" panose="020B0604020202020204" pitchFamily="34" charset="0"/>
-              <a:buChar char="•"/>
-            </a:pPr>
-            <a:r>
-              <a:rPr lang="en-US" sz="5400" dirty="0">
-                <a:solidFill>
-                  <a:srgbClr val="707070"/>
-                </a:solidFill>
-                <a:latin typeface="Pragmatica" panose="020B0403040502020204" pitchFamily="34" charset="0"/>
-              </a:rPr>
-              <a:t>Cloud connected Excel gives Copilot real context and structure</a:t>
-            </a:r>
-          </a:p>
-          <a:p>
-            <a:pPr marL="685800" indent="-685800">
-              <a:buClr>
-                <a:srgbClr val="CF3338"/>
-              </a:buClr>
-              <a:buFont typeface="Arial" panose="020B0604020202020204" pitchFamily="34" charset="0"/>
-              <a:buChar char="•"/>
-            </a:pPr>
-            <a:r>
-              <a:rPr lang="en-US" sz="5400" dirty="0">
-                <a:solidFill>
-                  <a:srgbClr val="707070"/>
-                </a:solidFill>
-                <a:latin typeface="Pragmatica" panose="020B0403040502020204" pitchFamily="34" charset="0"/>
-              </a:rPr>
-              <a:t>Semantic models teach AI the meaning of your data</a:t>
-            </a:r>
-          </a:p>
-          <a:p>
-            <a:pPr marL="685800" indent="-685800">
-              <a:buClr>
-                <a:srgbClr val="CF3338"/>
-              </a:buClr>
-              <a:buFont typeface="Arial" panose="020B0604020202020204" pitchFamily="34" charset="0"/>
-              <a:buChar char="•"/>
-            </a:pPr>
-            <a:r>
-              <a:rPr lang="en-US" sz="5400" dirty="0">
-                <a:solidFill>
-                  <a:srgbClr val="707070"/>
-                </a:solidFill>
-                <a:latin typeface="Pragmatica" panose="020B0403040502020204" pitchFamily="34" charset="0"/>
-              </a:rPr>
-              <a:t>Dataverse provides consistent tables and relationships AI can use</a:t>
-            </a:r>
-          </a:p>
-          <a:p>
-            <a:pPr marL="685800" indent="-685800">
-              <a:buClr>
-                <a:srgbClr val="CF3338"/>
-              </a:buClr>
-              <a:buFont typeface="Arial" panose="020B0604020202020204" pitchFamily="34" charset="0"/>
-              <a:buChar char="•"/>
-            </a:pPr>
-            <a:r>
-              <a:rPr lang="en-US" sz="5400" dirty="0">
-                <a:solidFill>
-                  <a:srgbClr val="707070"/>
-                </a:solidFill>
-                <a:latin typeface="Pragmatica" panose="020B0403040502020204" pitchFamily="34" charset="0"/>
-              </a:rPr>
-              <a:t>Better data foundations mean better prompts, better answers, fewer errors</a:t>
-            </a:r>
-          </a:p>
-        </p:txBody>
-      </p:sp>
-      <p:pic>
-        <p:nvPicPr>
-          <p:cNvPr id="15" name="Picture 14" descr="A close up of a sign&#10;&#10;Description automatically generated">
-            <a:extLst>
-              <a:ext uri="{FF2B5EF4-FFF2-40B4-BE49-F238E27FC236}">
-                <a16:creationId xmlns:a16="http://schemas.microsoft.com/office/drawing/2014/main" id="{6959BD9D-5738-BA78-737D-3115164D42C1}"/>
-              </a:ext>
-            </a:extLst>
-          </p:cNvPr>
-          <p:cNvPicPr>
-            <a:picLocks noChangeAspect="1"/>
-          </p:cNvPicPr>
-          <p:nvPr/>
-        </p:nvPicPr>
-        <p:blipFill>
-          <a:blip r:embed="rId2">
-            <a:extLst>
-              <a:ext uri="{28A0092B-C50C-407E-A947-70E740481C1C}">
-                <a14:useLocalDpi xmlns:a14="http://schemas.microsoft.com/office/drawing/2010/main" val="0"/>
-              </a:ext>
-            </a:extLst>
-          </a:blip>
-          <a:stretch>
-            <a:fillRect/>
-          </a:stretch>
-        </p:blipFill>
-        <p:spPr>
-          <a:xfrm>
-            <a:off x="16341036" y="8058429"/>
-            <a:ext cx="1942857" cy="2228571"/>
-          </a:xfrm>
-          <a:prstGeom prst="rect">
-            <a:avLst/>
-          </a:prstGeom>
-        </p:spPr>
-      </p:pic>
-    </p:spTree>
-    <p:extLst>
-      <p:ext uri="{BB962C8B-B14F-4D97-AF65-F5344CB8AC3E}">
-        <p14:creationId xmlns:p14="http://schemas.microsoft.com/office/powerpoint/2010/main" val="769688013"/>
-      </p:ext>
-    </p:extLst>
-  </p:cSld>
-  <p:clrMapOvr>
-    <a:masterClrMapping/>
-  </p:clrMapOvr>
-</p:sld>
-</file>
-
-<file path=ppt/slides/slide5.xml><?xml version="1.0" encoding="utf-8"?>
-<p:sld xmlns:a="http://schemas.openxmlformats.org/drawingml/2006/main" xmlns:r="http://schemas.openxmlformats.org/officeDocument/2006/relationships" xmlns:p="http://schemas.openxmlformats.org/presentationml/2006/main">
-  <p:cSld>
-    <p:spTree>
-      <p:nvGrpSpPr>
-        <p:cNvPr id="1" name=""/>
-        <p:cNvGrpSpPr/>
-        <p:nvPr/>
-      </p:nvGrpSpPr>
-      <p:grpSpPr>
-        <a:xfrm>
-          <a:off x="0" y="0"/>
-          <a:ext cx="0" cy="0"/>
-          <a:chOff x="0" y="0"/>
-          <a:chExt cx="0" cy="0"/>
-        </a:xfrm>
-      </p:grpSpPr>
-      <p:sp>
-        <p:nvSpPr>
-          <p:cNvPr id="4" name="Rectangle 3"/>
-          <p:cNvSpPr/>
-          <p:nvPr/>
-        </p:nvSpPr>
-        <p:spPr>
-          <a:xfrm>
-            <a:off x="9861630" y="0"/>
-            <a:ext cx="8426370" cy="10287000"/>
-          </a:xfrm>
-          <a:prstGeom prst="rect">
-            <a:avLst/>
-          </a:prstGeom>
-          <a:solidFill>
-            <a:srgbClr val="CF3338"/>
-          </a:solidFill>
-          <a:ln>
-            <a:noFill/>
-          </a:ln>
-        </p:spPr>
-        <p:style>
-          <a:lnRef idx="2">
-            <a:schemeClr val="accent1">
-              <a:shade val="50000"/>
-            </a:schemeClr>
-          </a:lnRef>
-          <a:fillRef idx="1">
-            <a:schemeClr val="accent1"/>
-          </a:fillRef>
-          <a:effectRef idx="0">
-            <a:schemeClr val="accent1"/>
-          </a:effectRef>
-          <a:fontRef idx="minor">
-            <a:schemeClr val="lt1"/>
-          </a:fontRef>
-        </p:style>
-        <p:txBody>
-          <a:bodyPr rtlCol="0" anchor="ctr"/>
-          <a:lstStyle/>
-          <a:p>
-            <a:pPr algn="ctr"/>
-            <a:endParaRPr lang="en-US" sz="2700"/>
-          </a:p>
-        </p:txBody>
-      </p:sp>
-      <p:pic>
-        <p:nvPicPr>
-          <p:cNvPr id="2" name="Picture 1"/>
-          <p:cNvPicPr>
-            <a:picLocks noChangeAspect="1"/>
-          </p:cNvPicPr>
-          <p:nvPr/>
-        </p:nvPicPr>
-        <p:blipFill rotWithShape="1">
-          <a:blip r:embed="rId3">
-            <a:extLst>
-              <a:ext uri="{28A0092B-C50C-407E-A947-70E740481C1C}">
-                <a14:useLocalDpi xmlns:a14="http://schemas.microsoft.com/office/drawing/2010/main" val="0"/>
-              </a:ext>
-            </a:extLst>
-          </a:blip>
-          <a:srcRect l="69227" t="33418" r="20112" b="50548"/>
-          <a:stretch/>
-        </p:blipFill>
-        <p:spPr>
-          <a:xfrm>
-            <a:off x="15579524" y="7544693"/>
-            <a:ext cx="2708477" cy="2987579"/>
-          </a:xfrm>
-          <a:prstGeom prst="rect">
-            <a:avLst/>
-          </a:prstGeom>
-        </p:spPr>
-      </p:pic>
-      <p:sp>
-        <p:nvSpPr>
-          <p:cNvPr id="3" name="TextBox 2"/>
-          <p:cNvSpPr txBox="1"/>
-          <p:nvPr/>
-        </p:nvSpPr>
-        <p:spPr>
-          <a:xfrm>
-            <a:off x="260430" y="329879"/>
-            <a:ext cx="9416969" cy="8986434"/>
-          </a:xfrm>
-          <a:prstGeom prst="rect">
-            <a:avLst/>
-          </a:prstGeom>
-          <a:noFill/>
-        </p:spPr>
-        <p:txBody>
-          <a:bodyPr wrap="square" rtlCol="0">
-            <a:spAutoFit/>
-          </a:bodyPr>
-          <a:lstStyle/>
-          <a:p>
-            <a:r>
-              <a:rPr lang="en-US" sz="6000" b="1" dirty="0">
-                <a:solidFill>
-                  <a:srgbClr val="CF3338"/>
-                </a:solidFill>
-                <a:latin typeface="Pragmatica" panose="020B0403040502020204" pitchFamily="34" charset="0"/>
-              </a:rPr>
-              <a:t>Demo: Clean in Excel, scale to the cloud</a:t>
-            </a:r>
-          </a:p>
-          <a:p>
-            <a:endParaRPr lang="en-US" sz="4200" dirty="0">
-              <a:solidFill>
-                <a:srgbClr val="CF3338"/>
-              </a:solidFill>
-              <a:latin typeface="Pragmatica" panose="020B0403040502020204" pitchFamily="34" charset="0"/>
-            </a:endParaRPr>
-          </a:p>
-          <a:p>
-            <a:pPr marL="714375" indent="-571500">
-              <a:lnSpc>
-                <a:spcPct val="115000"/>
-              </a:lnSpc>
-              <a:spcBef>
-                <a:spcPts val="1125"/>
-              </a:spcBef>
-              <a:buClr>
-                <a:srgbClr val="C00000"/>
-              </a:buClr>
-              <a:buSzPts val="2100"/>
-              <a:buFont typeface="Arial" panose="020B0604020202020204" pitchFamily="34" charset="0"/>
-              <a:buChar char="•"/>
-            </a:pPr>
-            <a:r>
-              <a:rPr lang="en-US" sz="3600" dirty="0">
-                <a:solidFill>
-                  <a:srgbClr val="C00000"/>
-                </a:solidFill>
-                <a:latin typeface="Pragmatica" panose="020B0403040502020204"/>
-                <a:sym typeface="Consolas"/>
-              </a:rPr>
-              <a:t>Use Power Query in Excel to clean and shape the Superstore dataset</a:t>
-            </a:r>
-          </a:p>
-          <a:p>
-            <a:pPr marL="714375" indent="-571500">
-              <a:lnSpc>
-                <a:spcPct val="115000"/>
-              </a:lnSpc>
-              <a:spcBef>
-                <a:spcPts val="1125"/>
-              </a:spcBef>
-              <a:buClr>
-                <a:srgbClr val="C00000"/>
-              </a:buClr>
-              <a:buSzPts val="2100"/>
-              <a:buFont typeface="Arial" panose="020B0604020202020204" pitchFamily="34" charset="0"/>
-              <a:buChar char="•"/>
-            </a:pPr>
-            <a:r>
-              <a:rPr lang="en-US" sz="3600" dirty="0">
-                <a:solidFill>
-                  <a:srgbClr val="C00000"/>
-                </a:solidFill>
-                <a:latin typeface="Pragmatica" panose="020B0403040502020204"/>
-                <a:sym typeface="Consolas"/>
-              </a:rPr>
-              <a:t>Publish the same transformation logic to a Dataflow</a:t>
-            </a:r>
-          </a:p>
-          <a:p>
-            <a:pPr marL="714375" indent="-571500">
-              <a:lnSpc>
-                <a:spcPct val="115000"/>
-              </a:lnSpc>
-              <a:spcBef>
-                <a:spcPts val="1125"/>
-              </a:spcBef>
-              <a:buClr>
-                <a:srgbClr val="C00000"/>
-              </a:buClr>
-              <a:buSzPts val="2100"/>
-              <a:buFont typeface="Arial" panose="020B0604020202020204" pitchFamily="34" charset="0"/>
-              <a:buChar char="•"/>
-            </a:pPr>
-            <a:r>
-              <a:rPr lang="en-US" sz="3600" dirty="0">
-                <a:solidFill>
-                  <a:srgbClr val="C00000"/>
-                </a:solidFill>
-                <a:latin typeface="Pragmatica" panose="020B0403040502020204"/>
-                <a:sym typeface="Consolas"/>
-              </a:rPr>
-              <a:t>Apply that logic to enterprise Dataverse tables</a:t>
-            </a:r>
-          </a:p>
-          <a:p>
-            <a:pPr marL="714375" indent="-571500">
-              <a:lnSpc>
-                <a:spcPct val="115000"/>
-              </a:lnSpc>
-              <a:spcBef>
-                <a:spcPts val="1125"/>
-              </a:spcBef>
-              <a:buClr>
-                <a:srgbClr val="C00000"/>
-              </a:buClr>
-              <a:buSzPts val="2100"/>
-              <a:buFont typeface="Arial" panose="020B0604020202020204" pitchFamily="34" charset="0"/>
-              <a:buChar char="•"/>
-            </a:pPr>
-            <a:r>
-              <a:rPr lang="en-US" sz="3600" dirty="0">
-                <a:solidFill>
-                  <a:srgbClr val="C00000"/>
-                </a:solidFill>
-                <a:latin typeface="Pragmatica" panose="020B0403040502020204"/>
-                <a:sym typeface="Consolas"/>
-              </a:rPr>
-              <a:t>Show how one transformation can serve every workflow across the Power Platform</a:t>
-            </a:r>
-          </a:p>
-          <a:p>
-            <a:pPr marL="142875">
-              <a:lnSpc>
-                <a:spcPct val="115000"/>
-              </a:lnSpc>
-              <a:spcBef>
-                <a:spcPts val="1125"/>
-              </a:spcBef>
-              <a:buClr>
-                <a:srgbClr val="C00000"/>
-              </a:buClr>
-              <a:buSzPts val="2100"/>
-            </a:pPr>
-            <a:r>
-              <a:rPr lang="en-US" sz="3600" dirty="0">
-                <a:solidFill>
-                  <a:srgbClr val="C00000"/>
-                </a:solidFill>
-                <a:latin typeface="Pragmatica" panose="020B0403040502020204"/>
-                <a:sym typeface="Consolas"/>
-              </a:rPr>
-              <a:t>Workbook: </a:t>
-            </a:r>
-            <a:r>
-              <a:rPr lang="en-US" sz="3600" dirty="0">
-                <a:solidFill>
-                  <a:srgbClr val="C00000"/>
-                </a:solidFill>
-                <a:latin typeface="Consolas" panose="020B0609020204030204" pitchFamily="49" charset="0"/>
-                <a:sym typeface="Consolas"/>
-              </a:rPr>
-              <a:t>wholesale-customers.xlsx</a:t>
-            </a:r>
-          </a:p>
-        </p:txBody>
-      </p:sp>
-    </p:spTree>
-    <p:extLst>
-      <p:ext uri="{BB962C8B-B14F-4D97-AF65-F5344CB8AC3E}">
-        <p14:creationId xmlns:p14="http://schemas.microsoft.com/office/powerpoint/2010/main" val="3871531779"/>
-      </p:ext>
-    </p:extLst>
-  </p:cSld>
-  <p:clrMapOvr>
-    <a:masterClrMapping/>
-  </p:clrMapOvr>
-</p:sld>
-</file>
-
-<file path=ppt/slides/slide6.xml><?xml version="1.0" encoding="utf-8"?>
-<p:sld xmlns:a="http://schemas.openxmlformats.org/drawingml/2006/main" xmlns:r="http://schemas.openxmlformats.org/officeDocument/2006/relationships" xmlns:p="http://schemas.openxmlformats.org/presentationml/2006/main">
-  <p:cSld>
-    <p:spTree>
-      <p:nvGrpSpPr>
-        <p:cNvPr id="1" name="">
-          <a:extLst>
-            <a:ext uri="{FF2B5EF4-FFF2-40B4-BE49-F238E27FC236}">
-              <a16:creationId xmlns:a16="http://schemas.microsoft.com/office/drawing/2014/main" id="{D687E3AC-4FA3-83DA-F79F-26551AD8550C}"/>
-            </a:ext>
-          </a:extLst>
-        </p:cNvPr>
-        <p:cNvGrpSpPr/>
-        <p:nvPr/>
-      </p:nvGrpSpPr>
-      <p:grpSpPr>
-        <a:xfrm>
-          <a:off x="0" y="0"/>
-          <a:ext cx="0" cy="0"/>
-          <a:chOff x="0" y="0"/>
-          <a:chExt cx="0" cy="0"/>
-        </a:xfrm>
-      </p:grpSpPr>
-      <p:sp>
-        <p:nvSpPr>
-          <p:cNvPr id="11" name="TextBox 10">
-            <a:extLst>
-              <a:ext uri="{FF2B5EF4-FFF2-40B4-BE49-F238E27FC236}">
-                <a16:creationId xmlns:a16="http://schemas.microsoft.com/office/drawing/2014/main" id="{FFF83F61-9347-B3FC-96FC-70DF3E10AC66}"/>
-              </a:ext>
-            </a:extLst>
-          </p:cNvPr>
-          <p:cNvSpPr txBox="1"/>
-          <p:nvPr/>
-        </p:nvSpPr>
-        <p:spPr>
-          <a:xfrm>
-            <a:off x="520861" y="170082"/>
-            <a:ext cx="14642939" cy="1477328"/>
-          </a:xfrm>
-          <a:prstGeom prst="rect">
-            <a:avLst/>
-          </a:prstGeom>
-          <a:noFill/>
-        </p:spPr>
-        <p:txBody>
-          <a:bodyPr wrap="square" rtlCol="0">
-            <a:spAutoFit/>
-          </a:bodyPr>
-          <a:lstStyle/>
-          <a:p>
-            <a:r>
-              <a:rPr lang="en-US" sz="9000" dirty="0">
-                <a:latin typeface="Aliens &amp; cows" panose="00000500000000000000" pitchFamily="2" charset="0"/>
-              </a:rPr>
-              <a:t>So what for AI?</a:t>
-            </a:r>
-          </a:p>
-        </p:txBody>
-      </p:sp>
-      <p:sp>
-        <p:nvSpPr>
-          <p:cNvPr id="3" name="TextBox 2">
-            <a:extLst>
-              <a:ext uri="{FF2B5EF4-FFF2-40B4-BE49-F238E27FC236}">
-                <a16:creationId xmlns:a16="http://schemas.microsoft.com/office/drawing/2014/main" id="{7A23AEB3-4E11-C3D4-E894-27B00448C33C}"/>
-              </a:ext>
-            </a:extLst>
-          </p:cNvPr>
-          <p:cNvSpPr txBox="1"/>
-          <p:nvPr/>
-        </p:nvSpPr>
-        <p:spPr>
-          <a:xfrm>
-            <a:off x="520861" y="2095500"/>
-            <a:ext cx="14393120" cy="5078313"/>
-          </a:xfrm>
-          <a:prstGeom prst="rect">
-            <a:avLst/>
-          </a:prstGeom>
-          <a:noFill/>
-        </p:spPr>
-        <p:txBody>
-          <a:bodyPr wrap="square" rtlCol="0">
-            <a:spAutoFit/>
-          </a:bodyPr>
-          <a:lstStyle/>
-          <a:p>
-            <a:pPr marL="685800" indent="-685800">
-              <a:buClr>
-                <a:srgbClr val="CF3338"/>
-              </a:buClr>
-              <a:buFont typeface="Arial" panose="020B0604020202020204" pitchFamily="34" charset="0"/>
-              <a:buChar char="•"/>
-            </a:pPr>
-            <a:r>
-              <a:rPr lang="en-US" sz="5400" dirty="0">
-                <a:solidFill>
-                  <a:srgbClr val="707070"/>
-                </a:solidFill>
-                <a:latin typeface="Pragmatica" panose="020B0403040502020204" pitchFamily="34" charset="0"/>
-              </a:rPr>
-              <a:t>AI needs consistent, well defined tables, not one off cleanup</a:t>
-            </a:r>
-          </a:p>
-          <a:p>
-            <a:pPr marL="685800" indent="-685800">
-              <a:buClr>
-                <a:srgbClr val="CF3338"/>
-              </a:buClr>
-              <a:buFont typeface="Arial" panose="020B0604020202020204" pitchFamily="34" charset="0"/>
-              <a:buChar char="•"/>
-            </a:pPr>
-            <a:r>
-              <a:rPr lang="en-US" sz="5400" dirty="0">
-                <a:solidFill>
-                  <a:srgbClr val="707070"/>
-                </a:solidFill>
-                <a:latin typeface="Pragmatica" panose="020B0403040502020204" pitchFamily="34" charset="0"/>
-              </a:rPr>
-              <a:t>Dataflows give Copilot Studio reliable inputs for reasoning and actions</a:t>
-            </a:r>
-          </a:p>
-          <a:p>
-            <a:pPr marL="685800" indent="-685800">
-              <a:buClr>
-                <a:srgbClr val="CF3338"/>
-              </a:buClr>
-              <a:buFont typeface="Arial" panose="020B0604020202020204" pitchFamily="34" charset="0"/>
-              <a:buChar char="•"/>
-            </a:pPr>
-            <a:r>
-              <a:rPr lang="en-US" sz="5400" dirty="0">
-                <a:solidFill>
-                  <a:srgbClr val="707070"/>
-                </a:solidFill>
-                <a:latin typeface="Pragmatica" panose="020B0403040502020204" pitchFamily="34" charset="0"/>
-              </a:rPr>
-              <a:t>You cannot build strong copilots without strong data foundations</a:t>
-            </a:r>
-          </a:p>
-        </p:txBody>
-      </p:sp>
-      <p:pic>
-        <p:nvPicPr>
-          <p:cNvPr id="15" name="Picture 14" descr="A close up of a sign&#10;&#10;Description automatically generated">
-            <a:extLst>
-              <a:ext uri="{FF2B5EF4-FFF2-40B4-BE49-F238E27FC236}">
-                <a16:creationId xmlns:a16="http://schemas.microsoft.com/office/drawing/2014/main" id="{96DC29E9-117A-CF3F-ECBD-08964AD5B8F2}"/>
-              </a:ext>
-            </a:extLst>
-          </p:cNvPr>
-          <p:cNvPicPr>
-            <a:picLocks noChangeAspect="1"/>
-          </p:cNvPicPr>
-          <p:nvPr/>
-        </p:nvPicPr>
-        <p:blipFill>
-          <a:blip r:embed="rId2">
-            <a:extLst>
-              <a:ext uri="{28A0092B-C50C-407E-A947-70E740481C1C}">
-                <a14:useLocalDpi xmlns:a14="http://schemas.microsoft.com/office/drawing/2010/main" val="0"/>
-              </a:ext>
-            </a:extLst>
-          </a:blip>
-          <a:stretch>
-            <a:fillRect/>
-          </a:stretch>
-        </p:blipFill>
-        <p:spPr>
-          <a:xfrm>
-            <a:off x="16341036" y="8058429"/>
-            <a:ext cx="1942857" cy="2228571"/>
-          </a:xfrm>
-          <a:prstGeom prst="rect">
-            <a:avLst/>
-          </a:prstGeom>
-        </p:spPr>
-      </p:pic>
-    </p:spTree>
-    <p:extLst>
-      <p:ext uri="{BB962C8B-B14F-4D97-AF65-F5344CB8AC3E}">
-        <p14:creationId xmlns:p14="http://schemas.microsoft.com/office/powerpoint/2010/main" val="43337917"/>
-      </p:ext>
-    </p:extLst>
-  </p:cSld>
-  <p:clrMapOvr>
-    <a:masterClrMapping/>
-  </p:clrMapOvr>
-</p:sld>
-</file>
-
-<file path=ppt/slides/slide7.xml><?xml version="1.0" encoding="utf-8"?>
-<p:sld xmlns:a="http://schemas.openxmlformats.org/drawingml/2006/main" xmlns:r="http://schemas.openxmlformats.org/officeDocument/2006/relationships" xmlns:p="http://schemas.openxmlformats.org/presentationml/2006/main">
-  <p:cSld>
-    <p:spTree>
-      <p:nvGrpSpPr>
-        <p:cNvPr id="1" name="">
-          <a:extLst>
-            <a:ext uri="{FF2B5EF4-FFF2-40B4-BE49-F238E27FC236}">
-              <a16:creationId xmlns:a16="http://schemas.microsoft.com/office/drawing/2014/main" id="{E7B78ECD-3650-0D5D-E084-2ADF90776325}"/>
-            </a:ext>
-          </a:extLst>
-        </p:cNvPr>
-        <p:cNvGrpSpPr/>
-        <p:nvPr/>
-      </p:nvGrpSpPr>
-      <p:grpSpPr>
-        <a:xfrm>
-          <a:off x="0" y="0"/>
-          <a:ext cx="0" cy="0"/>
-          <a:chOff x="0" y="0"/>
-          <a:chExt cx="0" cy="0"/>
-        </a:xfrm>
-      </p:grpSpPr>
-      <p:sp>
-        <p:nvSpPr>
-          <p:cNvPr id="11" name="TextBox 10">
-            <a:extLst>
-              <a:ext uri="{FF2B5EF4-FFF2-40B4-BE49-F238E27FC236}">
-                <a16:creationId xmlns:a16="http://schemas.microsoft.com/office/drawing/2014/main" id="{2BF29A83-0331-0E10-824A-4833E4760B19}"/>
-              </a:ext>
-            </a:extLst>
-          </p:cNvPr>
-          <p:cNvSpPr txBox="1"/>
-          <p:nvPr/>
-        </p:nvSpPr>
-        <p:spPr>
-          <a:xfrm>
-            <a:off x="520861" y="170082"/>
-            <a:ext cx="16700339" cy="1107996"/>
-          </a:xfrm>
-          <a:prstGeom prst="rect">
-            <a:avLst/>
-          </a:prstGeom>
-          <a:noFill/>
-        </p:spPr>
-        <p:txBody>
-          <a:bodyPr wrap="square" rtlCol="0">
-            <a:spAutoFit/>
-          </a:bodyPr>
-          <a:lstStyle/>
-          <a:p>
-            <a:r>
-              <a:rPr lang="en-US" sz="6600" dirty="0">
-                <a:latin typeface="Aliens &amp; cows" panose="00000500000000000000" pitchFamily="2" charset="0"/>
-              </a:rPr>
-              <a:t>Day 3 preview: The intelligence layer with Excel</a:t>
-            </a:r>
-          </a:p>
-        </p:txBody>
-      </p:sp>
-      <p:sp>
-        <p:nvSpPr>
-          <p:cNvPr id="3" name="TextBox 2">
-            <a:extLst>
-              <a:ext uri="{FF2B5EF4-FFF2-40B4-BE49-F238E27FC236}">
-                <a16:creationId xmlns:a16="http://schemas.microsoft.com/office/drawing/2014/main" id="{1F8BFEA8-EC1E-D186-8530-6533D3345701}"/>
-              </a:ext>
-            </a:extLst>
-          </p:cNvPr>
-          <p:cNvSpPr txBox="1"/>
-          <p:nvPr/>
-        </p:nvSpPr>
-        <p:spPr>
-          <a:xfrm>
-            <a:off x="520861" y="2095500"/>
-            <a:ext cx="14393120" cy="5909310"/>
-          </a:xfrm>
-          <a:prstGeom prst="rect">
-            <a:avLst/>
-          </a:prstGeom>
-          <a:noFill/>
-        </p:spPr>
-        <p:txBody>
-          <a:bodyPr wrap="square" rtlCol="0">
-            <a:spAutoFit/>
-          </a:bodyPr>
-          <a:lstStyle/>
-          <a:p>
-            <a:pPr marL="685800" indent="-685800">
-              <a:buClr>
-                <a:srgbClr val="CF3338"/>
-              </a:buClr>
-              <a:buFont typeface="Arial" panose="020B0604020202020204" pitchFamily="34" charset="0"/>
-              <a:buChar char="•"/>
-            </a:pPr>
-            <a:r>
-              <a:rPr lang="en-US" sz="5400" dirty="0">
-                <a:solidFill>
-                  <a:srgbClr val="707070"/>
-                </a:solidFill>
-                <a:latin typeface="Pragmatica" panose="020B0403040502020204" pitchFamily="34" charset="0"/>
-              </a:rPr>
-              <a:t>Use Copilot inside Excel to create formulas, charts, and insights</a:t>
-            </a:r>
-          </a:p>
-          <a:p>
-            <a:pPr marL="685800" indent="-685800">
-              <a:buClr>
-                <a:srgbClr val="CF3338"/>
-              </a:buClr>
-              <a:buFont typeface="Arial" panose="020B0604020202020204" pitchFamily="34" charset="0"/>
-              <a:buChar char="•"/>
-            </a:pPr>
-            <a:r>
-              <a:rPr lang="en-US" sz="5400" dirty="0">
-                <a:solidFill>
-                  <a:srgbClr val="707070"/>
-                </a:solidFill>
-                <a:latin typeface="Pragmatica" panose="020B0403040502020204" pitchFamily="34" charset="0"/>
-              </a:rPr>
-              <a:t>Run Python for analytics, modeling, and forecasting</a:t>
-            </a:r>
-          </a:p>
-          <a:p>
-            <a:pPr marL="685800" indent="-685800">
-              <a:buClr>
-                <a:srgbClr val="CF3338"/>
-              </a:buClr>
-              <a:buFont typeface="Arial" panose="020B0604020202020204" pitchFamily="34" charset="0"/>
-              <a:buChar char="•"/>
-            </a:pPr>
-            <a:r>
-              <a:rPr lang="en-US" sz="5400" dirty="0">
-                <a:solidFill>
-                  <a:srgbClr val="707070"/>
-                </a:solidFill>
-                <a:latin typeface="Pragmatica" panose="020B0403040502020204" pitchFamily="34" charset="0"/>
-              </a:rPr>
-              <a:t>See how Agent Mode handles multi step analytical tasks</a:t>
-            </a:r>
-          </a:p>
-          <a:p>
-            <a:pPr marL="685800" indent="-685800">
-              <a:buClr>
-                <a:srgbClr val="CF3338"/>
-              </a:buClr>
-              <a:buFont typeface="Arial" panose="020B0604020202020204" pitchFamily="34" charset="0"/>
-              <a:buChar char="•"/>
-            </a:pPr>
-            <a:endParaRPr lang="en-US" sz="5400" dirty="0">
-              <a:solidFill>
-                <a:srgbClr val="707070"/>
-              </a:solidFill>
-              <a:latin typeface="Pragmatica" panose="020B0403040502020204" pitchFamily="34" charset="0"/>
-            </a:endParaRPr>
-          </a:p>
-        </p:txBody>
-      </p:sp>
-      <p:pic>
-        <p:nvPicPr>
-          <p:cNvPr id="15" name="Picture 14" descr="A close up of a sign&#10;&#10;Description automatically generated">
-            <a:extLst>
-              <a:ext uri="{FF2B5EF4-FFF2-40B4-BE49-F238E27FC236}">
-                <a16:creationId xmlns:a16="http://schemas.microsoft.com/office/drawing/2014/main" id="{49376407-AE9F-CCBA-4232-9DA21ADE632E}"/>
-              </a:ext>
-            </a:extLst>
-          </p:cNvPr>
-          <p:cNvPicPr>
-            <a:picLocks noChangeAspect="1"/>
-          </p:cNvPicPr>
-          <p:nvPr/>
-        </p:nvPicPr>
-        <p:blipFill>
-          <a:blip r:embed="rId2">
-            <a:extLst>
-              <a:ext uri="{28A0092B-C50C-407E-A947-70E740481C1C}">
-                <a14:useLocalDpi xmlns:a14="http://schemas.microsoft.com/office/drawing/2010/main" val="0"/>
-              </a:ext>
-            </a:extLst>
-          </a:blip>
-          <a:stretch>
-            <a:fillRect/>
-          </a:stretch>
-        </p:blipFill>
-        <p:spPr>
-          <a:xfrm>
-            <a:off x="16341036" y="8058429"/>
-            <a:ext cx="1942857" cy="2228571"/>
-          </a:xfrm>
-          <a:prstGeom prst="rect">
-            <a:avLst/>
-          </a:prstGeom>
-        </p:spPr>
-      </p:pic>
-    </p:spTree>
-    <p:extLst>
-      <p:ext uri="{BB962C8B-B14F-4D97-AF65-F5344CB8AC3E}">
-        <p14:creationId xmlns:p14="http://schemas.microsoft.com/office/powerpoint/2010/main" val="2946292221"/>
-      </p:ext>
-    </p:extLst>
-  </p:cSld>
-  <p:clrMapOvr>
-    <a:masterClrMapping/>
-  </p:clrMapOvr>
-</p:sld>
-</file>
-
-<file path=ppt/slides/slide8.xml><?xml version="1.0" encoding="utf-8"?>
+<file path=ppt/slides/slide10.xml><?xml version="1.0" encoding="utf-8"?>
 <p:sld xmlns:a="http://schemas.openxmlformats.org/drawingml/2006/main" xmlns:r="http://schemas.openxmlformats.org/officeDocument/2006/relationships" xmlns:p="http://schemas.openxmlformats.org/presentationml/2006/main">
   <p:cSld>
     <p:spTree>
@@ -5228,7 +4271,7 @@
 </p:sld>
 </file>
 
-<file path=ppt/slides/slide9.xml><?xml version="1.0" encoding="utf-8"?>
+<file path=ppt/slides/slide11.xml><?xml version="1.0" encoding="utf-8"?>
 <p:sld xmlns:a="http://schemas.openxmlformats.org/drawingml/2006/main" xmlns:r="http://schemas.openxmlformats.org/officeDocument/2006/relationships" xmlns:p="http://schemas.openxmlformats.org/presentationml/2006/main">
   <p:cSld>
     <p:spTree>
@@ -5411,6 +4454,3258 @@
     <p:extLst>
       <p:ext uri="{BB962C8B-B14F-4D97-AF65-F5344CB8AC3E}">
         <p14:creationId xmlns:p14="http://schemas.microsoft.com/office/powerpoint/2010/main" val="709344641"/>
+      </p:ext>
+    </p:extLst>
+  </p:cSld>
+  <p:clrMapOvr>
+    <a:masterClrMapping/>
+  </p:clrMapOvr>
+</p:sld>
+</file>
+
+<file path=ppt/slides/slide2.xml><?xml version="1.0" encoding="utf-8"?>
+<p:sld xmlns:a="http://schemas.openxmlformats.org/drawingml/2006/main" xmlns:r="http://schemas.openxmlformats.org/officeDocument/2006/relationships" xmlns:p="http://schemas.openxmlformats.org/presentationml/2006/main">
+  <p:cSld>
+    <p:spTree>
+      <p:nvGrpSpPr>
+        <p:cNvPr id="1" name="">
+          <a:extLst>
+            <a:ext uri="{FF2B5EF4-FFF2-40B4-BE49-F238E27FC236}">
+              <a16:creationId xmlns:a16="http://schemas.microsoft.com/office/drawing/2014/main" id="{B016697A-2DDC-AD06-0D5F-524946CCFA3B}"/>
+            </a:ext>
+          </a:extLst>
+        </p:cNvPr>
+        <p:cNvGrpSpPr/>
+        <p:nvPr/>
+      </p:nvGrpSpPr>
+      <p:grpSpPr>
+        <a:xfrm>
+          <a:off x="0" y="0"/>
+          <a:ext cx="0" cy="0"/>
+          <a:chOff x="0" y="0"/>
+          <a:chExt cx="0" cy="0"/>
+        </a:xfrm>
+      </p:grpSpPr>
+      <p:sp>
+        <p:nvSpPr>
+          <p:cNvPr id="11" name="TextBox 10">
+            <a:extLst>
+              <a:ext uri="{FF2B5EF4-FFF2-40B4-BE49-F238E27FC236}">
+                <a16:creationId xmlns:a16="http://schemas.microsoft.com/office/drawing/2014/main" id="{0E25D70B-1F78-7AF8-4771-7B64B436CB0F}"/>
+              </a:ext>
+            </a:extLst>
+          </p:cNvPr>
+          <p:cNvSpPr txBox="1"/>
+          <p:nvPr/>
+        </p:nvSpPr>
+        <p:spPr>
+          <a:xfrm>
+            <a:off x="520861" y="170082"/>
+            <a:ext cx="14642939" cy="1477328"/>
+          </a:xfrm>
+          <a:prstGeom prst="rect">
+            <a:avLst/>
+          </a:prstGeom>
+          <a:noFill/>
+        </p:spPr>
+        <p:txBody>
+          <a:bodyPr wrap="square" rtlCol="0">
+            <a:spAutoFit/>
+          </a:bodyPr>
+          <a:lstStyle/>
+          <a:p>
+            <a:r>
+              <a:rPr lang="en-US" sz="9000" dirty="0">
+                <a:latin typeface="Aliens &amp; cows" panose="00000500000000000000" pitchFamily="2" charset="0"/>
+              </a:rPr>
+              <a:t>Class logistics</a:t>
+            </a:r>
+          </a:p>
+        </p:txBody>
+      </p:sp>
+      <p:sp>
+        <p:nvSpPr>
+          <p:cNvPr id="3" name="TextBox 2">
+            <a:extLst>
+              <a:ext uri="{FF2B5EF4-FFF2-40B4-BE49-F238E27FC236}">
+                <a16:creationId xmlns:a16="http://schemas.microsoft.com/office/drawing/2014/main" id="{8AD5976A-E96C-DF78-2D1D-42CD64D3E69F}"/>
+              </a:ext>
+            </a:extLst>
+          </p:cNvPr>
+          <p:cNvSpPr txBox="1"/>
+          <p:nvPr/>
+        </p:nvSpPr>
+        <p:spPr>
+          <a:xfrm>
+            <a:off x="520861" y="3191948"/>
+            <a:ext cx="14393120" cy="5078313"/>
+          </a:xfrm>
+          <a:prstGeom prst="rect">
+            <a:avLst/>
+          </a:prstGeom>
+          <a:noFill/>
+        </p:spPr>
+        <p:txBody>
+          <a:bodyPr wrap="square" rtlCol="0">
+            <a:spAutoFit/>
+          </a:bodyPr>
+          <a:lstStyle/>
+          <a:p>
+            <a:pPr marL="685800" indent="-685800">
+              <a:buClr>
+                <a:srgbClr val="CF3338"/>
+              </a:buClr>
+              <a:buFont typeface="Arial" panose="020B0604020202020204" pitchFamily="34" charset="0"/>
+              <a:buChar char="•"/>
+            </a:pPr>
+            <a:r>
+              <a:rPr lang="en-US" sz="5400" dirty="0">
+                <a:solidFill>
+                  <a:srgbClr val="707070"/>
+                </a:solidFill>
+                <a:latin typeface="Pragmatica" panose="020B0403040502020204" pitchFamily="34" charset="0"/>
+              </a:rPr>
+              <a:t>All recordings, files used and communication will be on Teams channel</a:t>
+            </a:r>
+          </a:p>
+          <a:p>
+            <a:pPr marL="1143000" lvl="1" indent="-685800">
+              <a:buClr>
+                <a:srgbClr val="CF3338"/>
+              </a:buClr>
+              <a:buFont typeface="Arial" panose="020B0604020202020204" pitchFamily="34" charset="0"/>
+              <a:buChar char="•"/>
+            </a:pPr>
+            <a:r>
+              <a:rPr lang="en-US" sz="5400" dirty="0">
+                <a:solidFill>
+                  <a:srgbClr val="707070"/>
+                </a:solidFill>
+                <a:latin typeface="Pragmatica" panose="020B0403040502020204" pitchFamily="34" charset="0"/>
+              </a:rPr>
+              <a:t>Be sure to use your email used to sign up for the course!</a:t>
+            </a:r>
+          </a:p>
+          <a:p>
+            <a:pPr marL="1143000" lvl="1" indent="-685800">
+              <a:buClr>
+                <a:srgbClr val="CF3338"/>
+              </a:buClr>
+              <a:buFont typeface="Arial" panose="020B0604020202020204" pitchFamily="34" charset="0"/>
+              <a:buChar char="•"/>
+            </a:pPr>
+            <a:r>
+              <a:rPr lang="en-US" sz="5400" dirty="0">
+                <a:solidFill>
+                  <a:srgbClr val="707070"/>
+                </a:solidFill>
+                <a:latin typeface="Pragmatica" panose="020B0403040502020204" pitchFamily="34" charset="0"/>
+              </a:rPr>
+              <a:t>Email me with any questions: </a:t>
+            </a:r>
+            <a:r>
+              <a:rPr lang="en-US" sz="5400" b="1" dirty="0">
+                <a:solidFill>
+                  <a:srgbClr val="707070"/>
+                </a:solidFill>
+                <a:latin typeface="Pragmatica" panose="020B0403040502020204" pitchFamily="34" charset="0"/>
+              </a:rPr>
+              <a:t>george@stringfestanalytics.com </a:t>
+            </a:r>
+          </a:p>
+        </p:txBody>
+      </p:sp>
+      <p:pic>
+        <p:nvPicPr>
+          <p:cNvPr id="15" name="Picture 14" descr="A close up of a sign&#10;&#10;Description automatically generated">
+            <a:extLst>
+              <a:ext uri="{FF2B5EF4-FFF2-40B4-BE49-F238E27FC236}">
+                <a16:creationId xmlns:a16="http://schemas.microsoft.com/office/drawing/2014/main" id="{56BC9DC3-5856-1F48-F0BE-E6FB589534FC}"/>
+              </a:ext>
+            </a:extLst>
+          </p:cNvPr>
+          <p:cNvPicPr>
+            <a:picLocks noChangeAspect="1"/>
+          </p:cNvPicPr>
+          <p:nvPr/>
+        </p:nvPicPr>
+        <p:blipFill>
+          <a:blip r:embed="rId2">
+            <a:extLst>
+              <a:ext uri="{28A0092B-C50C-407E-A947-70E740481C1C}">
+                <a14:useLocalDpi xmlns:a14="http://schemas.microsoft.com/office/drawing/2010/main" val="0"/>
+              </a:ext>
+            </a:extLst>
+          </a:blip>
+          <a:stretch>
+            <a:fillRect/>
+          </a:stretch>
+        </p:blipFill>
+        <p:spPr>
+          <a:xfrm>
+            <a:off x="16341036" y="8058429"/>
+            <a:ext cx="1942857" cy="2228571"/>
+          </a:xfrm>
+          <a:prstGeom prst="rect">
+            <a:avLst/>
+          </a:prstGeom>
+        </p:spPr>
+      </p:pic>
+    </p:spTree>
+    <p:extLst>
+      <p:ext uri="{BB962C8B-B14F-4D97-AF65-F5344CB8AC3E}">
+        <p14:creationId xmlns:p14="http://schemas.microsoft.com/office/powerpoint/2010/main" val="3740785016"/>
+      </p:ext>
+    </p:extLst>
+  </p:cSld>
+  <p:clrMapOvr>
+    <a:masterClrMapping/>
+  </p:clrMapOvr>
+</p:sld>
+</file>
+
+<file path=ppt/slides/slide3.xml><?xml version="1.0" encoding="utf-8"?>
+<p:sld xmlns:a="http://schemas.openxmlformats.org/drawingml/2006/main" xmlns:r="http://schemas.openxmlformats.org/officeDocument/2006/relationships" xmlns:p="http://schemas.openxmlformats.org/presentationml/2006/main">
+  <p:cSld>
+    <p:spTree>
+      <p:nvGrpSpPr>
+        <p:cNvPr id="1" name="">
+          <a:extLst>
+            <a:ext uri="{FF2B5EF4-FFF2-40B4-BE49-F238E27FC236}">
+              <a16:creationId xmlns:a16="http://schemas.microsoft.com/office/drawing/2014/main" id="{B3E6ACC5-4B11-2B34-2998-BB1C4FC9CC6C}"/>
+            </a:ext>
+          </a:extLst>
+        </p:cNvPr>
+        <p:cNvGrpSpPr/>
+        <p:nvPr/>
+      </p:nvGrpSpPr>
+      <p:grpSpPr>
+        <a:xfrm>
+          <a:off x="0" y="0"/>
+          <a:ext cx="0" cy="0"/>
+          <a:chOff x="0" y="0"/>
+          <a:chExt cx="0" cy="0"/>
+        </a:xfrm>
+      </p:grpSpPr>
+      <p:sp>
+        <p:nvSpPr>
+          <p:cNvPr id="11" name="TextBox 10">
+            <a:extLst>
+              <a:ext uri="{FF2B5EF4-FFF2-40B4-BE49-F238E27FC236}">
+                <a16:creationId xmlns:a16="http://schemas.microsoft.com/office/drawing/2014/main" id="{EDA2185A-0457-8E44-DEEB-D9AF5A6DD844}"/>
+              </a:ext>
+            </a:extLst>
+          </p:cNvPr>
+          <p:cNvSpPr txBox="1"/>
+          <p:nvPr/>
+        </p:nvSpPr>
+        <p:spPr>
+          <a:xfrm>
+            <a:off x="520861" y="170082"/>
+            <a:ext cx="6794339" cy="3785652"/>
+          </a:xfrm>
+          <a:prstGeom prst="rect">
+            <a:avLst/>
+          </a:prstGeom>
+          <a:noFill/>
+        </p:spPr>
+        <p:txBody>
+          <a:bodyPr wrap="square" rtlCol="0">
+            <a:spAutoFit/>
+          </a:bodyPr>
+          <a:lstStyle/>
+          <a:p>
+            <a:r>
+              <a:rPr lang="en-US" sz="8000" dirty="0">
+                <a:latin typeface="Aliens &amp; cows" panose="00000500000000000000" pitchFamily="2" charset="0"/>
+              </a:rPr>
+              <a:t>Welcome to the modern Excel AI stack</a:t>
+            </a:r>
+          </a:p>
+        </p:txBody>
+      </p:sp>
+      <p:pic>
+        <p:nvPicPr>
+          <p:cNvPr id="15" name="Picture 14" descr="A close up of a sign&#10;&#10;Description automatically generated">
+            <a:extLst>
+              <a:ext uri="{FF2B5EF4-FFF2-40B4-BE49-F238E27FC236}">
+                <a16:creationId xmlns:a16="http://schemas.microsoft.com/office/drawing/2014/main" id="{B40CB128-54BB-AAD9-5F61-2143EA93C39E}"/>
+              </a:ext>
+            </a:extLst>
+          </p:cNvPr>
+          <p:cNvPicPr>
+            <a:picLocks noChangeAspect="1"/>
+          </p:cNvPicPr>
+          <p:nvPr/>
+        </p:nvPicPr>
+        <p:blipFill>
+          <a:blip r:embed="rId2">
+            <a:extLst>
+              <a:ext uri="{28A0092B-C50C-407E-A947-70E740481C1C}">
+                <a14:useLocalDpi xmlns:a14="http://schemas.microsoft.com/office/drawing/2010/main" val="0"/>
+              </a:ext>
+            </a:extLst>
+          </a:blip>
+          <a:stretch>
+            <a:fillRect/>
+          </a:stretch>
+        </p:blipFill>
+        <p:spPr>
+          <a:xfrm>
+            <a:off x="16341036" y="8058429"/>
+            <a:ext cx="1942857" cy="2228571"/>
+          </a:xfrm>
+          <a:prstGeom prst="rect">
+            <a:avLst/>
+          </a:prstGeom>
+        </p:spPr>
+      </p:pic>
+      <p:sp>
+        <p:nvSpPr>
+          <p:cNvPr id="4" name="TextBox 3">
+            <a:extLst>
+              <a:ext uri="{FF2B5EF4-FFF2-40B4-BE49-F238E27FC236}">
+                <a16:creationId xmlns:a16="http://schemas.microsoft.com/office/drawing/2014/main" id="{59AB6FFB-7FD0-7057-BC27-8C4B01CE34D2}"/>
+              </a:ext>
+            </a:extLst>
+          </p:cNvPr>
+          <p:cNvSpPr txBox="1"/>
+          <p:nvPr/>
+        </p:nvSpPr>
+        <p:spPr>
+          <a:xfrm>
+            <a:off x="228600" y="8267700"/>
+            <a:ext cx="6400800" cy="1569660"/>
+          </a:xfrm>
+          <a:prstGeom prst="rect">
+            <a:avLst/>
+          </a:prstGeom>
+          <a:noFill/>
+        </p:spPr>
+        <p:txBody>
+          <a:bodyPr wrap="square">
+            <a:spAutoFit/>
+          </a:bodyPr>
+          <a:lstStyle/>
+          <a:p>
+            <a:r>
+              <a:rPr lang="en-US" sz="3200" dirty="0">
+                <a:hlinkClick r:id="rId3"/>
+              </a:rPr>
+              <a:t>https://stringfestanalytics.com/how-to-understand-the-modern-excel-ai-stack/</a:t>
+            </a:r>
+            <a:r>
+              <a:rPr lang="en-US" sz="3200" dirty="0"/>
+              <a:t> </a:t>
+            </a:r>
+          </a:p>
+        </p:txBody>
+      </p:sp>
+      <p:pic>
+        <p:nvPicPr>
+          <p:cNvPr id="5" name="Picture 4">
+            <a:extLst>
+              <a:ext uri="{FF2B5EF4-FFF2-40B4-BE49-F238E27FC236}">
+                <a16:creationId xmlns:a16="http://schemas.microsoft.com/office/drawing/2014/main" id="{B9D87183-BF8B-3C89-D59E-109566F38D46}"/>
+              </a:ext>
+            </a:extLst>
+          </p:cNvPr>
+          <p:cNvPicPr>
+            <a:picLocks noChangeAspect="1"/>
+          </p:cNvPicPr>
+          <p:nvPr/>
+        </p:nvPicPr>
+        <p:blipFill>
+          <a:blip r:embed="rId4"/>
+          <a:stretch>
+            <a:fillRect/>
+          </a:stretch>
+        </p:blipFill>
+        <p:spPr>
+          <a:xfrm>
+            <a:off x="8001000" y="0"/>
+            <a:ext cx="10287000" cy="10287000"/>
+          </a:xfrm>
+          <a:prstGeom prst="rect">
+            <a:avLst/>
+          </a:prstGeom>
+        </p:spPr>
+      </p:pic>
+      <p:sp>
+        <p:nvSpPr>
+          <p:cNvPr id="2" name="Rectangle 1">
+            <a:extLst>
+              <a:ext uri="{FF2B5EF4-FFF2-40B4-BE49-F238E27FC236}">
+                <a16:creationId xmlns:a16="http://schemas.microsoft.com/office/drawing/2014/main" id="{2A65A1F1-433D-842C-ED33-95F0AF974DBB}"/>
+              </a:ext>
+            </a:extLst>
+          </p:cNvPr>
+          <p:cNvSpPr/>
+          <p:nvPr/>
+        </p:nvSpPr>
+        <p:spPr>
+          <a:xfrm>
+            <a:off x="8915400" y="4914900"/>
+            <a:ext cx="8610600" cy="1447800"/>
+          </a:xfrm>
+          <a:prstGeom prst="rect">
+            <a:avLst/>
+          </a:prstGeom>
+          <a:noFill/>
+          <a:ln w="76200">
+            <a:solidFill>
+              <a:srgbClr val="CF3338"/>
+            </a:solidFill>
+          </a:ln>
+        </p:spPr>
+        <p:style>
+          <a:lnRef idx="2">
+            <a:schemeClr val="accent1">
+              <a:shade val="15000"/>
+            </a:schemeClr>
+          </a:lnRef>
+          <a:fillRef idx="1">
+            <a:schemeClr val="accent1"/>
+          </a:fillRef>
+          <a:effectRef idx="0">
+            <a:schemeClr val="accent1"/>
+          </a:effectRef>
+          <a:fontRef idx="minor">
+            <a:schemeClr val="lt1"/>
+          </a:fontRef>
+        </p:style>
+        <p:txBody>
+          <a:bodyPr rtlCol="0" anchor="ctr"/>
+          <a:lstStyle/>
+          <a:p>
+            <a:pPr algn="ctr"/>
+            <a:endParaRPr lang="en-US"/>
+          </a:p>
+        </p:txBody>
+      </p:sp>
+    </p:spTree>
+    <p:extLst>
+      <p:ext uri="{BB962C8B-B14F-4D97-AF65-F5344CB8AC3E}">
+        <p14:creationId xmlns:p14="http://schemas.microsoft.com/office/powerpoint/2010/main" val="2791422705"/>
+      </p:ext>
+    </p:extLst>
+  </p:cSld>
+  <p:clrMapOvr>
+    <a:masterClrMapping/>
+  </p:clrMapOvr>
+</p:sld>
+</file>
+
+<file path=ppt/slides/slide4.xml><?xml version="1.0" encoding="utf-8"?>
+<p:sld xmlns:a="http://schemas.openxmlformats.org/drawingml/2006/main" xmlns:r="http://schemas.openxmlformats.org/officeDocument/2006/relationships" xmlns:p="http://schemas.openxmlformats.org/presentationml/2006/main">
+  <p:cSld>
+    <p:spTree>
+      <p:nvGrpSpPr>
+        <p:cNvPr id="1" name="">
+          <a:extLst>
+            <a:ext uri="{FF2B5EF4-FFF2-40B4-BE49-F238E27FC236}">
+              <a16:creationId xmlns:a16="http://schemas.microsoft.com/office/drawing/2014/main" id="{EF07B9AA-11DF-07E9-D10F-D48AA35895E2}"/>
+            </a:ext>
+          </a:extLst>
+        </p:cNvPr>
+        <p:cNvGrpSpPr/>
+        <p:nvPr/>
+      </p:nvGrpSpPr>
+      <p:grpSpPr>
+        <a:xfrm>
+          <a:off x="0" y="0"/>
+          <a:ext cx="0" cy="0"/>
+          <a:chOff x="0" y="0"/>
+          <a:chExt cx="0" cy="0"/>
+        </a:xfrm>
+      </p:grpSpPr>
+      <p:sp>
+        <p:nvSpPr>
+          <p:cNvPr id="11" name="TextBox 10">
+            <a:extLst>
+              <a:ext uri="{FF2B5EF4-FFF2-40B4-BE49-F238E27FC236}">
+                <a16:creationId xmlns:a16="http://schemas.microsoft.com/office/drawing/2014/main" id="{8DFA40A7-39FC-41CC-77EA-1665157EAAEE}"/>
+              </a:ext>
+            </a:extLst>
+          </p:cNvPr>
+          <p:cNvSpPr txBox="1"/>
+          <p:nvPr/>
+        </p:nvSpPr>
+        <p:spPr>
+          <a:xfrm>
+            <a:off x="520861" y="170082"/>
+            <a:ext cx="18148139" cy="1323439"/>
+          </a:xfrm>
+          <a:prstGeom prst="rect">
+            <a:avLst/>
+          </a:prstGeom>
+          <a:noFill/>
+        </p:spPr>
+        <p:txBody>
+          <a:bodyPr wrap="square" rtlCol="0">
+            <a:spAutoFit/>
+          </a:bodyPr>
+          <a:lstStyle/>
+          <a:p>
+            <a:r>
+              <a:rPr lang="en-US" sz="8000" dirty="0">
+                <a:latin typeface="Aliens &amp; cows" panose="00000500000000000000" pitchFamily="2" charset="0"/>
+              </a:rPr>
+              <a:t>The integration-automation AI framework</a:t>
+            </a:r>
+          </a:p>
+        </p:txBody>
+      </p:sp>
+      <p:sp>
+        <p:nvSpPr>
+          <p:cNvPr id="3" name="TextBox 2">
+            <a:extLst>
+              <a:ext uri="{FF2B5EF4-FFF2-40B4-BE49-F238E27FC236}">
+                <a16:creationId xmlns:a16="http://schemas.microsoft.com/office/drawing/2014/main" id="{7B5C03DE-34B5-5138-BBDA-CAB910B0E4B6}"/>
+              </a:ext>
+            </a:extLst>
+          </p:cNvPr>
+          <p:cNvSpPr txBox="1"/>
+          <p:nvPr/>
+        </p:nvSpPr>
+        <p:spPr>
+          <a:xfrm>
+            <a:off x="8860" y="9172714"/>
+            <a:ext cx="14393120" cy="646331"/>
+          </a:xfrm>
+          <a:prstGeom prst="rect">
+            <a:avLst/>
+          </a:prstGeom>
+          <a:noFill/>
+        </p:spPr>
+        <p:txBody>
+          <a:bodyPr wrap="square" rtlCol="0">
+            <a:spAutoFit/>
+          </a:bodyPr>
+          <a:lstStyle/>
+          <a:p>
+            <a:r>
+              <a:rPr lang="en-US" sz="3600" dirty="0">
+                <a:hlinkClick r:id="rId3">
+                  <a:extLst>
+                    <a:ext uri="{A12FA001-AC4F-418D-AE19-62706E023703}">
+                      <ahyp:hlinkClr xmlns:ahyp="http://schemas.microsoft.com/office/drawing/2018/hyperlinkcolor" val="tx"/>
+                    </a:ext>
+                  </a:extLst>
+                </a:hlinkClick>
+              </a:rPr>
+              <a:t>https://blog.tobiaszwingmann.com/p/integration-automation-ai-framework</a:t>
+            </a:r>
+            <a:r>
+              <a:rPr lang="en-US" sz="3600" dirty="0"/>
+              <a:t>   </a:t>
+            </a:r>
+          </a:p>
+        </p:txBody>
+      </p:sp>
+      <p:pic>
+        <p:nvPicPr>
+          <p:cNvPr id="15" name="Picture 14" descr="A close up of a sign&#10;&#10;Description automatically generated">
+            <a:extLst>
+              <a:ext uri="{FF2B5EF4-FFF2-40B4-BE49-F238E27FC236}">
+                <a16:creationId xmlns:a16="http://schemas.microsoft.com/office/drawing/2014/main" id="{061C0269-AC87-2563-77CD-772323152861}"/>
+              </a:ext>
+            </a:extLst>
+          </p:cNvPr>
+          <p:cNvPicPr>
+            <a:picLocks noChangeAspect="1"/>
+          </p:cNvPicPr>
+          <p:nvPr/>
+        </p:nvPicPr>
+        <p:blipFill>
+          <a:blip r:embed="rId4">
+            <a:extLst>
+              <a:ext uri="{28A0092B-C50C-407E-A947-70E740481C1C}">
+                <a14:useLocalDpi xmlns:a14="http://schemas.microsoft.com/office/drawing/2010/main" val="0"/>
+              </a:ext>
+            </a:extLst>
+          </a:blip>
+          <a:stretch>
+            <a:fillRect/>
+          </a:stretch>
+        </p:blipFill>
+        <p:spPr>
+          <a:xfrm>
+            <a:off x="16341036" y="8058429"/>
+            <a:ext cx="1942857" cy="2228571"/>
+          </a:xfrm>
+          <a:prstGeom prst="rect">
+            <a:avLst/>
+          </a:prstGeom>
+        </p:spPr>
+      </p:pic>
+      <p:pic>
+        <p:nvPicPr>
+          <p:cNvPr id="2" name="Picture 2">
+            <a:extLst>
+              <a:ext uri="{FF2B5EF4-FFF2-40B4-BE49-F238E27FC236}">
+                <a16:creationId xmlns:a16="http://schemas.microsoft.com/office/drawing/2014/main" id="{9AC67B3E-5FC4-3CB3-963D-F64C18FD4A3D}"/>
+              </a:ext>
+            </a:extLst>
+          </p:cNvPr>
+          <p:cNvPicPr>
+            <a:picLocks noChangeAspect="1" noChangeArrowheads="1"/>
+          </p:cNvPicPr>
+          <p:nvPr/>
+        </p:nvPicPr>
+        <p:blipFill>
+          <a:blip r:embed="rId5">
+            <a:extLst>
+              <a:ext uri="{28A0092B-C50C-407E-A947-70E740481C1C}">
+                <a14:useLocalDpi xmlns:a14="http://schemas.microsoft.com/office/drawing/2010/main" val="0"/>
+              </a:ext>
+            </a:extLst>
+          </a:blip>
+          <a:srcRect/>
+          <a:stretch>
+            <a:fillRect/>
+          </a:stretch>
+        </p:blipFill>
+        <p:spPr bwMode="auto">
+          <a:xfrm>
+            <a:off x="5791200" y="1552678"/>
+            <a:ext cx="8458380" cy="7181643"/>
+          </a:xfrm>
+          <a:prstGeom prst="rect">
+            <a:avLst/>
+          </a:prstGeom>
+          <a:noFill/>
+          <a:extLst>
+            <a:ext uri="{909E8E84-426E-40DD-AFC4-6F175D3DCCD1}">
+              <a14:hiddenFill xmlns:a14="http://schemas.microsoft.com/office/drawing/2010/main">
+                <a:solidFill>
+                  <a:srgbClr val="FFFFFF"/>
+                </a:solidFill>
+              </a14:hiddenFill>
+            </a:ext>
+          </a:extLst>
+        </p:spPr>
+      </p:pic>
+    </p:spTree>
+    <p:extLst>
+      <p:ext uri="{BB962C8B-B14F-4D97-AF65-F5344CB8AC3E}">
+        <p14:creationId xmlns:p14="http://schemas.microsoft.com/office/powerpoint/2010/main" val="608227143"/>
+      </p:ext>
+    </p:extLst>
+  </p:cSld>
+  <p:clrMapOvr>
+    <a:masterClrMapping/>
+  </p:clrMapOvr>
+</p:sld>
+</file>
+
+<file path=ppt/slides/slide5.xml><?xml version="1.0" encoding="utf-8"?>
+<p:sld xmlns:a="http://schemas.openxmlformats.org/drawingml/2006/main" xmlns:r="http://schemas.openxmlformats.org/officeDocument/2006/relationships" xmlns:p="http://schemas.openxmlformats.org/presentationml/2006/main">
+  <p:cSld>
+    <p:spTree>
+      <p:nvGrpSpPr>
+        <p:cNvPr id="1" name=""/>
+        <p:cNvGrpSpPr/>
+        <p:nvPr/>
+      </p:nvGrpSpPr>
+      <p:grpSpPr>
+        <a:xfrm>
+          <a:off x="0" y="0"/>
+          <a:ext cx="0" cy="0"/>
+          <a:chOff x="0" y="0"/>
+          <a:chExt cx="0" cy="0"/>
+        </a:xfrm>
+      </p:grpSpPr>
+      <p:sp>
+        <p:nvSpPr>
+          <p:cNvPr id="4" name="Rectangle 3"/>
+          <p:cNvSpPr/>
+          <p:nvPr/>
+        </p:nvSpPr>
+        <p:spPr>
+          <a:xfrm>
+            <a:off x="9861630" y="0"/>
+            <a:ext cx="8426370" cy="10287000"/>
+          </a:xfrm>
+          <a:prstGeom prst="rect">
+            <a:avLst/>
+          </a:prstGeom>
+          <a:solidFill>
+            <a:srgbClr val="CF3338"/>
+          </a:solidFill>
+          <a:ln>
+            <a:noFill/>
+          </a:ln>
+        </p:spPr>
+        <p:style>
+          <a:lnRef idx="2">
+            <a:schemeClr val="accent1">
+              <a:shade val="50000"/>
+            </a:schemeClr>
+          </a:lnRef>
+          <a:fillRef idx="1">
+            <a:schemeClr val="accent1"/>
+          </a:fillRef>
+          <a:effectRef idx="0">
+            <a:schemeClr val="accent1"/>
+          </a:effectRef>
+          <a:fontRef idx="minor">
+            <a:schemeClr val="lt1"/>
+          </a:fontRef>
+        </p:style>
+        <p:txBody>
+          <a:bodyPr rtlCol="0" anchor="ctr"/>
+          <a:lstStyle/>
+          <a:p>
+            <a:pPr algn="ctr"/>
+            <a:endParaRPr lang="en-US" sz="2700"/>
+          </a:p>
+        </p:txBody>
+      </p:sp>
+      <p:pic>
+        <p:nvPicPr>
+          <p:cNvPr id="2" name="Picture 1"/>
+          <p:cNvPicPr>
+            <a:picLocks noChangeAspect="1"/>
+          </p:cNvPicPr>
+          <p:nvPr/>
+        </p:nvPicPr>
+        <p:blipFill rotWithShape="1">
+          <a:blip r:embed="rId3">
+            <a:extLst>
+              <a:ext uri="{28A0092B-C50C-407E-A947-70E740481C1C}">
+                <a14:useLocalDpi xmlns:a14="http://schemas.microsoft.com/office/drawing/2010/main" val="0"/>
+              </a:ext>
+            </a:extLst>
+          </a:blip>
+          <a:srcRect l="69227" t="33418" r="20112" b="50548"/>
+          <a:stretch/>
+        </p:blipFill>
+        <p:spPr>
+          <a:xfrm>
+            <a:off x="15579524" y="7544693"/>
+            <a:ext cx="2708477" cy="2987579"/>
+          </a:xfrm>
+          <a:prstGeom prst="rect">
+            <a:avLst/>
+          </a:prstGeom>
+        </p:spPr>
+      </p:pic>
+      <p:sp>
+        <p:nvSpPr>
+          <p:cNvPr id="3" name="TextBox 2"/>
+          <p:cNvSpPr txBox="1"/>
+          <p:nvPr/>
+        </p:nvSpPr>
+        <p:spPr>
+          <a:xfrm>
+            <a:off x="260431" y="329879"/>
+            <a:ext cx="8906720" cy="9147441"/>
+          </a:xfrm>
+          <a:prstGeom prst="rect">
+            <a:avLst/>
+          </a:prstGeom>
+          <a:noFill/>
+        </p:spPr>
+        <p:txBody>
+          <a:bodyPr wrap="square" rtlCol="0">
+            <a:spAutoFit/>
+          </a:bodyPr>
+          <a:lstStyle/>
+          <a:p>
+            <a:r>
+              <a:rPr lang="en-US" sz="6000" b="1" dirty="0">
+                <a:solidFill>
+                  <a:srgbClr val="CF3338"/>
+                </a:solidFill>
+                <a:latin typeface="Pragmatica" panose="020B0403040502020204" pitchFamily="34" charset="0"/>
+              </a:rPr>
+              <a:t>Studying penguins with Copilot</a:t>
+            </a:r>
+          </a:p>
+          <a:p>
+            <a:endParaRPr lang="en-US" sz="4200" dirty="0">
+              <a:solidFill>
+                <a:srgbClr val="CF3338"/>
+              </a:solidFill>
+              <a:latin typeface="Pragmatica" panose="020B0403040502020204" pitchFamily="34" charset="0"/>
+            </a:endParaRPr>
+          </a:p>
+          <a:p>
+            <a:pPr marL="342900" marR="0" lvl="0" indent="-342900">
+              <a:lnSpc>
+                <a:spcPct val="150000"/>
+              </a:lnSpc>
+              <a:spcBef>
+                <a:spcPts val="0"/>
+              </a:spcBef>
+              <a:spcAft>
+                <a:spcPts val="0"/>
+              </a:spcAft>
+              <a:buFont typeface="+mj-lt"/>
+              <a:buAutoNum type="arabicPeriod"/>
+            </a:pPr>
+            <a:r>
+              <a:rPr lang="en-US" sz="3600" kern="100" dirty="0">
+                <a:solidFill>
+                  <a:srgbClr val="CF3338"/>
+                </a:solidFill>
+                <a:latin typeface="Pragmatica" panose="020B0403040502020204"/>
+                <a:ea typeface="Aptos" panose="020B0004020202020204" pitchFamily="34" charset="0"/>
+                <a:cs typeface="Times New Roman" panose="02020603050405020304" pitchFamily="18" charset="0"/>
+              </a:rPr>
+              <a:t>Workbook: </a:t>
+            </a:r>
+            <a:r>
+              <a:rPr lang="en-US" sz="3600" kern="100" dirty="0">
+                <a:solidFill>
+                  <a:srgbClr val="CF3338"/>
+                </a:solidFill>
+                <a:latin typeface="Consolas" panose="020B0609020204030204" pitchFamily="49" charset="0"/>
+                <a:ea typeface="Aptos" panose="020B0004020202020204" pitchFamily="34" charset="0"/>
+                <a:cs typeface="Times New Roman" panose="02020603050405020304" pitchFamily="18" charset="0"/>
+              </a:rPr>
+              <a:t>penguins.xlsx</a:t>
+            </a:r>
+            <a:endParaRPr lang="en-US" sz="3600" kern="100" dirty="0">
+              <a:solidFill>
+                <a:srgbClr val="CF3338"/>
+              </a:solidFill>
+              <a:effectLst/>
+              <a:latin typeface="Consolas" panose="020B0609020204030204" pitchFamily="49" charset="0"/>
+              <a:ea typeface="Aptos" panose="020B0004020202020204" pitchFamily="34" charset="0"/>
+              <a:cs typeface="Times New Roman" panose="02020603050405020304" pitchFamily="18" charset="0"/>
+            </a:endParaRPr>
+          </a:p>
+          <a:p>
+            <a:pPr marL="342900" marR="0" lvl="0" indent="-342900">
+              <a:lnSpc>
+                <a:spcPct val="150000"/>
+              </a:lnSpc>
+              <a:spcBef>
+                <a:spcPts val="0"/>
+              </a:spcBef>
+              <a:spcAft>
+                <a:spcPts val="0"/>
+              </a:spcAft>
+              <a:buFont typeface="+mj-lt"/>
+              <a:buAutoNum type="arabicPeriod"/>
+            </a:pPr>
+            <a:r>
+              <a:rPr lang="en-US" sz="3600" kern="100" dirty="0">
+                <a:solidFill>
+                  <a:srgbClr val="CF3338"/>
+                </a:solidFill>
+                <a:effectLst/>
+                <a:latin typeface="Pragmatica" panose="020B0403040502020204"/>
+                <a:ea typeface="Aptos" panose="020B0004020202020204" pitchFamily="34" charset="0"/>
+                <a:cs typeface="Times New Roman" panose="02020603050405020304" pitchFamily="18" charset="0"/>
+              </a:rPr>
+              <a:t>Getting data Copilot-friendly</a:t>
+            </a:r>
+          </a:p>
+          <a:p>
+            <a:pPr marL="342900" marR="0" lvl="0" indent="-342900">
+              <a:lnSpc>
+                <a:spcPct val="150000"/>
+              </a:lnSpc>
+              <a:spcBef>
+                <a:spcPts val="0"/>
+              </a:spcBef>
+              <a:spcAft>
+                <a:spcPts val="0"/>
+              </a:spcAft>
+              <a:buFont typeface="+mj-lt"/>
+              <a:buAutoNum type="arabicPeriod"/>
+            </a:pPr>
+            <a:r>
+              <a:rPr lang="en-US" sz="3600" kern="100" dirty="0">
+                <a:solidFill>
+                  <a:srgbClr val="CF3338"/>
+                </a:solidFill>
+                <a:effectLst/>
+                <a:latin typeface="Pragmatica" panose="020B0403040502020204"/>
+                <a:ea typeface="Aptos" panose="020B0004020202020204" pitchFamily="34" charset="0"/>
+                <a:cs typeface="Times New Roman" panose="02020603050405020304" pitchFamily="18" charset="0"/>
+              </a:rPr>
+              <a:t>Formatting data as a Table</a:t>
+            </a:r>
+          </a:p>
+          <a:p>
+            <a:pPr marL="342900" marR="0" lvl="0" indent="-342900">
+              <a:lnSpc>
+                <a:spcPct val="150000"/>
+              </a:lnSpc>
+              <a:spcBef>
+                <a:spcPts val="0"/>
+              </a:spcBef>
+              <a:spcAft>
+                <a:spcPts val="0"/>
+              </a:spcAft>
+              <a:buFont typeface="+mj-lt"/>
+              <a:buAutoNum type="arabicPeriod"/>
+            </a:pPr>
+            <a:r>
+              <a:rPr lang="en-US" sz="3600" kern="100" dirty="0">
+                <a:solidFill>
+                  <a:srgbClr val="CF3338"/>
+                </a:solidFill>
+                <a:effectLst/>
+                <a:latin typeface="Pragmatica" panose="020B0403040502020204"/>
+                <a:ea typeface="Aptos" panose="020B0004020202020204" pitchFamily="34" charset="0"/>
+                <a:cs typeface="Times New Roman" panose="02020603050405020304" pitchFamily="18" charset="0"/>
+              </a:rPr>
+              <a:t>Creating calculated columns</a:t>
+            </a:r>
+          </a:p>
+          <a:p>
+            <a:pPr marL="342900" marR="0" lvl="0" indent="-342900">
+              <a:lnSpc>
+                <a:spcPct val="150000"/>
+              </a:lnSpc>
+              <a:spcBef>
+                <a:spcPts val="0"/>
+              </a:spcBef>
+              <a:spcAft>
+                <a:spcPts val="0"/>
+              </a:spcAft>
+              <a:buFont typeface="+mj-lt"/>
+              <a:buAutoNum type="arabicPeriod"/>
+            </a:pPr>
+            <a:r>
+              <a:rPr lang="en-US" sz="3600" kern="100" dirty="0">
+                <a:solidFill>
+                  <a:srgbClr val="CF3338"/>
+                </a:solidFill>
+                <a:effectLst/>
+                <a:latin typeface="Pragmatica" panose="020B0403040502020204"/>
+                <a:ea typeface="Aptos" panose="020B0004020202020204" pitchFamily="34" charset="0"/>
+                <a:cs typeface="Times New Roman" panose="02020603050405020304" pitchFamily="18" charset="0"/>
+              </a:rPr>
+              <a:t>Building summary charts</a:t>
+            </a:r>
+          </a:p>
+          <a:p>
+            <a:pPr marL="342900" marR="0" lvl="0" indent="-342900">
+              <a:lnSpc>
+                <a:spcPct val="150000"/>
+              </a:lnSpc>
+              <a:spcBef>
+                <a:spcPts val="0"/>
+              </a:spcBef>
+              <a:spcAft>
+                <a:spcPts val="0"/>
+              </a:spcAft>
+              <a:buFont typeface="+mj-lt"/>
+              <a:buAutoNum type="arabicPeriod"/>
+            </a:pPr>
+            <a:r>
+              <a:rPr lang="en-US" sz="3600" kern="100" dirty="0">
+                <a:solidFill>
+                  <a:srgbClr val="CF3338"/>
+                </a:solidFill>
+                <a:effectLst/>
+                <a:latin typeface="Pragmatica" panose="020B0403040502020204"/>
+                <a:ea typeface="Aptos" panose="020B0004020202020204" pitchFamily="34" charset="0"/>
+                <a:cs typeface="Times New Roman" panose="02020603050405020304" pitchFamily="18" charset="0"/>
+              </a:rPr>
+              <a:t>Using PivotTables</a:t>
+            </a:r>
+          </a:p>
+          <a:p>
+            <a:pPr marL="342900" marR="0" lvl="0" indent="-342900">
+              <a:lnSpc>
+                <a:spcPct val="150000"/>
+              </a:lnSpc>
+              <a:spcBef>
+                <a:spcPts val="0"/>
+              </a:spcBef>
+              <a:spcAft>
+                <a:spcPts val="0"/>
+              </a:spcAft>
+              <a:buFont typeface="+mj-lt"/>
+              <a:buAutoNum type="arabicPeriod"/>
+            </a:pPr>
+            <a:r>
+              <a:rPr lang="en-US" sz="3600" kern="100" dirty="0">
+                <a:solidFill>
+                  <a:srgbClr val="CF3338"/>
+                </a:solidFill>
+                <a:effectLst/>
+                <a:latin typeface="Pragmatica" panose="020B0403040502020204"/>
+                <a:ea typeface="Aptos" panose="020B0004020202020204" pitchFamily="34" charset="0"/>
+                <a:cs typeface="Times New Roman" panose="02020603050405020304" pitchFamily="18" charset="0"/>
+              </a:rPr>
+              <a:t>Exploring advanced analysis with Python in Excel</a:t>
+            </a:r>
+          </a:p>
+        </p:txBody>
+      </p:sp>
+    </p:spTree>
+    <p:extLst>
+      <p:ext uri="{BB962C8B-B14F-4D97-AF65-F5344CB8AC3E}">
+        <p14:creationId xmlns:p14="http://schemas.microsoft.com/office/powerpoint/2010/main" val="1679221718"/>
+      </p:ext>
+    </p:extLst>
+  </p:cSld>
+  <p:clrMapOvr>
+    <a:masterClrMapping/>
+  </p:clrMapOvr>
+</p:sld>
+</file>
+
+<file path=ppt/slides/slide6.xml><?xml version="1.0" encoding="utf-8"?>
+<p:sld xmlns:a="http://schemas.openxmlformats.org/drawingml/2006/main" xmlns:r="http://schemas.openxmlformats.org/officeDocument/2006/relationships" xmlns:p="http://schemas.openxmlformats.org/presentationml/2006/main">
+  <p:cSld>
+    <p:spTree>
+      <p:nvGrpSpPr>
+        <p:cNvPr id="1" name="">
+          <a:extLst>
+            <a:ext uri="{FF2B5EF4-FFF2-40B4-BE49-F238E27FC236}">
+              <a16:creationId xmlns:a16="http://schemas.microsoft.com/office/drawing/2014/main" id="{3B1B2F53-9CBC-02CA-9A51-ED2E8A944633}"/>
+            </a:ext>
+          </a:extLst>
+        </p:cNvPr>
+        <p:cNvGrpSpPr/>
+        <p:nvPr/>
+      </p:nvGrpSpPr>
+      <p:grpSpPr>
+        <a:xfrm>
+          <a:off x="0" y="0"/>
+          <a:ext cx="0" cy="0"/>
+          <a:chOff x="0" y="0"/>
+          <a:chExt cx="0" cy="0"/>
+        </a:xfrm>
+      </p:grpSpPr>
+      <p:sp>
+        <p:nvSpPr>
+          <p:cNvPr id="11" name="TextBox 10">
+            <a:extLst>
+              <a:ext uri="{FF2B5EF4-FFF2-40B4-BE49-F238E27FC236}">
+                <a16:creationId xmlns:a16="http://schemas.microsoft.com/office/drawing/2014/main" id="{1DA59A59-1845-383F-38E2-0337D6AE0BFB}"/>
+              </a:ext>
+            </a:extLst>
+          </p:cNvPr>
+          <p:cNvSpPr txBox="1"/>
+          <p:nvPr/>
+        </p:nvSpPr>
+        <p:spPr>
+          <a:xfrm>
+            <a:off x="520861" y="170082"/>
+            <a:ext cx="16395539" cy="1200329"/>
+          </a:xfrm>
+          <a:prstGeom prst="rect">
+            <a:avLst/>
+          </a:prstGeom>
+          <a:noFill/>
+        </p:spPr>
+        <p:txBody>
+          <a:bodyPr wrap="square" rtlCol="0">
+            <a:spAutoFit/>
+          </a:bodyPr>
+          <a:lstStyle/>
+          <a:p>
+            <a:r>
+              <a:rPr lang="en-US" sz="7200" dirty="0">
+                <a:latin typeface="Aliens &amp; cows" panose="00000500000000000000" pitchFamily="2" charset="0"/>
+              </a:rPr>
+              <a:t>Excel Copilot vs Excel Agent Mode</a:t>
+            </a:r>
+          </a:p>
+        </p:txBody>
+      </p:sp>
+      <p:pic>
+        <p:nvPicPr>
+          <p:cNvPr id="15" name="Picture 14" descr="A close up of a sign&#10;&#10;Description automatically generated">
+            <a:extLst>
+              <a:ext uri="{FF2B5EF4-FFF2-40B4-BE49-F238E27FC236}">
+                <a16:creationId xmlns:a16="http://schemas.microsoft.com/office/drawing/2014/main" id="{25B7AACD-032E-784C-D92C-BF6F5751F609}"/>
+              </a:ext>
+            </a:extLst>
+          </p:cNvPr>
+          <p:cNvPicPr>
+            <a:picLocks noChangeAspect="1"/>
+          </p:cNvPicPr>
+          <p:nvPr/>
+        </p:nvPicPr>
+        <p:blipFill>
+          <a:blip r:embed="rId3">
+            <a:extLst>
+              <a:ext uri="{28A0092B-C50C-407E-A947-70E740481C1C}">
+                <a14:useLocalDpi xmlns:a14="http://schemas.microsoft.com/office/drawing/2010/main" val="0"/>
+              </a:ext>
+            </a:extLst>
+          </a:blip>
+          <a:stretch>
+            <a:fillRect/>
+          </a:stretch>
+        </p:blipFill>
+        <p:spPr>
+          <a:xfrm>
+            <a:off x="16341036" y="8058429"/>
+            <a:ext cx="1942857" cy="2228571"/>
+          </a:xfrm>
+          <a:prstGeom prst="rect">
+            <a:avLst/>
+          </a:prstGeom>
+        </p:spPr>
+      </p:pic>
+      <p:graphicFrame>
+        <p:nvGraphicFramePr>
+          <p:cNvPr id="3" name="Table 2">
+            <a:extLst>
+              <a:ext uri="{FF2B5EF4-FFF2-40B4-BE49-F238E27FC236}">
+                <a16:creationId xmlns:a16="http://schemas.microsoft.com/office/drawing/2014/main" id="{A7829486-E1C2-6EFC-4E09-983F9108F30F}"/>
+              </a:ext>
+            </a:extLst>
+          </p:cNvPr>
+          <p:cNvGraphicFramePr>
+            <a:graphicFrameLocks noGrp="1"/>
+          </p:cNvGraphicFramePr>
+          <p:nvPr/>
+        </p:nvGraphicFramePr>
+        <p:xfrm>
+          <a:off x="457200" y="1714340"/>
+          <a:ext cx="14401800" cy="7162962"/>
+        </p:xfrm>
+        <a:graphic>
+          <a:graphicData uri="http://schemas.openxmlformats.org/drawingml/2006/table">
+            <a:tbl>
+              <a:tblPr/>
+              <a:tblGrid>
+                <a:gridCol w="4800600">
+                  <a:extLst>
+                    <a:ext uri="{9D8B030D-6E8A-4147-A177-3AD203B41FA5}">
+                      <a16:colId xmlns:a16="http://schemas.microsoft.com/office/drawing/2014/main" val="4201771282"/>
+                    </a:ext>
+                  </a:extLst>
+                </a:gridCol>
+                <a:gridCol w="4800600">
+                  <a:extLst>
+                    <a:ext uri="{9D8B030D-6E8A-4147-A177-3AD203B41FA5}">
+                      <a16:colId xmlns:a16="http://schemas.microsoft.com/office/drawing/2014/main" val="777237233"/>
+                    </a:ext>
+                  </a:extLst>
+                </a:gridCol>
+                <a:gridCol w="4800600">
+                  <a:extLst>
+                    <a:ext uri="{9D8B030D-6E8A-4147-A177-3AD203B41FA5}">
+                      <a16:colId xmlns:a16="http://schemas.microsoft.com/office/drawing/2014/main" val="673316634"/>
+                    </a:ext>
+                  </a:extLst>
+                </a:gridCol>
+              </a:tblGrid>
+              <a:tr h="609614">
+                <a:tc>
+                  <a:txBody>
+                    <a:bodyPr/>
+                    <a:lstStyle/>
+                    <a:p>
+                      <a:pPr>
+                        <a:buNone/>
+                      </a:pPr>
+                      <a:r>
+                        <a:rPr lang="en-US" sz="3200" b="1"/>
+                        <a:t>Feature</a:t>
+                      </a:r>
+                      <a:endParaRPr lang="en-US" sz="3200"/>
+                    </a:p>
+                  </a:txBody>
+                  <a:tcPr anchor="ctr">
+                    <a:lnL w="12700" cap="flat" cmpd="sng" algn="ctr">
+                      <a:solidFill>
+                        <a:schemeClr val="tx1"/>
+                      </a:solidFill>
+                      <a:prstDash val="solid"/>
+                      <a:round/>
+                      <a:headEnd type="none" w="med" len="med"/>
+                      <a:tailEnd type="none" w="med" len="med"/>
+                    </a:lnL>
+                    <a:lnR w="12700" cap="flat" cmpd="sng" algn="ctr">
+                      <a:solidFill>
+                        <a:schemeClr val="tx1"/>
+                      </a:solidFill>
+                      <a:prstDash val="solid"/>
+                      <a:round/>
+                      <a:headEnd type="none" w="med" len="med"/>
+                      <a:tailEnd type="none" w="med" len="med"/>
+                    </a:lnR>
+                    <a:lnT w="12700" cap="flat" cmpd="sng" algn="ctr">
+                      <a:solidFill>
+                        <a:schemeClr val="tx1"/>
+                      </a:solidFill>
+                      <a:prstDash val="solid"/>
+                      <a:round/>
+                      <a:headEnd type="none" w="med" len="med"/>
+                      <a:tailEnd type="none" w="med" len="med"/>
+                    </a:lnT>
+                    <a:lnB w="12700" cap="flat" cmpd="sng" algn="ctr">
+                      <a:solidFill>
+                        <a:schemeClr val="tx1"/>
+                      </a:solidFill>
+                      <a:prstDash val="solid"/>
+                      <a:round/>
+                      <a:headEnd type="none" w="med" len="med"/>
+                      <a:tailEnd type="none" w="med" len="med"/>
+                    </a:lnB>
+                    <a:noFill/>
+                  </a:tcPr>
+                </a:tc>
+                <a:tc>
+                  <a:txBody>
+                    <a:bodyPr/>
+                    <a:lstStyle/>
+                    <a:p>
+                      <a:pPr>
+                        <a:buNone/>
+                      </a:pPr>
+                      <a:r>
+                        <a:rPr lang="en-US" sz="3200" b="1"/>
+                        <a:t>Excel Copilot</a:t>
+                      </a:r>
+                      <a:endParaRPr lang="en-US" sz="3200"/>
+                    </a:p>
+                  </a:txBody>
+                  <a:tcPr anchor="ctr">
+                    <a:lnL w="12700" cap="flat" cmpd="sng" algn="ctr">
+                      <a:solidFill>
+                        <a:schemeClr val="tx1"/>
+                      </a:solidFill>
+                      <a:prstDash val="solid"/>
+                      <a:round/>
+                      <a:headEnd type="none" w="med" len="med"/>
+                      <a:tailEnd type="none" w="med" len="med"/>
+                    </a:lnL>
+                    <a:lnR w="12700" cap="flat" cmpd="sng" algn="ctr">
+                      <a:solidFill>
+                        <a:schemeClr val="tx1"/>
+                      </a:solidFill>
+                      <a:prstDash val="solid"/>
+                      <a:round/>
+                      <a:headEnd type="none" w="med" len="med"/>
+                      <a:tailEnd type="none" w="med" len="med"/>
+                    </a:lnR>
+                    <a:lnT w="12700" cap="flat" cmpd="sng" algn="ctr">
+                      <a:solidFill>
+                        <a:schemeClr val="tx1"/>
+                      </a:solidFill>
+                      <a:prstDash val="solid"/>
+                      <a:round/>
+                      <a:headEnd type="none" w="med" len="med"/>
+                      <a:tailEnd type="none" w="med" len="med"/>
+                    </a:lnT>
+                    <a:lnB w="12700" cap="flat" cmpd="sng" algn="ctr">
+                      <a:solidFill>
+                        <a:schemeClr val="tx1"/>
+                      </a:solidFill>
+                      <a:prstDash val="solid"/>
+                      <a:round/>
+                      <a:headEnd type="none" w="med" len="med"/>
+                      <a:tailEnd type="none" w="med" len="med"/>
+                    </a:lnB>
+                    <a:noFill/>
+                  </a:tcPr>
+                </a:tc>
+                <a:tc>
+                  <a:txBody>
+                    <a:bodyPr/>
+                    <a:lstStyle/>
+                    <a:p>
+                      <a:pPr>
+                        <a:buNone/>
+                      </a:pPr>
+                      <a:r>
+                        <a:rPr lang="en-US" sz="3200" b="1"/>
+                        <a:t>Agent Mode</a:t>
+                      </a:r>
+                      <a:endParaRPr lang="en-US" sz="3200"/>
+                    </a:p>
+                  </a:txBody>
+                  <a:tcPr anchor="ctr">
+                    <a:lnL w="12700" cap="flat" cmpd="sng" algn="ctr">
+                      <a:solidFill>
+                        <a:schemeClr val="tx1"/>
+                      </a:solidFill>
+                      <a:prstDash val="solid"/>
+                      <a:round/>
+                      <a:headEnd type="none" w="med" len="med"/>
+                      <a:tailEnd type="none" w="med" len="med"/>
+                    </a:lnL>
+                    <a:lnR w="12700" cap="flat" cmpd="sng" algn="ctr">
+                      <a:solidFill>
+                        <a:schemeClr val="tx1"/>
+                      </a:solidFill>
+                      <a:prstDash val="solid"/>
+                      <a:round/>
+                      <a:headEnd type="none" w="med" len="med"/>
+                      <a:tailEnd type="none" w="med" len="med"/>
+                    </a:lnR>
+                    <a:lnT w="12700" cap="flat" cmpd="sng" algn="ctr">
+                      <a:solidFill>
+                        <a:schemeClr val="tx1"/>
+                      </a:solidFill>
+                      <a:prstDash val="solid"/>
+                      <a:round/>
+                      <a:headEnd type="none" w="med" len="med"/>
+                      <a:tailEnd type="none" w="med" len="med"/>
+                    </a:lnT>
+                    <a:lnB w="12700" cap="flat" cmpd="sng" algn="ctr">
+                      <a:solidFill>
+                        <a:schemeClr val="tx1"/>
+                      </a:solidFill>
+                      <a:prstDash val="solid"/>
+                      <a:round/>
+                      <a:headEnd type="none" w="med" len="med"/>
+                      <a:tailEnd type="none" w="med" len="med"/>
+                    </a:lnB>
+                    <a:noFill/>
+                  </a:tcPr>
+                </a:tc>
+                <a:extLst>
+                  <a:ext uri="{0D108BD9-81ED-4DB2-BD59-A6C34878D82A}">
+                    <a16:rowId xmlns:a16="http://schemas.microsoft.com/office/drawing/2014/main" val="2406272724"/>
+                  </a:ext>
+                </a:extLst>
+              </a:tr>
+              <a:tr h="1066824">
+                <a:tc>
+                  <a:txBody>
+                    <a:bodyPr/>
+                    <a:lstStyle/>
+                    <a:p>
+                      <a:pPr>
+                        <a:buNone/>
+                      </a:pPr>
+                      <a:r>
+                        <a:rPr lang="en-US" sz="3200" b="1"/>
+                        <a:t>Interaction</a:t>
+                      </a:r>
+                      <a:endParaRPr lang="en-US" sz="3200"/>
+                    </a:p>
+                  </a:txBody>
+                  <a:tcPr anchor="ctr">
+                    <a:lnL w="12700" cap="flat" cmpd="sng" algn="ctr">
+                      <a:solidFill>
+                        <a:schemeClr val="tx1"/>
+                      </a:solidFill>
+                      <a:prstDash val="solid"/>
+                      <a:round/>
+                      <a:headEnd type="none" w="med" len="med"/>
+                      <a:tailEnd type="none" w="med" len="med"/>
+                    </a:lnL>
+                    <a:lnR w="12700" cap="flat" cmpd="sng" algn="ctr">
+                      <a:solidFill>
+                        <a:schemeClr val="tx1"/>
+                      </a:solidFill>
+                      <a:prstDash val="solid"/>
+                      <a:round/>
+                      <a:headEnd type="none" w="med" len="med"/>
+                      <a:tailEnd type="none" w="med" len="med"/>
+                    </a:lnR>
+                    <a:lnT w="12700" cap="flat" cmpd="sng" algn="ctr">
+                      <a:solidFill>
+                        <a:schemeClr val="tx1"/>
+                      </a:solidFill>
+                      <a:prstDash val="solid"/>
+                      <a:round/>
+                      <a:headEnd type="none" w="med" len="med"/>
+                      <a:tailEnd type="none" w="med" len="med"/>
+                    </a:lnT>
+                    <a:lnB w="12700" cap="flat" cmpd="sng" algn="ctr">
+                      <a:solidFill>
+                        <a:schemeClr val="tx1"/>
+                      </a:solidFill>
+                      <a:prstDash val="solid"/>
+                      <a:round/>
+                      <a:headEnd type="none" w="med" len="med"/>
+                      <a:tailEnd type="none" w="med" len="med"/>
+                    </a:lnB>
+                    <a:noFill/>
+                  </a:tcPr>
+                </a:tc>
+                <a:tc>
+                  <a:txBody>
+                    <a:bodyPr/>
+                    <a:lstStyle/>
+                    <a:p>
+                      <a:pPr>
+                        <a:buNone/>
+                      </a:pPr>
+                      <a:r>
+                        <a:rPr lang="en-US" sz="3200"/>
+                        <a:t>One-shot prompts</a:t>
+                      </a:r>
+                    </a:p>
+                  </a:txBody>
+                  <a:tcPr anchor="ctr">
+                    <a:lnL w="12700" cap="flat" cmpd="sng" algn="ctr">
+                      <a:solidFill>
+                        <a:schemeClr val="tx1"/>
+                      </a:solidFill>
+                      <a:prstDash val="solid"/>
+                      <a:round/>
+                      <a:headEnd type="none" w="med" len="med"/>
+                      <a:tailEnd type="none" w="med" len="med"/>
+                    </a:lnL>
+                    <a:lnR w="12700" cap="flat" cmpd="sng" algn="ctr">
+                      <a:solidFill>
+                        <a:schemeClr val="tx1"/>
+                      </a:solidFill>
+                      <a:prstDash val="solid"/>
+                      <a:round/>
+                      <a:headEnd type="none" w="med" len="med"/>
+                      <a:tailEnd type="none" w="med" len="med"/>
+                    </a:lnR>
+                    <a:lnT w="12700" cap="flat" cmpd="sng" algn="ctr">
+                      <a:solidFill>
+                        <a:schemeClr val="tx1"/>
+                      </a:solidFill>
+                      <a:prstDash val="solid"/>
+                      <a:round/>
+                      <a:headEnd type="none" w="med" len="med"/>
+                      <a:tailEnd type="none" w="med" len="med"/>
+                    </a:lnT>
+                    <a:lnB w="12700" cap="flat" cmpd="sng" algn="ctr">
+                      <a:solidFill>
+                        <a:schemeClr val="tx1"/>
+                      </a:solidFill>
+                      <a:prstDash val="solid"/>
+                      <a:round/>
+                      <a:headEnd type="none" w="med" len="med"/>
+                      <a:tailEnd type="none" w="med" len="med"/>
+                    </a:lnB>
+                    <a:noFill/>
+                  </a:tcPr>
+                </a:tc>
+                <a:tc>
+                  <a:txBody>
+                    <a:bodyPr/>
+                    <a:lstStyle/>
+                    <a:p>
+                      <a:pPr>
+                        <a:buNone/>
+                      </a:pPr>
+                      <a:r>
+                        <a:rPr lang="en-US" sz="3200"/>
+                        <a:t>Iterative, self-guided workflow</a:t>
+                      </a:r>
+                    </a:p>
+                  </a:txBody>
+                  <a:tcPr anchor="ctr">
+                    <a:lnL w="12700" cap="flat" cmpd="sng" algn="ctr">
+                      <a:solidFill>
+                        <a:schemeClr val="tx1"/>
+                      </a:solidFill>
+                      <a:prstDash val="solid"/>
+                      <a:round/>
+                      <a:headEnd type="none" w="med" len="med"/>
+                      <a:tailEnd type="none" w="med" len="med"/>
+                    </a:lnL>
+                    <a:lnR w="12700" cap="flat" cmpd="sng" algn="ctr">
+                      <a:solidFill>
+                        <a:schemeClr val="tx1"/>
+                      </a:solidFill>
+                      <a:prstDash val="solid"/>
+                      <a:round/>
+                      <a:headEnd type="none" w="med" len="med"/>
+                      <a:tailEnd type="none" w="med" len="med"/>
+                    </a:lnR>
+                    <a:lnT w="12700" cap="flat" cmpd="sng" algn="ctr">
+                      <a:solidFill>
+                        <a:schemeClr val="tx1"/>
+                      </a:solidFill>
+                      <a:prstDash val="solid"/>
+                      <a:round/>
+                      <a:headEnd type="none" w="med" len="med"/>
+                      <a:tailEnd type="none" w="med" len="med"/>
+                    </a:lnT>
+                    <a:lnB w="12700" cap="flat" cmpd="sng" algn="ctr">
+                      <a:solidFill>
+                        <a:schemeClr val="tx1"/>
+                      </a:solidFill>
+                      <a:prstDash val="solid"/>
+                      <a:round/>
+                      <a:headEnd type="none" w="med" len="med"/>
+                      <a:tailEnd type="none" w="med" len="med"/>
+                    </a:lnB>
+                    <a:noFill/>
+                  </a:tcPr>
+                </a:tc>
+                <a:extLst>
+                  <a:ext uri="{0D108BD9-81ED-4DB2-BD59-A6C34878D82A}">
+                    <a16:rowId xmlns:a16="http://schemas.microsoft.com/office/drawing/2014/main" val="213507712"/>
+                  </a:ext>
+                </a:extLst>
+              </a:tr>
+              <a:tr h="1066824">
+                <a:tc>
+                  <a:txBody>
+                    <a:bodyPr/>
+                    <a:lstStyle/>
+                    <a:p>
+                      <a:pPr>
+                        <a:buNone/>
+                      </a:pPr>
+                      <a:r>
+                        <a:rPr lang="en-US" sz="3200" b="1"/>
+                        <a:t>Task Scope</a:t>
+                      </a:r>
+                      <a:endParaRPr lang="en-US" sz="3200"/>
+                    </a:p>
+                  </a:txBody>
+                  <a:tcPr anchor="ctr">
+                    <a:lnL w="12700" cap="flat" cmpd="sng" algn="ctr">
+                      <a:solidFill>
+                        <a:schemeClr val="tx1"/>
+                      </a:solidFill>
+                      <a:prstDash val="solid"/>
+                      <a:round/>
+                      <a:headEnd type="none" w="med" len="med"/>
+                      <a:tailEnd type="none" w="med" len="med"/>
+                    </a:lnL>
+                    <a:lnR w="12700" cap="flat" cmpd="sng" algn="ctr">
+                      <a:solidFill>
+                        <a:schemeClr val="tx1"/>
+                      </a:solidFill>
+                      <a:prstDash val="solid"/>
+                      <a:round/>
+                      <a:headEnd type="none" w="med" len="med"/>
+                      <a:tailEnd type="none" w="med" len="med"/>
+                    </a:lnR>
+                    <a:lnT w="12700" cap="flat" cmpd="sng" algn="ctr">
+                      <a:solidFill>
+                        <a:schemeClr val="tx1"/>
+                      </a:solidFill>
+                      <a:prstDash val="solid"/>
+                      <a:round/>
+                      <a:headEnd type="none" w="med" len="med"/>
+                      <a:tailEnd type="none" w="med" len="med"/>
+                    </a:lnT>
+                    <a:lnB w="12700" cap="flat" cmpd="sng" algn="ctr">
+                      <a:solidFill>
+                        <a:schemeClr val="tx1"/>
+                      </a:solidFill>
+                      <a:prstDash val="solid"/>
+                      <a:round/>
+                      <a:headEnd type="none" w="med" len="med"/>
+                      <a:tailEnd type="none" w="med" len="med"/>
+                    </a:lnB>
+                    <a:noFill/>
+                  </a:tcPr>
+                </a:tc>
+                <a:tc>
+                  <a:txBody>
+                    <a:bodyPr/>
+                    <a:lstStyle/>
+                    <a:p>
+                      <a:pPr>
+                        <a:buNone/>
+                      </a:pPr>
+                      <a:r>
+                        <a:rPr lang="en-US" sz="3200"/>
+                        <a:t>Single actions (formulas, charts, summaries)</a:t>
+                      </a:r>
+                    </a:p>
+                  </a:txBody>
+                  <a:tcPr anchor="ctr">
+                    <a:lnL w="12700" cap="flat" cmpd="sng" algn="ctr">
+                      <a:solidFill>
+                        <a:schemeClr val="tx1"/>
+                      </a:solidFill>
+                      <a:prstDash val="solid"/>
+                      <a:round/>
+                      <a:headEnd type="none" w="med" len="med"/>
+                      <a:tailEnd type="none" w="med" len="med"/>
+                    </a:lnL>
+                    <a:lnR w="12700" cap="flat" cmpd="sng" algn="ctr">
+                      <a:solidFill>
+                        <a:schemeClr val="tx1"/>
+                      </a:solidFill>
+                      <a:prstDash val="solid"/>
+                      <a:round/>
+                      <a:headEnd type="none" w="med" len="med"/>
+                      <a:tailEnd type="none" w="med" len="med"/>
+                    </a:lnR>
+                    <a:lnT w="12700" cap="flat" cmpd="sng" algn="ctr">
+                      <a:solidFill>
+                        <a:schemeClr val="tx1"/>
+                      </a:solidFill>
+                      <a:prstDash val="solid"/>
+                      <a:round/>
+                      <a:headEnd type="none" w="med" len="med"/>
+                      <a:tailEnd type="none" w="med" len="med"/>
+                    </a:lnT>
+                    <a:lnB w="12700" cap="flat" cmpd="sng" algn="ctr">
+                      <a:solidFill>
+                        <a:schemeClr val="tx1"/>
+                      </a:solidFill>
+                      <a:prstDash val="solid"/>
+                      <a:round/>
+                      <a:headEnd type="none" w="med" len="med"/>
+                      <a:tailEnd type="none" w="med" len="med"/>
+                    </a:lnB>
+                    <a:noFill/>
+                  </a:tcPr>
+                </a:tc>
+                <a:tc>
+                  <a:txBody>
+                    <a:bodyPr/>
+                    <a:lstStyle/>
+                    <a:p>
+                      <a:pPr>
+                        <a:buNone/>
+                      </a:pPr>
+                      <a:r>
+                        <a:rPr lang="en-US" sz="3200"/>
+                        <a:t>Multi-step processes across sheets</a:t>
+                      </a:r>
+                    </a:p>
+                  </a:txBody>
+                  <a:tcPr anchor="ctr">
+                    <a:lnL w="12700" cap="flat" cmpd="sng" algn="ctr">
+                      <a:solidFill>
+                        <a:schemeClr val="tx1"/>
+                      </a:solidFill>
+                      <a:prstDash val="solid"/>
+                      <a:round/>
+                      <a:headEnd type="none" w="med" len="med"/>
+                      <a:tailEnd type="none" w="med" len="med"/>
+                    </a:lnL>
+                    <a:lnR w="12700" cap="flat" cmpd="sng" algn="ctr">
+                      <a:solidFill>
+                        <a:schemeClr val="tx1"/>
+                      </a:solidFill>
+                      <a:prstDash val="solid"/>
+                      <a:round/>
+                      <a:headEnd type="none" w="med" len="med"/>
+                      <a:tailEnd type="none" w="med" len="med"/>
+                    </a:lnR>
+                    <a:lnT w="12700" cap="flat" cmpd="sng" algn="ctr">
+                      <a:solidFill>
+                        <a:schemeClr val="tx1"/>
+                      </a:solidFill>
+                      <a:prstDash val="solid"/>
+                      <a:round/>
+                      <a:headEnd type="none" w="med" len="med"/>
+                      <a:tailEnd type="none" w="med" len="med"/>
+                    </a:lnT>
+                    <a:lnB w="12700" cap="flat" cmpd="sng" algn="ctr">
+                      <a:solidFill>
+                        <a:schemeClr val="tx1"/>
+                      </a:solidFill>
+                      <a:prstDash val="solid"/>
+                      <a:round/>
+                      <a:headEnd type="none" w="med" len="med"/>
+                      <a:tailEnd type="none" w="med" len="med"/>
+                    </a:lnB>
+                    <a:noFill/>
+                  </a:tcPr>
+                </a:tc>
+                <a:extLst>
+                  <a:ext uri="{0D108BD9-81ED-4DB2-BD59-A6C34878D82A}">
+                    <a16:rowId xmlns:a16="http://schemas.microsoft.com/office/drawing/2014/main" val="1082026323"/>
+                  </a:ext>
+                </a:extLst>
+              </a:tr>
+              <a:tr h="1066824">
+                <a:tc>
+                  <a:txBody>
+                    <a:bodyPr/>
+                    <a:lstStyle/>
+                    <a:p>
+                      <a:pPr>
+                        <a:buNone/>
+                      </a:pPr>
+                      <a:r>
+                        <a:rPr lang="en-US" sz="3200" b="1"/>
+                        <a:t>Error Handling</a:t>
+                      </a:r>
+                      <a:endParaRPr lang="en-US" sz="3200"/>
+                    </a:p>
+                  </a:txBody>
+                  <a:tcPr anchor="ctr">
+                    <a:lnL w="12700" cap="flat" cmpd="sng" algn="ctr">
+                      <a:solidFill>
+                        <a:schemeClr val="tx1"/>
+                      </a:solidFill>
+                      <a:prstDash val="solid"/>
+                      <a:round/>
+                      <a:headEnd type="none" w="med" len="med"/>
+                      <a:tailEnd type="none" w="med" len="med"/>
+                    </a:lnL>
+                    <a:lnR w="12700" cap="flat" cmpd="sng" algn="ctr">
+                      <a:solidFill>
+                        <a:schemeClr val="tx1"/>
+                      </a:solidFill>
+                      <a:prstDash val="solid"/>
+                      <a:round/>
+                      <a:headEnd type="none" w="med" len="med"/>
+                      <a:tailEnd type="none" w="med" len="med"/>
+                    </a:lnR>
+                    <a:lnT w="12700" cap="flat" cmpd="sng" algn="ctr">
+                      <a:solidFill>
+                        <a:schemeClr val="tx1"/>
+                      </a:solidFill>
+                      <a:prstDash val="solid"/>
+                      <a:round/>
+                      <a:headEnd type="none" w="med" len="med"/>
+                      <a:tailEnd type="none" w="med" len="med"/>
+                    </a:lnT>
+                    <a:lnB w="12700" cap="flat" cmpd="sng" algn="ctr">
+                      <a:solidFill>
+                        <a:schemeClr val="tx1"/>
+                      </a:solidFill>
+                      <a:prstDash val="solid"/>
+                      <a:round/>
+                      <a:headEnd type="none" w="med" len="med"/>
+                      <a:tailEnd type="none" w="med" len="med"/>
+                    </a:lnB>
+                    <a:noFill/>
+                  </a:tcPr>
+                </a:tc>
+                <a:tc>
+                  <a:txBody>
+                    <a:bodyPr/>
+                    <a:lstStyle/>
+                    <a:p>
+                      <a:pPr>
+                        <a:buNone/>
+                      </a:pPr>
+                      <a:r>
+                        <a:rPr lang="en-US" sz="3200"/>
+                        <a:t>User re-prompts or fixes</a:t>
+                      </a:r>
+                    </a:p>
+                  </a:txBody>
+                  <a:tcPr anchor="ctr">
+                    <a:lnL w="12700" cap="flat" cmpd="sng" algn="ctr">
+                      <a:solidFill>
+                        <a:schemeClr val="tx1"/>
+                      </a:solidFill>
+                      <a:prstDash val="solid"/>
+                      <a:round/>
+                      <a:headEnd type="none" w="med" len="med"/>
+                      <a:tailEnd type="none" w="med" len="med"/>
+                    </a:lnL>
+                    <a:lnR w="12700" cap="flat" cmpd="sng" algn="ctr">
+                      <a:solidFill>
+                        <a:schemeClr val="tx1"/>
+                      </a:solidFill>
+                      <a:prstDash val="solid"/>
+                      <a:round/>
+                      <a:headEnd type="none" w="med" len="med"/>
+                      <a:tailEnd type="none" w="med" len="med"/>
+                    </a:lnR>
+                    <a:lnT w="12700" cap="flat" cmpd="sng" algn="ctr">
+                      <a:solidFill>
+                        <a:schemeClr val="tx1"/>
+                      </a:solidFill>
+                      <a:prstDash val="solid"/>
+                      <a:round/>
+                      <a:headEnd type="none" w="med" len="med"/>
+                      <a:tailEnd type="none" w="med" len="med"/>
+                    </a:lnT>
+                    <a:lnB w="12700" cap="flat" cmpd="sng" algn="ctr">
+                      <a:solidFill>
+                        <a:schemeClr val="tx1"/>
+                      </a:solidFill>
+                      <a:prstDash val="solid"/>
+                      <a:round/>
+                      <a:headEnd type="none" w="med" len="med"/>
+                      <a:tailEnd type="none" w="med" len="med"/>
+                    </a:lnB>
+                    <a:noFill/>
+                  </a:tcPr>
+                </a:tc>
+                <a:tc>
+                  <a:txBody>
+                    <a:bodyPr/>
+                    <a:lstStyle/>
+                    <a:p>
+                      <a:pPr>
+                        <a:buNone/>
+                      </a:pPr>
+                      <a:r>
+                        <a:rPr lang="en-US" sz="3200"/>
+                        <a:t>Agent reviews, retries, self-corrects</a:t>
+                      </a:r>
+                    </a:p>
+                  </a:txBody>
+                  <a:tcPr anchor="ctr">
+                    <a:lnL w="12700" cap="flat" cmpd="sng" algn="ctr">
+                      <a:solidFill>
+                        <a:schemeClr val="tx1"/>
+                      </a:solidFill>
+                      <a:prstDash val="solid"/>
+                      <a:round/>
+                      <a:headEnd type="none" w="med" len="med"/>
+                      <a:tailEnd type="none" w="med" len="med"/>
+                    </a:lnL>
+                    <a:lnR w="12700" cap="flat" cmpd="sng" algn="ctr">
+                      <a:solidFill>
+                        <a:schemeClr val="tx1"/>
+                      </a:solidFill>
+                      <a:prstDash val="solid"/>
+                      <a:round/>
+                      <a:headEnd type="none" w="med" len="med"/>
+                      <a:tailEnd type="none" w="med" len="med"/>
+                    </a:lnR>
+                    <a:lnT w="12700" cap="flat" cmpd="sng" algn="ctr">
+                      <a:solidFill>
+                        <a:schemeClr val="tx1"/>
+                      </a:solidFill>
+                      <a:prstDash val="solid"/>
+                      <a:round/>
+                      <a:headEnd type="none" w="med" len="med"/>
+                      <a:tailEnd type="none" w="med" len="med"/>
+                    </a:lnT>
+                    <a:lnB w="12700" cap="flat" cmpd="sng" algn="ctr">
+                      <a:solidFill>
+                        <a:schemeClr val="tx1"/>
+                      </a:solidFill>
+                      <a:prstDash val="solid"/>
+                      <a:round/>
+                      <a:headEnd type="none" w="med" len="med"/>
+                      <a:tailEnd type="none" w="med" len="med"/>
+                    </a:lnB>
+                    <a:noFill/>
+                  </a:tcPr>
+                </a:tc>
+                <a:extLst>
+                  <a:ext uri="{0D108BD9-81ED-4DB2-BD59-A6C34878D82A}">
+                    <a16:rowId xmlns:a16="http://schemas.microsoft.com/office/drawing/2014/main" val="165923970"/>
+                  </a:ext>
+                </a:extLst>
+              </a:tr>
+              <a:tr h="1066824">
+                <a:tc>
+                  <a:txBody>
+                    <a:bodyPr/>
+                    <a:lstStyle/>
+                    <a:p>
+                      <a:pPr>
+                        <a:buNone/>
+                      </a:pPr>
+                      <a:r>
+                        <a:rPr lang="en-US" sz="3200" b="1"/>
+                        <a:t>User Role</a:t>
+                      </a:r>
+                      <a:endParaRPr lang="en-US" sz="3200"/>
+                    </a:p>
+                  </a:txBody>
+                  <a:tcPr anchor="ctr">
+                    <a:lnL w="12700" cap="flat" cmpd="sng" algn="ctr">
+                      <a:solidFill>
+                        <a:schemeClr val="tx1"/>
+                      </a:solidFill>
+                      <a:prstDash val="solid"/>
+                      <a:round/>
+                      <a:headEnd type="none" w="med" len="med"/>
+                      <a:tailEnd type="none" w="med" len="med"/>
+                    </a:lnL>
+                    <a:lnR w="12700" cap="flat" cmpd="sng" algn="ctr">
+                      <a:solidFill>
+                        <a:schemeClr val="tx1"/>
+                      </a:solidFill>
+                      <a:prstDash val="solid"/>
+                      <a:round/>
+                      <a:headEnd type="none" w="med" len="med"/>
+                      <a:tailEnd type="none" w="med" len="med"/>
+                    </a:lnR>
+                    <a:lnT w="12700" cap="flat" cmpd="sng" algn="ctr">
+                      <a:solidFill>
+                        <a:schemeClr val="tx1"/>
+                      </a:solidFill>
+                      <a:prstDash val="solid"/>
+                      <a:round/>
+                      <a:headEnd type="none" w="med" len="med"/>
+                      <a:tailEnd type="none" w="med" len="med"/>
+                    </a:lnT>
+                    <a:lnB w="12700" cap="flat" cmpd="sng" algn="ctr">
+                      <a:solidFill>
+                        <a:schemeClr val="tx1"/>
+                      </a:solidFill>
+                      <a:prstDash val="solid"/>
+                      <a:round/>
+                      <a:headEnd type="none" w="med" len="med"/>
+                      <a:tailEnd type="none" w="med" len="med"/>
+                    </a:lnB>
+                    <a:noFill/>
+                  </a:tcPr>
+                </a:tc>
+                <a:tc>
+                  <a:txBody>
+                    <a:bodyPr/>
+                    <a:lstStyle/>
+                    <a:p>
+                      <a:pPr>
+                        <a:buNone/>
+                      </a:pPr>
+                      <a:r>
+                        <a:rPr lang="en-US" sz="3200" dirty="0"/>
+                        <a:t>You do, Copilot helps</a:t>
+                      </a:r>
+                    </a:p>
+                  </a:txBody>
+                  <a:tcPr anchor="ctr">
+                    <a:lnL w="12700" cap="flat" cmpd="sng" algn="ctr">
+                      <a:solidFill>
+                        <a:schemeClr val="tx1"/>
+                      </a:solidFill>
+                      <a:prstDash val="solid"/>
+                      <a:round/>
+                      <a:headEnd type="none" w="med" len="med"/>
+                      <a:tailEnd type="none" w="med" len="med"/>
+                    </a:lnL>
+                    <a:lnR w="12700" cap="flat" cmpd="sng" algn="ctr">
+                      <a:solidFill>
+                        <a:schemeClr val="tx1"/>
+                      </a:solidFill>
+                      <a:prstDash val="solid"/>
+                      <a:round/>
+                      <a:headEnd type="none" w="med" len="med"/>
+                      <a:tailEnd type="none" w="med" len="med"/>
+                    </a:lnR>
+                    <a:lnT w="12700" cap="flat" cmpd="sng" algn="ctr">
+                      <a:solidFill>
+                        <a:schemeClr val="tx1"/>
+                      </a:solidFill>
+                      <a:prstDash val="solid"/>
+                      <a:round/>
+                      <a:headEnd type="none" w="med" len="med"/>
+                      <a:tailEnd type="none" w="med" len="med"/>
+                    </a:lnT>
+                    <a:lnB w="12700" cap="flat" cmpd="sng" algn="ctr">
+                      <a:solidFill>
+                        <a:schemeClr val="tx1"/>
+                      </a:solidFill>
+                      <a:prstDash val="solid"/>
+                      <a:round/>
+                      <a:headEnd type="none" w="med" len="med"/>
+                      <a:tailEnd type="none" w="med" len="med"/>
+                    </a:lnB>
+                    <a:noFill/>
+                  </a:tcPr>
+                </a:tc>
+                <a:tc>
+                  <a:txBody>
+                    <a:bodyPr/>
+                    <a:lstStyle/>
+                    <a:p>
+                      <a:pPr>
+                        <a:buNone/>
+                      </a:pPr>
+                      <a:r>
+                        <a:rPr lang="en-US" sz="3200"/>
+                        <a:t>You manage, Agent executes</a:t>
+                      </a:r>
+                    </a:p>
+                  </a:txBody>
+                  <a:tcPr anchor="ctr">
+                    <a:lnL w="12700" cap="flat" cmpd="sng" algn="ctr">
+                      <a:solidFill>
+                        <a:schemeClr val="tx1"/>
+                      </a:solidFill>
+                      <a:prstDash val="solid"/>
+                      <a:round/>
+                      <a:headEnd type="none" w="med" len="med"/>
+                      <a:tailEnd type="none" w="med" len="med"/>
+                    </a:lnL>
+                    <a:lnR w="12700" cap="flat" cmpd="sng" algn="ctr">
+                      <a:solidFill>
+                        <a:schemeClr val="tx1"/>
+                      </a:solidFill>
+                      <a:prstDash val="solid"/>
+                      <a:round/>
+                      <a:headEnd type="none" w="med" len="med"/>
+                      <a:tailEnd type="none" w="med" len="med"/>
+                    </a:lnR>
+                    <a:lnT w="12700" cap="flat" cmpd="sng" algn="ctr">
+                      <a:solidFill>
+                        <a:schemeClr val="tx1"/>
+                      </a:solidFill>
+                      <a:prstDash val="solid"/>
+                      <a:round/>
+                      <a:headEnd type="none" w="med" len="med"/>
+                      <a:tailEnd type="none" w="med" len="med"/>
+                    </a:lnT>
+                    <a:lnB w="12700" cap="flat" cmpd="sng" algn="ctr">
+                      <a:solidFill>
+                        <a:schemeClr val="tx1"/>
+                      </a:solidFill>
+                      <a:prstDash val="solid"/>
+                      <a:round/>
+                      <a:headEnd type="none" w="med" len="med"/>
+                      <a:tailEnd type="none" w="med" len="med"/>
+                    </a:lnB>
+                    <a:noFill/>
+                  </a:tcPr>
+                </a:tc>
+                <a:extLst>
+                  <a:ext uri="{0D108BD9-81ED-4DB2-BD59-A6C34878D82A}">
+                    <a16:rowId xmlns:a16="http://schemas.microsoft.com/office/drawing/2014/main" val="597454490"/>
+                  </a:ext>
+                </a:extLst>
+              </a:tr>
+              <a:tr h="609614">
+                <a:tc>
+                  <a:txBody>
+                    <a:bodyPr/>
+                    <a:lstStyle/>
+                    <a:p>
+                      <a:pPr>
+                        <a:buNone/>
+                      </a:pPr>
+                      <a:r>
+                        <a:rPr lang="en-US" sz="3200" b="1"/>
+                        <a:t>Output Quality</a:t>
+                      </a:r>
+                      <a:endParaRPr lang="en-US" sz="3200"/>
+                    </a:p>
+                  </a:txBody>
+                  <a:tcPr anchor="ctr">
+                    <a:lnL w="12700" cap="flat" cmpd="sng" algn="ctr">
+                      <a:solidFill>
+                        <a:schemeClr val="tx1"/>
+                      </a:solidFill>
+                      <a:prstDash val="solid"/>
+                      <a:round/>
+                      <a:headEnd type="none" w="med" len="med"/>
+                      <a:tailEnd type="none" w="med" len="med"/>
+                    </a:lnL>
+                    <a:lnR w="12700" cap="flat" cmpd="sng" algn="ctr">
+                      <a:solidFill>
+                        <a:schemeClr val="tx1"/>
+                      </a:solidFill>
+                      <a:prstDash val="solid"/>
+                      <a:round/>
+                      <a:headEnd type="none" w="med" len="med"/>
+                      <a:tailEnd type="none" w="med" len="med"/>
+                    </a:lnR>
+                    <a:lnT w="12700" cap="flat" cmpd="sng" algn="ctr">
+                      <a:solidFill>
+                        <a:schemeClr val="tx1"/>
+                      </a:solidFill>
+                      <a:prstDash val="solid"/>
+                      <a:round/>
+                      <a:headEnd type="none" w="med" len="med"/>
+                      <a:tailEnd type="none" w="med" len="med"/>
+                    </a:lnT>
+                    <a:lnB w="12700" cap="flat" cmpd="sng" algn="ctr">
+                      <a:solidFill>
+                        <a:schemeClr val="tx1"/>
+                      </a:solidFill>
+                      <a:prstDash val="solid"/>
+                      <a:round/>
+                      <a:headEnd type="none" w="med" len="med"/>
+                      <a:tailEnd type="none" w="med" len="med"/>
+                    </a:lnB>
+                    <a:noFill/>
+                  </a:tcPr>
+                </a:tc>
+                <a:tc>
+                  <a:txBody>
+                    <a:bodyPr/>
+                    <a:lstStyle/>
+                    <a:p>
+                      <a:pPr>
+                        <a:buNone/>
+                      </a:pPr>
+                      <a:r>
+                        <a:rPr lang="en-US" sz="3200" dirty="0"/>
+                        <a:t>Fast but shallow</a:t>
+                      </a:r>
+                    </a:p>
+                  </a:txBody>
+                  <a:tcPr anchor="ctr">
+                    <a:lnL w="12700" cap="flat" cmpd="sng" algn="ctr">
+                      <a:solidFill>
+                        <a:schemeClr val="tx1"/>
+                      </a:solidFill>
+                      <a:prstDash val="solid"/>
+                      <a:round/>
+                      <a:headEnd type="none" w="med" len="med"/>
+                      <a:tailEnd type="none" w="med" len="med"/>
+                    </a:lnL>
+                    <a:lnR w="12700" cap="flat" cmpd="sng" algn="ctr">
+                      <a:solidFill>
+                        <a:schemeClr val="tx1"/>
+                      </a:solidFill>
+                      <a:prstDash val="solid"/>
+                      <a:round/>
+                      <a:headEnd type="none" w="med" len="med"/>
+                      <a:tailEnd type="none" w="med" len="med"/>
+                    </a:lnR>
+                    <a:lnT w="12700" cap="flat" cmpd="sng" algn="ctr">
+                      <a:solidFill>
+                        <a:schemeClr val="tx1"/>
+                      </a:solidFill>
+                      <a:prstDash val="solid"/>
+                      <a:round/>
+                      <a:headEnd type="none" w="med" len="med"/>
+                      <a:tailEnd type="none" w="med" len="med"/>
+                    </a:lnT>
+                    <a:lnB w="12700" cap="flat" cmpd="sng" algn="ctr">
+                      <a:solidFill>
+                        <a:schemeClr val="tx1"/>
+                      </a:solidFill>
+                      <a:prstDash val="solid"/>
+                      <a:round/>
+                      <a:headEnd type="none" w="med" len="med"/>
+                      <a:tailEnd type="none" w="med" len="med"/>
+                    </a:lnB>
+                    <a:noFill/>
+                  </a:tcPr>
+                </a:tc>
+                <a:tc>
+                  <a:txBody>
+                    <a:bodyPr/>
+                    <a:lstStyle/>
+                    <a:p>
+                      <a:pPr>
+                        <a:buNone/>
+                      </a:pPr>
+                      <a:r>
+                        <a:rPr lang="en-US" sz="3200"/>
+                        <a:t>Verified and repeatable</a:t>
+                      </a:r>
+                    </a:p>
+                  </a:txBody>
+                  <a:tcPr anchor="ctr">
+                    <a:lnL w="12700" cap="flat" cmpd="sng" algn="ctr">
+                      <a:solidFill>
+                        <a:schemeClr val="tx1"/>
+                      </a:solidFill>
+                      <a:prstDash val="solid"/>
+                      <a:round/>
+                      <a:headEnd type="none" w="med" len="med"/>
+                      <a:tailEnd type="none" w="med" len="med"/>
+                    </a:lnL>
+                    <a:lnR w="12700" cap="flat" cmpd="sng" algn="ctr">
+                      <a:solidFill>
+                        <a:schemeClr val="tx1"/>
+                      </a:solidFill>
+                      <a:prstDash val="solid"/>
+                      <a:round/>
+                      <a:headEnd type="none" w="med" len="med"/>
+                      <a:tailEnd type="none" w="med" len="med"/>
+                    </a:lnR>
+                    <a:lnT w="12700" cap="flat" cmpd="sng" algn="ctr">
+                      <a:solidFill>
+                        <a:schemeClr val="tx1"/>
+                      </a:solidFill>
+                      <a:prstDash val="solid"/>
+                      <a:round/>
+                      <a:headEnd type="none" w="med" len="med"/>
+                      <a:tailEnd type="none" w="med" len="med"/>
+                    </a:lnT>
+                    <a:lnB w="12700" cap="flat" cmpd="sng" algn="ctr">
+                      <a:solidFill>
+                        <a:schemeClr val="tx1"/>
+                      </a:solidFill>
+                      <a:prstDash val="solid"/>
+                      <a:round/>
+                      <a:headEnd type="none" w="med" len="med"/>
+                      <a:tailEnd type="none" w="med" len="med"/>
+                    </a:lnB>
+                    <a:noFill/>
+                  </a:tcPr>
+                </a:tc>
+                <a:extLst>
+                  <a:ext uri="{0D108BD9-81ED-4DB2-BD59-A6C34878D82A}">
+                    <a16:rowId xmlns:a16="http://schemas.microsoft.com/office/drawing/2014/main" val="1221303429"/>
+                  </a:ext>
+                </a:extLst>
+              </a:tr>
+              <a:tr h="1066824">
+                <a:tc>
+                  <a:txBody>
+                    <a:bodyPr/>
+                    <a:lstStyle/>
+                    <a:p>
+                      <a:pPr>
+                        <a:buNone/>
+                      </a:pPr>
+                      <a:r>
+                        <a:rPr lang="en-US" sz="3200" b="1"/>
+                        <a:t>Best For</a:t>
+                      </a:r>
+                      <a:endParaRPr lang="en-US" sz="3200"/>
+                    </a:p>
+                  </a:txBody>
+                  <a:tcPr anchor="ctr">
+                    <a:lnL w="12700" cap="flat" cmpd="sng" algn="ctr">
+                      <a:solidFill>
+                        <a:schemeClr val="tx1"/>
+                      </a:solidFill>
+                      <a:prstDash val="solid"/>
+                      <a:round/>
+                      <a:headEnd type="none" w="med" len="med"/>
+                      <a:tailEnd type="none" w="med" len="med"/>
+                    </a:lnL>
+                    <a:lnR w="12700" cap="flat" cmpd="sng" algn="ctr">
+                      <a:solidFill>
+                        <a:schemeClr val="tx1"/>
+                      </a:solidFill>
+                      <a:prstDash val="solid"/>
+                      <a:round/>
+                      <a:headEnd type="none" w="med" len="med"/>
+                      <a:tailEnd type="none" w="med" len="med"/>
+                    </a:lnR>
+                    <a:lnT w="12700" cap="flat" cmpd="sng" algn="ctr">
+                      <a:solidFill>
+                        <a:schemeClr val="tx1"/>
+                      </a:solidFill>
+                      <a:prstDash val="solid"/>
+                      <a:round/>
+                      <a:headEnd type="none" w="med" len="med"/>
+                      <a:tailEnd type="none" w="med" len="med"/>
+                    </a:lnT>
+                    <a:lnB w="12700" cap="flat" cmpd="sng" algn="ctr">
+                      <a:solidFill>
+                        <a:schemeClr val="tx1"/>
+                      </a:solidFill>
+                      <a:prstDash val="solid"/>
+                      <a:round/>
+                      <a:headEnd type="none" w="med" len="med"/>
+                      <a:tailEnd type="none" w="med" len="med"/>
+                    </a:lnB>
+                    <a:noFill/>
+                  </a:tcPr>
+                </a:tc>
+                <a:tc>
+                  <a:txBody>
+                    <a:bodyPr/>
+                    <a:lstStyle/>
+                    <a:p>
+                      <a:pPr>
+                        <a:buNone/>
+                      </a:pPr>
+                      <a:r>
+                        <a:rPr lang="en-US" sz="3200"/>
+                        <a:t>Quick wins, ad-hoc tasks</a:t>
+                      </a:r>
+                    </a:p>
+                  </a:txBody>
+                  <a:tcPr anchor="ctr">
+                    <a:lnL w="12700" cap="flat" cmpd="sng" algn="ctr">
+                      <a:solidFill>
+                        <a:schemeClr val="tx1"/>
+                      </a:solidFill>
+                      <a:prstDash val="solid"/>
+                      <a:round/>
+                      <a:headEnd type="none" w="med" len="med"/>
+                      <a:tailEnd type="none" w="med" len="med"/>
+                    </a:lnL>
+                    <a:lnR w="12700" cap="flat" cmpd="sng" algn="ctr">
+                      <a:solidFill>
+                        <a:schemeClr val="tx1"/>
+                      </a:solidFill>
+                      <a:prstDash val="solid"/>
+                      <a:round/>
+                      <a:headEnd type="none" w="med" len="med"/>
+                      <a:tailEnd type="none" w="med" len="med"/>
+                    </a:lnR>
+                    <a:lnT w="12700" cap="flat" cmpd="sng" algn="ctr">
+                      <a:solidFill>
+                        <a:schemeClr val="tx1"/>
+                      </a:solidFill>
+                      <a:prstDash val="solid"/>
+                      <a:round/>
+                      <a:headEnd type="none" w="med" len="med"/>
+                      <a:tailEnd type="none" w="med" len="med"/>
+                    </a:lnT>
+                    <a:lnB w="12700" cap="flat" cmpd="sng" algn="ctr">
+                      <a:solidFill>
+                        <a:schemeClr val="tx1"/>
+                      </a:solidFill>
+                      <a:prstDash val="solid"/>
+                      <a:round/>
+                      <a:headEnd type="none" w="med" len="med"/>
+                      <a:tailEnd type="none" w="med" len="med"/>
+                    </a:lnB>
+                    <a:noFill/>
+                  </a:tcPr>
+                </a:tc>
+                <a:tc>
+                  <a:txBody>
+                    <a:bodyPr/>
+                    <a:lstStyle/>
+                    <a:p>
+                      <a:pPr>
+                        <a:buNone/>
+                      </a:pPr>
+                      <a:r>
+                        <a:rPr lang="en-US" sz="3200"/>
+                        <a:t>Structured, high-stakes workflows</a:t>
+                      </a:r>
+                    </a:p>
+                  </a:txBody>
+                  <a:tcPr anchor="ctr">
+                    <a:lnL w="12700" cap="flat" cmpd="sng" algn="ctr">
+                      <a:solidFill>
+                        <a:schemeClr val="tx1"/>
+                      </a:solidFill>
+                      <a:prstDash val="solid"/>
+                      <a:round/>
+                      <a:headEnd type="none" w="med" len="med"/>
+                      <a:tailEnd type="none" w="med" len="med"/>
+                    </a:lnL>
+                    <a:lnR w="12700" cap="flat" cmpd="sng" algn="ctr">
+                      <a:solidFill>
+                        <a:schemeClr val="tx1"/>
+                      </a:solidFill>
+                      <a:prstDash val="solid"/>
+                      <a:round/>
+                      <a:headEnd type="none" w="med" len="med"/>
+                      <a:tailEnd type="none" w="med" len="med"/>
+                    </a:lnR>
+                    <a:lnT w="12700" cap="flat" cmpd="sng" algn="ctr">
+                      <a:solidFill>
+                        <a:schemeClr val="tx1"/>
+                      </a:solidFill>
+                      <a:prstDash val="solid"/>
+                      <a:round/>
+                      <a:headEnd type="none" w="med" len="med"/>
+                      <a:tailEnd type="none" w="med" len="med"/>
+                    </a:lnT>
+                    <a:lnB w="12700" cap="flat" cmpd="sng" algn="ctr">
+                      <a:solidFill>
+                        <a:schemeClr val="tx1"/>
+                      </a:solidFill>
+                      <a:prstDash val="solid"/>
+                      <a:round/>
+                      <a:headEnd type="none" w="med" len="med"/>
+                      <a:tailEnd type="none" w="med" len="med"/>
+                    </a:lnB>
+                    <a:noFill/>
+                  </a:tcPr>
+                </a:tc>
+                <a:extLst>
+                  <a:ext uri="{0D108BD9-81ED-4DB2-BD59-A6C34878D82A}">
+                    <a16:rowId xmlns:a16="http://schemas.microsoft.com/office/drawing/2014/main" val="2388752908"/>
+                  </a:ext>
+                </a:extLst>
+              </a:tr>
+              <a:tr h="609614">
+                <a:tc>
+                  <a:txBody>
+                    <a:bodyPr/>
+                    <a:lstStyle/>
+                    <a:p>
+                      <a:pPr>
+                        <a:buNone/>
+                      </a:pPr>
+                      <a:r>
+                        <a:rPr lang="en-US" sz="3200" b="1"/>
+                        <a:t>Analogy</a:t>
+                      </a:r>
+                      <a:endParaRPr lang="en-US" sz="3200"/>
+                    </a:p>
+                  </a:txBody>
+                  <a:tcPr anchor="ctr">
+                    <a:lnL w="12700" cap="flat" cmpd="sng" algn="ctr">
+                      <a:solidFill>
+                        <a:schemeClr val="tx1"/>
+                      </a:solidFill>
+                      <a:prstDash val="solid"/>
+                      <a:round/>
+                      <a:headEnd type="none" w="med" len="med"/>
+                      <a:tailEnd type="none" w="med" len="med"/>
+                    </a:lnL>
+                    <a:lnR w="12700" cap="flat" cmpd="sng" algn="ctr">
+                      <a:solidFill>
+                        <a:schemeClr val="tx1"/>
+                      </a:solidFill>
+                      <a:prstDash val="solid"/>
+                      <a:round/>
+                      <a:headEnd type="none" w="med" len="med"/>
+                      <a:tailEnd type="none" w="med" len="med"/>
+                    </a:lnR>
+                    <a:lnT w="12700" cap="flat" cmpd="sng" algn="ctr">
+                      <a:solidFill>
+                        <a:schemeClr val="tx1"/>
+                      </a:solidFill>
+                      <a:prstDash val="solid"/>
+                      <a:round/>
+                      <a:headEnd type="none" w="med" len="med"/>
+                      <a:tailEnd type="none" w="med" len="med"/>
+                    </a:lnT>
+                    <a:lnB w="12700" cap="flat" cmpd="sng" algn="ctr">
+                      <a:solidFill>
+                        <a:schemeClr val="tx1"/>
+                      </a:solidFill>
+                      <a:prstDash val="solid"/>
+                      <a:round/>
+                      <a:headEnd type="none" w="med" len="med"/>
+                      <a:tailEnd type="none" w="med" len="med"/>
+                    </a:lnB>
+                    <a:noFill/>
+                  </a:tcPr>
+                </a:tc>
+                <a:tc>
+                  <a:txBody>
+                    <a:bodyPr/>
+                    <a:lstStyle/>
+                    <a:p>
+                      <a:pPr>
+                        <a:buNone/>
+                      </a:pPr>
+                      <a:r>
+                        <a:rPr lang="en-US" sz="3200"/>
+                        <a:t>Smart assistant</a:t>
+                      </a:r>
+                    </a:p>
+                  </a:txBody>
+                  <a:tcPr anchor="ctr">
+                    <a:lnL w="12700" cap="flat" cmpd="sng" algn="ctr">
+                      <a:solidFill>
+                        <a:schemeClr val="tx1"/>
+                      </a:solidFill>
+                      <a:prstDash val="solid"/>
+                      <a:round/>
+                      <a:headEnd type="none" w="med" len="med"/>
+                      <a:tailEnd type="none" w="med" len="med"/>
+                    </a:lnL>
+                    <a:lnR w="12700" cap="flat" cmpd="sng" algn="ctr">
+                      <a:solidFill>
+                        <a:schemeClr val="tx1"/>
+                      </a:solidFill>
+                      <a:prstDash val="solid"/>
+                      <a:round/>
+                      <a:headEnd type="none" w="med" len="med"/>
+                      <a:tailEnd type="none" w="med" len="med"/>
+                    </a:lnR>
+                    <a:lnT w="12700" cap="flat" cmpd="sng" algn="ctr">
+                      <a:solidFill>
+                        <a:schemeClr val="tx1"/>
+                      </a:solidFill>
+                      <a:prstDash val="solid"/>
+                      <a:round/>
+                      <a:headEnd type="none" w="med" len="med"/>
+                      <a:tailEnd type="none" w="med" len="med"/>
+                    </a:lnT>
+                    <a:lnB w="12700" cap="flat" cmpd="sng" algn="ctr">
+                      <a:solidFill>
+                        <a:schemeClr val="tx1"/>
+                      </a:solidFill>
+                      <a:prstDash val="solid"/>
+                      <a:round/>
+                      <a:headEnd type="none" w="med" len="med"/>
+                      <a:tailEnd type="none" w="med" len="med"/>
+                    </a:lnB>
+                    <a:noFill/>
+                  </a:tcPr>
+                </a:tc>
+                <a:tc>
+                  <a:txBody>
+                    <a:bodyPr/>
+                    <a:lstStyle/>
+                    <a:p>
+                      <a:pPr>
+                        <a:buNone/>
+                      </a:pPr>
+                      <a:r>
+                        <a:rPr lang="en-US" sz="3200" dirty="0"/>
+                        <a:t>Junior analyst</a:t>
+                      </a:r>
+                    </a:p>
+                  </a:txBody>
+                  <a:tcPr anchor="ctr">
+                    <a:lnL w="12700" cap="flat" cmpd="sng" algn="ctr">
+                      <a:solidFill>
+                        <a:schemeClr val="tx1"/>
+                      </a:solidFill>
+                      <a:prstDash val="solid"/>
+                      <a:round/>
+                      <a:headEnd type="none" w="med" len="med"/>
+                      <a:tailEnd type="none" w="med" len="med"/>
+                    </a:lnL>
+                    <a:lnR w="12700" cap="flat" cmpd="sng" algn="ctr">
+                      <a:solidFill>
+                        <a:schemeClr val="tx1"/>
+                      </a:solidFill>
+                      <a:prstDash val="solid"/>
+                      <a:round/>
+                      <a:headEnd type="none" w="med" len="med"/>
+                      <a:tailEnd type="none" w="med" len="med"/>
+                    </a:lnR>
+                    <a:lnT w="12700" cap="flat" cmpd="sng" algn="ctr">
+                      <a:solidFill>
+                        <a:schemeClr val="tx1"/>
+                      </a:solidFill>
+                      <a:prstDash val="solid"/>
+                      <a:round/>
+                      <a:headEnd type="none" w="med" len="med"/>
+                      <a:tailEnd type="none" w="med" len="med"/>
+                    </a:lnT>
+                    <a:lnB w="12700" cap="flat" cmpd="sng" algn="ctr">
+                      <a:solidFill>
+                        <a:schemeClr val="tx1"/>
+                      </a:solidFill>
+                      <a:prstDash val="solid"/>
+                      <a:round/>
+                      <a:headEnd type="none" w="med" len="med"/>
+                      <a:tailEnd type="none" w="med" len="med"/>
+                    </a:lnB>
+                    <a:noFill/>
+                  </a:tcPr>
+                </a:tc>
+                <a:extLst>
+                  <a:ext uri="{0D108BD9-81ED-4DB2-BD59-A6C34878D82A}">
+                    <a16:rowId xmlns:a16="http://schemas.microsoft.com/office/drawing/2014/main" val="705630930"/>
+                  </a:ext>
+                </a:extLst>
+              </a:tr>
+            </a:tbl>
+          </a:graphicData>
+        </a:graphic>
+      </p:graphicFrame>
+    </p:spTree>
+    <p:extLst>
+      <p:ext uri="{BB962C8B-B14F-4D97-AF65-F5344CB8AC3E}">
+        <p14:creationId xmlns:p14="http://schemas.microsoft.com/office/powerpoint/2010/main" val="2460281123"/>
+      </p:ext>
+    </p:extLst>
+  </p:cSld>
+  <p:clrMapOvr>
+    <a:masterClrMapping/>
+  </p:clrMapOvr>
+</p:sld>
+</file>
+
+<file path=ppt/slides/slide7.xml><?xml version="1.0" encoding="utf-8"?>
+<p:sld xmlns:a="http://schemas.openxmlformats.org/drawingml/2006/main" xmlns:r="http://schemas.openxmlformats.org/officeDocument/2006/relationships" xmlns:p="http://schemas.openxmlformats.org/presentationml/2006/main">
+  <p:cSld>
+    <p:spTree>
+      <p:nvGrpSpPr>
+        <p:cNvPr id="1" name=""/>
+        <p:cNvGrpSpPr/>
+        <p:nvPr/>
+      </p:nvGrpSpPr>
+      <p:grpSpPr>
+        <a:xfrm>
+          <a:off x="0" y="0"/>
+          <a:ext cx="0" cy="0"/>
+          <a:chOff x="0" y="0"/>
+          <a:chExt cx="0" cy="0"/>
+        </a:xfrm>
+      </p:grpSpPr>
+      <p:sp>
+        <p:nvSpPr>
+          <p:cNvPr id="4" name="Rectangle 3"/>
+          <p:cNvSpPr/>
+          <p:nvPr/>
+        </p:nvSpPr>
+        <p:spPr>
+          <a:xfrm>
+            <a:off x="9861630" y="0"/>
+            <a:ext cx="8426370" cy="10287000"/>
+          </a:xfrm>
+          <a:prstGeom prst="rect">
+            <a:avLst/>
+          </a:prstGeom>
+          <a:solidFill>
+            <a:srgbClr val="CF3338"/>
+          </a:solidFill>
+          <a:ln>
+            <a:noFill/>
+          </a:ln>
+        </p:spPr>
+        <p:style>
+          <a:lnRef idx="2">
+            <a:schemeClr val="accent1">
+              <a:shade val="50000"/>
+            </a:schemeClr>
+          </a:lnRef>
+          <a:fillRef idx="1">
+            <a:schemeClr val="accent1"/>
+          </a:fillRef>
+          <a:effectRef idx="0">
+            <a:schemeClr val="accent1"/>
+          </a:effectRef>
+          <a:fontRef idx="minor">
+            <a:schemeClr val="lt1"/>
+          </a:fontRef>
+        </p:style>
+        <p:txBody>
+          <a:bodyPr rtlCol="0" anchor="ctr"/>
+          <a:lstStyle/>
+          <a:p>
+            <a:pPr algn="ctr"/>
+            <a:endParaRPr lang="en-US" sz="2700"/>
+          </a:p>
+        </p:txBody>
+      </p:sp>
+      <p:pic>
+        <p:nvPicPr>
+          <p:cNvPr id="2" name="Picture 1"/>
+          <p:cNvPicPr>
+            <a:picLocks noChangeAspect="1"/>
+          </p:cNvPicPr>
+          <p:nvPr/>
+        </p:nvPicPr>
+        <p:blipFill rotWithShape="1">
+          <a:blip r:embed="rId3">
+            <a:extLst>
+              <a:ext uri="{28A0092B-C50C-407E-A947-70E740481C1C}">
+                <a14:useLocalDpi xmlns:a14="http://schemas.microsoft.com/office/drawing/2010/main" val="0"/>
+              </a:ext>
+            </a:extLst>
+          </a:blip>
+          <a:srcRect l="69227" t="33418" r="20112" b="50548"/>
+          <a:stretch/>
+        </p:blipFill>
+        <p:spPr>
+          <a:xfrm>
+            <a:off x="15579524" y="7544693"/>
+            <a:ext cx="2708477" cy="2987579"/>
+          </a:xfrm>
+          <a:prstGeom prst="rect">
+            <a:avLst/>
+          </a:prstGeom>
+        </p:spPr>
+      </p:pic>
+      <p:sp>
+        <p:nvSpPr>
+          <p:cNvPr id="3" name="TextBox 2"/>
+          <p:cNvSpPr txBox="1"/>
+          <p:nvPr/>
+        </p:nvSpPr>
+        <p:spPr>
+          <a:xfrm>
+            <a:off x="260431" y="329879"/>
+            <a:ext cx="8906720" cy="8490401"/>
+          </a:xfrm>
+          <a:prstGeom prst="rect">
+            <a:avLst/>
+          </a:prstGeom>
+          <a:noFill/>
+        </p:spPr>
+        <p:txBody>
+          <a:bodyPr wrap="square" rtlCol="0">
+            <a:spAutoFit/>
+          </a:bodyPr>
+          <a:lstStyle/>
+          <a:p>
+            <a:r>
+              <a:rPr lang="en-US" sz="6000" b="1" dirty="0">
+                <a:solidFill>
+                  <a:srgbClr val="CF3338"/>
+                </a:solidFill>
+                <a:latin typeface="Pragmatica" panose="020B0403040502020204" pitchFamily="34" charset="0"/>
+              </a:rPr>
+              <a:t>Demo: Agent Mode in action</a:t>
+            </a:r>
+          </a:p>
+          <a:p>
+            <a:endParaRPr lang="en-US" sz="4200" dirty="0">
+              <a:solidFill>
+                <a:srgbClr val="CF3338"/>
+              </a:solidFill>
+              <a:latin typeface="Pragmatica" panose="020B0403040502020204" pitchFamily="34" charset="0"/>
+            </a:endParaRPr>
+          </a:p>
+          <a:p>
+            <a:pPr marL="685800" indent="-542925">
+              <a:lnSpc>
+                <a:spcPct val="115000"/>
+              </a:lnSpc>
+              <a:spcBef>
+                <a:spcPts val="1125"/>
+              </a:spcBef>
+              <a:buClr>
+                <a:srgbClr val="C00000"/>
+              </a:buClr>
+              <a:buSzPts val="2100"/>
+              <a:buFont typeface="Arial"/>
+              <a:buAutoNum type="arabicPeriod"/>
+            </a:pPr>
+            <a:r>
+              <a:rPr lang="en-US" sz="3600" dirty="0">
+                <a:solidFill>
+                  <a:srgbClr val="C00000"/>
+                </a:solidFill>
+                <a:latin typeface="Pragmatica" panose="020B0403040502020204"/>
+                <a:sym typeface="Consolas"/>
+              </a:rPr>
+              <a:t>Loan calculator</a:t>
+            </a:r>
+          </a:p>
+          <a:p>
+            <a:pPr marL="685800" indent="-542925">
+              <a:lnSpc>
+                <a:spcPct val="115000"/>
+              </a:lnSpc>
+              <a:spcBef>
+                <a:spcPts val="1125"/>
+              </a:spcBef>
+              <a:buClr>
+                <a:srgbClr val="C00000"/>
+              </a:buClr>
+              <a:buSzPts val="2100"/>
+              <a:buFont typeface="Arial"/>
+              <a:buAutoNum type="arabicPeriod"/>
+            </a:pPr>
+            <a:r>
+              <a:rPr lang="en-US" sz="3600" dirty="0">
+                <a:solidFill>
+                  <a:srgbClr val="C00000"/>
+                </a:solidFill>
+                <a:latin typeface="Pragmatica" panose="020B0403040502020204"/>
+                <a:sym typeface="Consolas"/>
+              </a:rPr>
+              <a:t>Variance analysis</a:t>
+            </a:r>
+          </a:p>
+          <a:p>
+            <a:pPr marL="685800" indent="-542925">
+              <a:lnSpc>
+                <a:spcPct val="115000"/>
+              </a:lnSpc>
+              <a:spcBef>
+                <a:spcPts val="1125"/>
+              </a:spcBef>
+              <a:buClr>
+                <a:srgbClr val="C00000"/>
+              </a:buClr>
+              <a:buSzPts val="2100"/>
+              <a:buFont typeface="Arial"/>
+              <a:buAutoNum type="arabicPeriod"/>
+            </a:pPr>
+            <a:r>
+              <a:rPr lang="en-US" sz="3600" dirty="0">
+                <a:solidFill>
+                  <a:srgbClr val="C00000"/>
+                </a:solidFill>
+                <a:latin typeface="Pragmatica" panose="020B0403040502020204"/>
+                <a:sym typeface="Consolas"/>
+              </a:rPr>
+              <a:t>Monthly close pack</a:t>
+            </a:r>
+          </a:p>
+          <a:p>
+            <a:pPr marL="685800" indent="-542925">
+              <a:lnSpc>
+                <a:spcPct val="115000"/>
+              </a:lnSpc>
+              <a:spcBef>
+                <a:spcPts val="1125"/>
+              </a:spcBef>
+              <a:buClr>
+                <a:srgbClr val="C00000"/>
+              </a:buClr>
+              <a:buSzPts val="2100"/>
+              <a:buFont typeface="Arial"/>
+              <a:buAutoNum type="arabicPeriod"/>
+            </a:pPr>
+            <a:endParaRPr lang="en-US" sz="3600" dirty="0">
+              <a:solidFill>
+                <a:srgbClr val="C00000"/>
+              </a:solidFill>
+              <a:latin typeface="Pragmatica" panose="020B0403040502020204"/>
+              <a:sym typeface="Consolas"/>
+            </a:endParaRPr>
+          </a:p>
+          <a:p>
+            <a:pPr marL="142875">
+              <a:lnSpc>
+                <a:spcPct val="115000"/>
+              </a:lnSpc>
+              <a:spcBef>
+                <a:spcPts val="1125"/>
+              </a:spcBef>
+              <a:buClr>
+                <a:srgbClr val="C00000"/>
+              </a:buClr>
+              <a:buSzPts val="2100"/>
+            </a:pPr>
+            <a:r>
+              <a:rPr lang="en-US" sz="3600" dirty="0">
+                <a:solidFill>
+                  <a:srgbClr val="C00000"/>
+                </a:solidFill>
+                <a:latin typeface="Pragmatica" panose="020B0403040502020204"/>
+                <a:sym typeface="Consolas"/>
+              </a:rPr>
+              <a:t>What does Agent Mode do well, poorly, or not at all? </a:t>
+            </a:r>
+          </a:p>
+          <a:p>
+            <a:pPr marL="142875">
+              <a:lnSpc>
+                <a:spcPct val="115000"/>
+              </a:lnSpc>
+              <a:spcBef>
+                <a:spcPts val="1125"/>
+              </a:spcBef>
+              <a:buClr>
+                <a:srgbClr val="C00000"/>
+              </a:buClr>
+              <a:buSzPts val="2100"/>
+            </a:pPr>
+            <a:r>
+              <a:rPr lang="en-US" sz="3600" dirty="0">
+                <a:solidFill>
+                  <a:srgbClr val="C00000"/>
+                </a:solidFill>
+                <a:latin typeface="Pragmatica" panose="020B0403040502020204"/>
+                <a:sym typeface="Consolas"/>
+              </a:rPr>
+              <a:t>How does this relate to other tools in the Excel AI stack?</a:t>
+            </a:r>
+            <a:endParaRPr lang="en-US" sz="3600" dirty="0">
+              <a:solidFill>
+                <a:srgbClr val="C00000"/>
+              </a:solidFill>
+              <a:latin typeface="Consolas" panose="020B0609020204030204" pitchFamily="49" charset="0"/>
+              <a:sym typeface="Consolas"/>
+            </a:endParaRPr>
+          </a:p>
+        </p:txBody>
+      </p:sp>
+    </p:spTree>
+    <p:extLst>
+      <p:ext uri="{BB962C8B-B14F-4D97-AF65-F5344CB8AC3E}">
+        <p14:creationId xmlns:p14="http://schemas.microsoft.com/office/powerpoint/2010/main" val="1296198135"/>
+      </p:ext>
+    </p:extLst>
+  </p:cSld>
+  <p:clrMapOvr>
+    <a:masterClrMapping/>
+  </p:clrMapOvr>
+</p:sld>
+</file>
+
+<file path=ppt/slides/slide8.xml><?xml version="1.0" encoding="utf-8"?>
+<p:sld xmlns:a="http://schemas.openxmlformats.org/drawingml/2006/main" xmlns:r="http://schemas.openxmlformats.org/officeDocument/2006/relationships" xmlns:p="http://schemas.openxmlformats.org/presentationml/2006/main">
+  <p:cSld>
+    <p:spTree>
+      <p:nvGrpSpPr>
+        <p:cNvPr id="1" name="">
+          <a:extLst>
+            <a:ext uri="{FF2B5EF4-FFF2-40B4-BE49-F238E27FC236}">
+              <a16:creationId xmlns:a16="http://schemas.microsoft.com/office/drawing/2014/main" id="{58E778E5-4EE9-9207-6FC7-3D28CF2383AD}"/>
+            </a:ext>
+          </a:extLst>
+        </p:cNvPr>
+        <p:cNvGrpSpPr/>
+        <p:nvPr/>
+      </p:nvGrpSpPr>
+      <p:grpSpPr>
+        <a:xfrm>
+          <a:off x="0" y="0"/>
+          <a:ext cx="0" cy="0"/>
+          <a:chOff x="0" y="0"/>
+          <a:chExt cx="0" cy="0"/>
+        </a:xfrm>
+      </p:grpSpPr>
+      <p:sp>
+        <p:nvSpPr>
+          <p:cNvPr id="11" name="TextBox 10">
+            <a:extLst>
+              <a:ext uri="{FF2B5EF4-FFF2-40B4-BE49-F238E27FC236}">
+                <a16:creationId xmlns:a16="http://schemas.microsoft.com/office/drawing/2014/main" id="{781603C7-76CD-A76B-F955-68F3329D8967}"/>
+              </a:ext>
+            </a:extLst>
+          </p:cNvPr>
+          <p:cNvSpPr txBox="1"/>
+          <p:nvPr/>
+        </p:nvSpPr>
+        <p:spPr>
+          <a:xfrm>
+            <a:off x="520861" y="170082"/>
+            <a:ext cx="14642939" cy="1477328"/>
+          </a:xfrm>
+          <a:prstGeom prst="rect">
+            <a:avLst/>
+          </a:prstGeom>
+          <a:noFill/>
+        </p:spPr>
+        <p:txBody>
+          <a:bodyPr wrap="square" rtlCol="0">
+            <a:spAutoFit/>
+          </a:bodyPr>
+          <a:lstStyle/>
+          <a:p>
+            <a:r>
+              <a:rPr lang="en-US" sz="9000" dirty="0">
+                <a:latin typeface="Aliens &amp; cows" panose="00000500000000000000" pitchFamily="2" charset="0"/>
+              </a:rPr>
+              <a:t>So what for AI?</a:t>
+            </a:r>
+          </a:p>
+        </p:txBody>
+      </p:sp>
+      <p:sp>
+        <p:nvSpPr>
+          <p:cNvPr id="3" name="TextBox 2">
+            <a:extLst>
+              <a:ext uri="{FF2B5EF4-FFF2-40B4-BE49-F238E27FC236}">
+                <a16:creationId xmlns:a16="http://schemas.microsoft.com/office/drawing/2014/main" id="{5F84214C-EACA-355D-FAEB-44DBEAE3040B}"/>
+              </a:ext>
+            </a:extLst>
+          </p:cNvPr>
+          <p:cNvSpPr txBox="1"/>
+          <p:nvPr/>
+        </p:nvSpPr>
+        <p:spPr>
+          <a:xfrm>
+            <a:off x="520861" y="2095500"/>
+            <a:ext cx="14393120" cy="7571303"/>
+          </a:xfrm>
+          <a:prstGeom prst="rect">
+            <a:avLst/>
+          </a:prstGeom>
+          <a:noFill/>
+        </p:spPr>
+        <p:txBody>
+          <a:bodyPr wrap="square" rtlCol="0">
+            <a:spAutoFit/>
+          </a:bodyPr>
+          <a:lstStyle/>
+          <a:p>
+            <a:pPr marL="685800" indent="-685800">
+              <a:buClr>
+                <a:srgbClr val="CF3338"/>
+              </a:buClr>
+              <a:buFont typeface="Arial" panose="020B0604020202020204" pitchFamily="34" charset="0"/>
+              <a:buChar char="•"/>
+            </a:pPr>
+            <a:r>
+              <a:rPr lang="en-US" sz="5400" dirty="0">
+                <a:solidFill>
+                  <a:srgbClr val="707070"/>
+                </a:solidFill>
+                <a:latin typeface="Pragmatica" panose="020B0403040502020204" pitchFamily="34" charset="0"/>
+              </a:rPr>
+              <a:t>AI in Excel is only one layer of the workflow</a:t>
+            </a:r>
+          </a:p>
+          <a:p>
+            <a:pPr marL="685800" indent="-685800">
+              <a:buClr>
+                <a:srgbClr val="CF3338"/>
+              </a:buClr>
+              <a:buFont typeface="Arial" panose="020B0604020202020204" pitchFamily="34" charset="0"/>
+              <a:buChar char="•"/>
+            </a:pPr>
+            <a:r>
+              <a:rPr lang="en-US" sz="5400" dirty="0">
+                <a:solidFill>
+                  <a:srgbClr val="707070"/>
+                </a:solidFill>
+                <a:latin typeface="Pragmatica" panose="020B0403040502020204" pitchFamily="34" charset="0"/>
+              </a:rPr>
+              <a:t>You still need to get data in, secure it, and move it across systems</a:t>
+            </a:r>
+          </a:p>
+          <a:p>
+            <a:pPr marL="685800" indent="-685800">
+              <a:buClr>
+                <a:srgbClr val="CF3338"/>
+              </a:buClr>
+              <a:buFont typeface="Arial" panose="020B0604020202020204" pitchFamily="34" charset="0"/>
+              <a:buChar char="•"/>
+            </a:pPr>
+            <a:r>
+              <a:rPr lang="en-US" sz="5400" dirty="0">
+                <a:solidFill>
+                  <a:srgbClr val="707070"/>
+                </a:solidFill>
+                <a:latin typeface="Pragmatica" panose="020B0403040502020204" pitchFamily="34" charset="0"/>
+              </a:rPr>
+              <a:t>Power Automate connects Excel logic to real business processes</a:t>
+            </a:r>
+          </a:p>
+          <a:p>
+            <a:pPr marL="685800" indent="-685800">
+              <a:buClr>
+                <a:srgbClr val="CF3338"/>
+              </a:buClr>
+              <a:buFont typeface="Arial" panose="020B0604020202020204" pitchFamily="34" charset="0"/>
+              <a:buChar char="•"/>
+            </a:pPr>
+            <a:r>
+              <a:rPr lang="en-US" sz="5400" dirty="0">
+                <a:solidFill>
+                  <a:srgbClr val="707070"/>
+                </a:solidFill>
+                <a:latin typeface="Pragmatica" panose="020B0403040502020204" pitchFamily="34" charset="0"/>
+              </a:rPr>
+              <a:t>Dataverse keeps everything consistent so AI can trust your data</a:t>
+            </a:r>
+          </a:p>
+          <a:p>
+            <a:pPr marL="685800" indent="-685800">
+              <a:buClr>
+                <a:srgbClr val="CF3338"/>
+              </a:buClr>
+              <a:buFont typeface="Arial" panose="020B0604020202020204" pitchFamily="34" charset="0"/>
+              <a:buChar char="•"/>
+            </a:pPr>
+            <a:r>
+              <a:rPr lang="en-US" sz="5400" dirty="0">
+                <a:solidFill>
+                  <a:srgbClr val="707070"/>
+                </a:solidFill>
+                <a:latin typeface="Pragmatica" panose="020B0403040502020204" pitchFamily="34" charset="0"/>
+              </a:rPr>
+              <a:t>These tools together make AI reliable, scalable, and production ready</a:t>
+            </a:r>
+          </a:p>
+        </p:txBody>
+      </p:sp>
+      <p:pic>
+        <p:nvPicPr>
+          <p:cNvPr id="15" name="Picture 14" descr="A close up of a sign&#10;&#10;Description automatically generated">
+            <a:extLst>
+              <a:ext uri="{FF2B5EF4-FFF2-40B4-BE49-F238E27FC236}">
+                <a16:creationId xmlns:a16="http://schemas.microsoft.com/office/drawing/2014/main" id="{6959BD9D-5738-BA78-737D-3115164D42C1}"/>
+              </a:ext>
+            </a:extLst>
+          </p:cNvPr>
+          <p:cNvPicPr>
+            <a:picLocks noChangeAspect="1"/>
+          </p:cNvPicPr>
+          <p:nvPr/>
+        </p:nvPicPr>
+        <p:blipFill>
+          <a:blip r:embed="rId2">
+            <a:extLst>
+              <a:ext uri="{28A0092B-C50C-407E-A947-70E740481C1C}">
+                <a14:useLocalDpi xmlns:a14="http://schemas.microsoft.com/office/drawing/2010/main" val="0"/>
+              </a:ext>
+            </a:extLst>
+          </a:blip>
+          <a:stretch>
+            <a:fillRect/>
+          </a:stretch>
+        </p:blipFill>
+        <p:spPr>
+          <a:xfrm>
+            <a:off x="16341036" y="8058429"/>
+            <a:ext cx="1942857" cy="2228571"/>
+          </a:xfrm>
+          <a:prstGeom prst="rect">
+            <a:avLst/>
+          </a:prstGeom>
+        </p:spPr>
+      </p:pic>
+    </p:spTree>
+    <p:extLst>
+      <p:ext uri="{BB962C8B-B14F-4D97-AF65-F5344CB8AC3E}">
+        <p14:creationId xmlns:p14="http://schemas.microsoft.com/office/powerpoint/2010/main" val="769688013"/>
+      </p:ext>
+    </p:extLst>
+  </p:cSld>
+  <p:clrMapOvr>
+    <a:masterClrMapping/>
+  </p:clrMapOvr>
+</p:sld>
+</file>
+
+<file path=ppt/slides/slide9.xml><?xml version="1.0" encoding="utf-8"?>
+<p:sld xmlns:a="http://schemas.openxmlformats.org/drawingml/2006/main" xmlns:r="http://schemas.openxmlformats.org/officeDocument/2006/relationships" xmlns:p="http://schemas.openxmlformats.org/presentationml/2006/main">
+  <p:cSld>
+    <p:spTree>
+      <p:nvGrpSpPr>
+        <p:cNvPr id="1" name="">
+          <a:extLst>
+            <a:ext uri="{FF2B5EF4-FFF2-40B4-BE49-F238E27FC236}">
+              <a16:creationId xmlns:a16="http://schemas.microsoft.com/office/drawing/2014/main" id="{E7B78ECD-3650-0D5D-E084-2ADF90776325}"/>
+            </a:ext>
+          </a:extLst>
+        </p:cNvPr>
+        <p:cNvGrpSpPr/>
+        <p:nvPr/>
+      </p:nvGrpSpPr>
+      <p:grpSpPr>
+        <a:xfrm>
+          <a:off x="0" y="0"/>
+          <a:ext cx="0" cy="0"/>
+          <a:chOff x="0" y="0"/>
+          <a:chExt cx="0" cy="0"/>
+        </a:xfrm>
+      </p:grpSpPr>
+      <p:sp>
+        <p:nvSpPr>
+          <p:cNvPr id="11" name="TextBox 10">
+            <a:extLst>
+              <a:ext uri="{FF2B5EF4-FFF2-40B4-BE49-F238E27FC236}">
+                <a16:creationId xmlns:a16="http://schemas.microsoft.com/office/drawing/2014/main" id="{2BF29A83-0331-0E10-824A-4833E4760B19}"/>
+              </a:ext>
+            </a:extLst>
+          </p:cNvPr>
+          <p:cNvSpPr txBox="1"/>
+          <p:nvPr/>
+        </p:nvSpPr>
+        <p:spPr>
+          <a:xfrm>
+            <a:off x="520861" y="170082"/>
+            <a:ext cx="16700339" cy="1107996"/>
+          </a:xfrm>
+          <a:prstGeom prst="rect">
+            <a:avLst/>
+          </a:prstGeom>
+          <a:noFill/>
+        </p:spPr>
+        <p:txBody>
+          <a:bodyPr wrap="square" rtlCol="0">
+            <a:spAutoFit/>
+          </a:bodyPr>
+          <a:lstStyle/>
+          <a:p>
+            <a:r>
+              <a:rPr lang="en-US" sz="6600" dirty="0">
+                <a:latin typeface="Aliens &amp; cows" panose="00000500000000000000" pitchFamily="2" charset="0"/>
+              </a:rPr>
+              <a:t>Day 4 preview: Turning analysis into action</a:t>
+            </a:r>
+          </a:p>
+        </p:txBody>
+      </p:sp>
+      <p:sp>
+        <p:nvSpPr>
+          <p:cNvPr id="3" name="TextBox 2">
+            <a:extLst>
+              <a:ext uri="{FF2B5EF4-FFF2-40B4-BE49-F238E27FC236}">
+                <a16:creationId xmlns:a16="http://schemas.microsoft.com/office/drawing/2014/main" id="{1F8BFEA8-EC1E-D186-8530-6533D3345701}"/>
+              </a:ext>
+            </a:extLst>
+          </p:cNvPr>
+          <p:cNvSpPr txBox="1"/>
+          <p:nvPr/>
+        </p:nvSpPr>
+        <p:spPr>
+          <a:xfrm>
+            <a:off x="520861" y="2095500"/>
+            <a:ext cx="14393120" cy="6740307"/>
+          </a:xfrm>
+          <a:prstGeom prst="rect">
+            <a:avLst/>
+          </a:prstGeom>
+          <a:noFill/>
+        </p:spPr>
+        <p:txBody>
+          <a:bodyPr wrap="square" rtlCol="0">
+            <a:spAutoFit/>
+          </a:bodyPr>
+          <a:lstStyle/>
+          <a:p>
+            <a:pPr marL="685800" indent="-685800">
+              <a:buClr>
+                <a:srgbClr val="CF3338"/>
+              </a:buClr>
+              <a:buFont typeface="Arial" panose="020B0604020202020204" pitchFamily="34" charset="0"/>
+              <a:buChar char="•"/>
+            </a:pPr>
+            <a:r>
+              <a:rPr lang="en-US" sz="5400" dirty="0">
+                <a:solidFill>
+                  <a:srgbClr val="707070"/>
+                </a:solidFill>
+                <a:latin typeface="Pragmatica" panose="020B0403040502020204" pitchFamily="34" charset="0"/>
+              </a:rPr>
+              <a:t>Office Scripts automate the clicks and steps you already take in Excel</a:t>
+            </a:r>
+          </a:p>
+          <a:p>
+            <a:pPr marL="685800" indent="-685800">
+              <a:buClr>
+                <a:srgbClr val="CF3338"/>
+              </a:buClr>
+              <a:buFont typeface="Arial" panose="020B0604020202020204" pitchFamily="34" charset="0"/>
+              <a:buChar char="•"/>
+            </a:pPr>
+            <a:r>
+              <a:rPr lang="en-US" sz="5400" dirty="0">
+                <a:solidFill>
+                  <a:srgbClr val="707070"/>
+                </a:solidFill>
+                <a:latin typeface="Pragmatica" panose="020B0403040502020204" pitchFamily="34" charset="0"/>
+              </a:rPr>
+              <a:t>Power Automate turns those scripts into real workflows that run on their own</a:t>
+            </a:r>
+          </a:p>
+          <a:p>
+            <a:pPr marL="685800" indent="-685800">
+              <a:buClr>
+                <a:srgbClr val="CF3338"/>
+              </a:buClr>
+              <a:buFont typeface="Arial" panose="020B0604020202020204" pitchFamily="34" charset="0"/>
+              <a:buChar char="•"/>
+            </a:pPr>
+            <a:r>
+              <a:rPr lang="en-US" sz="5400" dirty="0">
+                <a:solidFill>
+                  <a:srgbClr val="707070"/>
+                </a:solidFill>
+                <a:latin typeface="Pragmatica" panose="020B0403040502020204" pitchFamily="34" charset="0"/>
+              </a:rPr>
+              <a:t>Flows push data and results to Teams, Outlook, SharePoint and more</a:t>
+            </a:r>
+          </a:p>
+          <a:p>
+            <a:pPr marL="685800" indent="-685800">
+              <a:buClr>
+                <a:srgbClr val="CF3338"/>
+              </a:buClr>
+              <a:buFont typeface="Arial" panose="020B0604020202020204" pitchFamily="34" charset="0"/>
+              <a:buChar char="•"/>
+            </a:pPr>
+            <a:r>
+              <a:rPr lang="en-US" sz="5400" dirty="0">
+                <a:solidFill>
+                  <a:srgbClr val="707070"/>
+                </a:solidFill>
+                <a:latin typeface="Pragmatica" panose="020B0403040502020204" pitchFamily="34" charset="0"/>
+              </a:rPr>
+              <a:t>Together they form the execution layer that carries your work beyond the workbook</a:t>
+            </a:r>
+          </a:p>
+        </p:txBody>
+      </p:sp>
+      <p:pic>
+        <p:nvPicPr>
+          <p:cNvPr id="15" name="Picture 14" descr="A close up of a sign&#10;&#10;Description automatically generated">
+            <a:extLst>
+              <a:ext uri="{FF2B5EF4-FFF2-40B4-BE49-F238E27FC236}">
+                <a16:creationId xmlns:a16="http://schemas.microsoft.com/office/drawing/2014/main" id="{49376407-AE9F-CCBA-4232-9DA21ADE632E}"/>
+              </a:ext>
+            </a:extLst>
+          </p:cNvPr>
+          <p:cNvPicPr>
+            <a:picLocks noChangeAspect="1"/>
+          </p:cNvPicPr>
+          <p:nvPr/>
+        </p:nvPicPr>
+        <p:blipFill>
+          <a:blip r:embed="rId2">
+            <a:extLst>
+              <a:ext uri="{28A0092B-C50C-407E-A947-70E740481C1C}">
+                <a14:useLocalDpi xmlns:a14="http://schemas.microsoft.com/office/drawing/2010/main" val="0"/>
+              </a:ext>
+            </a:extLst>
+          </a:blip>
+          <a:stretch>
+            <a:fillRect/>
+          </a:stretch>
+        </p:blipFill>
+        <p:spPr>
+          <a:xfrm>
+            <a:off x="16341036" y="8058429"/>
+            <a:ext cx="1942857" cy="2228571"/>
+          </a:xfrm>
+          <a:prstGeom prst="rect">
+            <a:avLst/>
+          </a:prstGeom>
+        </p:spPr>
+      </p:pic>
+    </p:spTree>
+    <p:extLst>
+      <p:ext uri="{BB962C8B-B14F-4D97-AF65-F5344CB8AC3E}">
+        <p14:creationId xmlns:p14="http://schemas.microsoft.com/office/powerpoint/2010/main" val="2946292221"/>
       </p:ext>
     </p:extLst>
   </p:cSld>

--- a/day-3-copilot-python-agent-model/day-3-copilot-python-agent-mode.pptx
+++ b/day-3-copilot-python-agent-model/day-3-copilot-python-agent-mode.pptx
@@ -5,30 +5,31 @@
     <p:sldMasterId id="2147483648" r:id="rId1"/>
   </p:sldMasterIdLst>
   <p:notesMasterIdLst>
-    <p:notesMasterId r:id="rId13"/>
+    <p:notesMasterId r:id="rId14"/>
   </p:notesMasterIdLst>
   <p:sldIdLst>
     <p:sldId id="256" r:id="rId2"/>
     <p:sldId id="455" r:id="rId3"/>
-    <p:sldId id="471" r:id="rId4"/>
-    <p:sldId id="439" r:id="rId5"/>
-    <p:sldId id="428" r:id="rId6"/>
-    <p:sldId id="440" r:id="rId7"/>
-    <p:sldId id="441" r:id="rId8"/>
-    <p:sldId id="474" r:id="rId9"/>
-    <p:sldId id="473" r:id="rId10"/>
-    <p:sldId id="415" r:id="rId11"/>
-    <p:sldId id="470" r:id="rId12"/>
+    <p:sldId id="475" r:id="rId4"/>
+    <p:sldId id="471" r:id="rId5"/>
+    <p:sldId id="439" r:id="rId6"/>
+    <p:sldId id="428" r:id="rId7"/>
+    <p:sldId id="440" r:id="rId8"/>
+    <p:sldId id="441" r:id="rId9"/>
+    <p:sldId id="474" r:id="rId10"/>
+    <p:sldId id="473" r:id="rId11"/>
+    <p:sldId id="415" r:id="rId12"/>
+    <p:sldId id="470" r:id="rId13"/>
   </p:sldIdLst>
   <p:sldSz cx="18288000" cy="10287000"/>
   <p:notesSz cx="6858000" cy="9144000"/>
   <p:embeddedFontLst>
     <p:embeddedFont>
       <p:font typeface="Consolas" panose="020B0609020204030204" pitchFamily="49" charset="0"/>
-      <p:regular r:id="rId14"/>
-      <p:bold r:id="rId15"/>
-      <p:italic r:id="rId16"/>
-      <p:boldItalic r:id="rId17"/>
+      <p:regular r:id="rId15"/>
+      <p:bold r:id="rId16"/>
+      <p:italic r:id="rId17"/>
+      <p:boldItalic r:id="rId18"/>
     </p:embeddedFont>
   </p:embeddedFontLst>
   <p:defaultTextStyle>
@@ -254,7 +255,7 @@
           <a:p>
             <a:fld id="{17A98A70-FA8C-4354-959C-C70678AC9BCF}" type="datetimeFigureOut">
               <a:rPr lang="en-US" smtClean="0"/>
-              <a:t>11/19/2025</a:t>
+              <a:t>11/21/2025</a:t>
             </a:fld>
             <a:endParaRPr lang="en-US"/>
           </a:p>
@@ -690,7 +691,7 @@
           <a:p>
             <a:fld id="{FFB500C5-13F7-48FC-8160-C29AECF6C602}" type="slidenum">
               <a:rPr lang="en-US" smtClean="0"/>
-              <a:t>4</a:t>
+              <a:t>5</a:t>
             </a:fld>
             <a:endParaRPr lang="en-US"/>
           </a:p>
@@ -777,7 +778,7 @@
           <a:p>
             <a:fld id="{1300335D-9F13-4B80-ADC5-B0EA3E10FF6B}" type="slidenum">
               <a:rPr lang="en-US" smtClean="0"/>
-              <a:t>5</a:t>
+              <a:t>6</a:t>
             </a:fld>
             <a:endParaRPr lang="en-US"/>
           </a:p>
@@ -909,7 +910,7 @@
           <a:p>
             <a:fld id="{FFB500C5-13F7-48FC-8160-C29AECF6C602}" type="slidenum">
               <a:rPr lang="en-US" smtClean="0"/>
-              <a:t>6</a:t>
+              <a:t>7</a:t>
             </a:fld>
             <a:endParaRPr lang="en-US"/>
           </a:p>
@@ -996,7 +997,7 @@
           <a:p>
             <a:fld id="{1300335D-9F13-4B80-ADC5-B0EA3E10FF6B}" type="slidenum">
               <a:rPr lang="en-US" smtClean="0"/>
-              <a:t>7</a:t>
+              <a:t>8</a:t>
             </a:fld>
             <a:endParaRPr lang="en-US"/>
           </a:p>
@@ -1195,7 +1196,7 @@
             <a:fld id="{1D8BD707-D9CF-40AE-B4C6-C98DA3205C09}" type="datetimeFigureOut">
               <a:rPr lang="en-US" smtClean="0"/>
               <a:pPr/>
-              <a:t>11/19/2025</a:t>
+              <a:t>11/21/2025</a:t>
             </a:fld>
             <a:endParaRPr lang="en-US"/>
           </a:p>
@@ -1360,7 +1361,7 @@
             <a:fld id="{1D8BD707-D9CF-40AE-B4C6-C98DA3205C09}" type="datetimeFigureOut">
               <a:rPr lang="en-US" smtClean="0"/>
               <a:pPr/>
-              <a:t>11/19/2025</a:t>
+              <a:t>11/21/2025</a:t>
             </a:fld>
             <a:endParaRPr lang="en-US"/>
           </a:p>
@@ -1535,7 +1536,7 @@
             <a:fld id="{1D8BD707-D9CF-40AE-B4C6-C98DA3205C09}" type="datetimeFigureOut">
               <a:rPr lang="en-US" smtClean="0"/>
               <a:pPr/>
-              <a:t>11/19/2025</a:t>
+              <a:t>11/21/2025</a:t>
             </a:fld>
             <a:endParaRPr lang="en-US"/>
           </a:p>
@@ -1700,7 +1701,7 @@
             <a:fld id="{1D8BD707-D9CF-40AE-B4C6-C98DA3205C09}" type="datetimeFigureOut">
               <a:rPr lang="en-US" smtClean="0"/>
               <a:pPr/>
-              <a:t>11/19/2025</a:t>
+              <a:t>11/21/2025</a:t>
             </a:fld>
             <a:endParaRPr lang="en-US"/>
           </a:p>
@@ -1942,7 +1943,7 @@
             <a:fld id="{1D8BD707-D9CF-40AE-B4C6-C98DA3205C09}" type="datetimeFigureOut">
               <a:rPr lang="en-US" smtClean="0"/>
               <a:pPr/>
-              <a:t>11/19/2025</a:t>
+              <a:t>11/21/2025</a:t>
             </a:fld>
             <a:endParaRPr lang="en-US"/>
           </a:p>
@@ -2224,7 +2225,7 @@
             <a:fld id="{1D8BD707-D9CF-40AE-B4C6-C98DA3205C09}" type="datetimeFigureOut">
               <a:rPr lang="en-US" smtClean="0"/>
               <a:pPr/>
-              <a:t>11/19/2025</a:t>
+              <a:t>11/21/2025</a:t>
             </a:fld>
             <a:endParaRPr lang="en-US"/>
           </a:p>
@@ -2640,7 +2641,7 @@
             <a:fld id="{1D8BD707-D9CF-40AE-B4C6-C98DA3205C09}" type="datetimeFigureOut">
               <a:rPr lang="en-US" smtClean="0"/>
               <a:pPr/>
-              <a:t>11/19/2025</a:t>
+              <a:t>11/21/2025</a:t>
             </a:fld>
             <a:endParaRPr lang="en-US"/>
           </a:p>
@@ -2754,7 +2755,7 @@
             <a:fld id="{1D8BD707-D9CF-40AE-B4C6-C98DA3205C09}" type="datetimeFigureOut">
               <a:rPr lang="en-US" smtClean="0"/>
               <a:pPr/>
-              <a:t>11/19/2025</a:t>
+              <a:t>11/21/2025</a:t>
             </a:fld>
             <a:endParaRPr lang="en-US"/>
           </a:p>
@@ -2846,7 +2847,7 @@
             <a:fld id="{1D8BD707-D9CF-40AE-B4C6-C98DA3205C09}" type="datetimeFigureOut">
               <a:rPr lang="en-US" smtClean="0"/>
               <a:pPr/>
-              <a:t>11/19/2025</a:t>
+              <a:t>11/21/2025</a:t>
             </a:fld>
             <a:endParaRPr lang="en-US"/>
           </a:p>
@@ -3118,7 +3119,7 @@
             <a:fld id="{1D8BD707-D9CF-40AE-B4C6-C98DA3205C09}" type="datetimeFigureOut">
               <a:rPr lang="en-US" smtClean="0"/>
               <a:pPr/>
-              <a:t>11/19/2025</a:t>
+              <a:t>11/21/2025</a:t>
             </a:fld>
             <a:endParaRPr lang="en-US"/>
           </a:p>
@@ -3367,7 +3368,7 @@
             <a:fld id="{1D8BD707-D9CF-40AE-B4C6-C98DA3205C09}" type="datetimeFigureOut">
               <a:rPr lang="en-US" smtClean="0"/>
               <a:pPr/>
-              <a:t>11/19/2025</a:t>
+              <a:t>11/21/2025</a:t>
             </a:fld>
             <a:endParaRPr lang="en-US"/>
           </a:p>
@@ -3580,7 +3581,7 @@
             <a:fld id="{1D8BD707-D9CF-40AE-B4C6-C98DA3205C09}" type="datetimeFigureOut">
               <a:rPr lang="en-US" smtClean="0"/>
               <a:pPr/>
-              <a:t>11/19/2025</a:t>
+              <a:t>11/21/2025</a:t>
             </a:fld>
             <a:endParaRPr lang="en-US"/>
           </a:p>
@@ -4118,6 +4119,216 @@
   <p:cSld>
     <p:spTree>
       <p:nvGrpSpPr>
+        <p:cNvPr id="1" name="">
+          <a:extLst>
+            <a:ext uri="{FF2B5EF4-FFF2-40B4-BE49-F238E27FC236}">
+              <a16:creationId xmlns:a16="http://schemas.microsoft.com/office/drawing/2014/main" id="{E7B78ECD-3650-0D5D-E084-2ADF90776325}"/>
+            </a:ext>
+          </a:extLst>
+        </p:cNvPr>
+        <p:cNvGrpSpPr/>
+        <p:nvPr/>
+      </p:nvGrpSpPr>
+      <p:grpSpPr>
+        <a:xfrm>
+          <a:off x="0" y="0"/>
+          <a:ext cx="0" cy="0"/>
+          <a:chOff x="0" y="0"/>
+          <a:chExt cx="0" cy="0"/>
+        </a:xfrm>
+      </p:grpSpPr>
+      <p:sp>
+        <p:nvSpPr>
+          <p:cNvPr id="11" name="TextBox 10">
+            <a:extLst>
+              <a:ext uri="{FF2B5EF4-FFF2-40B4-BE49-F238E27FC236}">
+                <a16:creationId xmlns:a16="http://schemas.microsoft.com/office/drawing/2014/main" id="{2BF29A83-0331-0E10-824A-4833E4760B19}"/>
+              </a:ext>
+            </a:extLst>
+          </p:cNvPr>
+          <p:cNvSpPr txBox="1"/>
+          <p:nvPr/>
+        </p:nvSpPr>
+        <p:spPr>
+          <a:xfrm>
+            <a:off x="520861" y="170082"/>
+            <a:ext cx="16700339" cy="1107996"/>
+          </a:xfrm>
+          <a:prstGeom prst="rect">
+            <a:avLst/>
+          </a:prstGeom>
+          <a:noFill/>
+        </p:spPr>
+        <p:txBody>
+          <a:bodyPr wrap="square" rtlCol="0">
+            <a:spAutoFit/>
+          </a:bodyPr>
+          <a:lstStyle/>
+          <a:p>
+            <a:r>
+              <a:rPr lang="en-US" sz="6600" dirty="0">
+                <a:latin typeface="Aliens &amp; cows" panose="00000500000000000000" pitchFamily="2" charset="0"/>
+              </a:rPr>
+              <a:t>Day 4 preview: Turning analysis into action</a:t>
+            </a:r>
+          </a:p>
+        </p:txBody>
+      </p:sp>
+      <p:sp>
+        <p:nvSpPr>
+          <p:cNvPr id="3" name="TextBox 2">
+            <a:extLst>
+              <a:ext uri="{FF2B5EF4-FFF2-40B4-BE49-F238E27FC236}">
+                <a16:creationId xmlns:a16="http://schemas.microsoft.com/office/drawing/2014/main" id="{1F8BFEA8-EC1E-D186-8530-6533D3345701}"/>
+              </a:ext>
+            </a:extLst>
+          </p:cNvPr>
+          <p:cNvSpPr txBox="1"/>
+          <p:nvPr/>
+        </p:nvSpPr>
+        <p:spPr>
+          <a:xfrm>
+            <a:off x="520861" y="2095500"/>
+            <a:ext cx="14393120" cy="6740307"/>
+          </a:xfrm>
+          <a:prstGeom prst="rect">
+            <a:avLst/>
+          </a:prstGeom>
+          <a:noFill/>
+        </p:spPr>
+        <p:txBody>
+          <a:bodyPr wrap="square" rtlCol="0">
+            <a:spAutoFit/>
+          </a:bodyPr>
+          <a:lstStyle/>
+          <a:p>
+            <a:pPr marL="685800" indent="-685800">
+              <a:buClr>
+                <a:srgbClr val="CF3338"/>
+              </a:buClr>
+              <a:buFont typeface="Arial" panose="020B0604020202020204" pitchFamily="34" charset="0"/>
+              <a:buChar char="•"/>
+            </a:pPr>
+            <a:r>
+              <a:rPr lang="en-US" sz="5400" dirty="0">
+                <a:solidFill>
+                  <a:srgbClr val="707070"/>
+                </a:solidFill>
+                <a:latin typeface="Pragmatica" panose="020B0403040502020204" pitchFamily="34" charset="0"/>
+              </a:rPr>
+              <a:t>Office Scripts automate the clicks and steps you already take in Excel</a:t>
+            </a:r>
+          </a:p>
+          <a:p>
+            <a:pPr marL="685800" indent="-685800">
+              <a:buClr>
+                <a:srgbClr val="CF3338"/>
+              </a:buClr>
+              <a:buFont typeface="Arial" panose="020B0604020202020204" pitchFamily="34" charset="0"/>
+              <a:buChar char="•"/>
+            </a:pPr>
+            <a:r>
+              <a:rPr lang="en-US" sz="5400" dirty="0">
+                <a:solidFill>
+                  <a:srgbClr val="707070"/>
+                </a:solidFill>
+                <a:latin typeface="Pragmatica" panose="020B0403040502020204" pitchFamily="34" charset="0"/>
+              </a:rPr>
+              <a:t>Power Automate turns those scripts into real workflows that run on their own</a:t>
+            </a:r>
+          </a:p>
+          <a:p>
+            <a:pPr marL="685800" indent="-685800">
+              <a:buClr>
+                <a:srgbClr val="CF3338"/>
+              </a:buClr>
+              <a:buFont typeface="Arial" panose="020B0604020202020204" pitchFamily="34" charset="0"/>
+              <a:buChar char="•"/>
+            </a:pPr>
+            <a:r>
+              <a:rPr lang="en-US" sz="5400" dirty="0">
+                <a:solidFill>
+                  <a:srgbClr val="707070"/>
+                </a:solidFill>
+                <a:latin typeface="Pragmatica" panose="020B0403040502020204" pitchFamily="34" charset="0"/>
+              </a:rPr>
+              <a:t>Flows push data and results to Teams, Outlook, SharePoint and more</a:t>
+            </a:r>
+          </a:p>
+          <a:p>
+            <a:pPr marL="685800" indent="-685800">
+              <a:buClr>
+                <a:srgbClr val="CF3338"/>
+              </a:buClr>
+              <a:buFont typeface="Arial" panose="020B0604020202020204" pitchFamily="34" charset="0"/>
+              <a:buChar char="•"/>
+            </a:pPr>
+            <a:r>
+              <a:rPr lang="en-US" sz="5400" dirty="0">
+                <a:solidFill>
+                  <a:srgbClr val="707070"/>
+                </a:solidFill>
+                <a:latin typeface="Pragmatica" panose="020B0403040502020204" pitchFamily="34" charset="0"/>
+              </a:rPr>
+              <a:t>Together they form the execution layer that carries your work beyond the workbook</a:t>
+            </a:r>
+          </a:p>
+        </p:txBody>
+      </p:sp>
+      <p:pic>
+        <p:nvPicPr>
+          <p:cNvPr id="15" name="Picture 14" descr="A close up of a sign&#10;&#10;Description automatically generated">
+            <a:extLst>
+              <a:ext uri="{FF2B5EF4-FFF2-40B4-BE49-F238E27FC236}">
+                <a16:creationId xmlns:a16="http://schemas.microsoft.com/office/drawing/2014/main" id="{49376407-AE9F-CCBA-4232-9DA21ADE632E}"/>
+              </a:ext>
+            </a:extLst>
+          </p:cNvPr>
+          <p:cNvPicPr>
+            <a:picLocks noChangeAspect="1"/>
+          </p:cNvPicPr>
+          <p:nvPr/>
+        </p:nvPicPr>
+        <p:blipFill>
+          <a:blip r:embed="rId2">
+            <a:extLst>
+              <a:ext uri="{28A0092B-C50C-407E-A947-70E740481C1C}">
+                <a14:useLocalDpi xmlns:a14="http://schemas.microsoft.com/office/drawing/2010/main" val="0"/>
+              </a:ext>
+            </a:extLst>
+          </a:blip>
+          <a:stretch>
+            <a:fillRect/>
+          </a:stretch>
+        </p:blipFill>
+        <p:spPr>
+          <a:xfrm>
+            <a:off x="16341036" y="8058429"/>
+            <a:ext cx="1942857" cy="2228571"/>
+          </a:xfrm>
+          <a:prstGeom prst="rect">
+            <a:avLst/>
+          </a:prstGeom>
+        </p:spPr>
+      </p:pic>
+    </p:spTree>
+    <p:extLst>
+      <p:ext uri="{BB962C8B-B14F-4D97-AF65-F5344CB8AC3E}">
+        <p14:creationId xmlns:p14="http://schemas.microsoft.com/office/powerpoint/2010/main" val="2946292221"/>
+      </p:ext>
+    </p:extLst>
+  </p:cSld>
+  <p:clrMapOvr>
+    <a:masterClrMapping/>
+  </p:clrMapOvr>
+</p:sld>
+</file>
+
+<file path=ppt/slides/slide11.xml><?xml version="1.0" encoding="utf-8"?>
+<p:sld xmlns:a="http://schemas.openxmlformats.org/drawingml/2006/main" xmlns:r="http://schemas.openxmlformats.org/officeDocument/2006/relationships" xmlns:p="http://schemas.openxmlformats.org/presentationml/2006/main">
+  <p:cSld>
+    <p:spTree>
+      <p:nvGrpSpPr>
         <p:cNvPr id="1" name=""/>
         <p:cNvGrpSpPr/>
         <p:nvPr/>
@@ -4271,7 +4482,7 @@
 </p:sld>
 </file>
 
-<file path=ppt/slides/slide11.xml><?xml version="1.0" encoding="utf-8"?>
+<file path=ppt/slides/slide12.xml><?xml version="1.0" encoding="utf-8"?>
 <p:sld xmlns:a="http://schemas.openxmlformats.org/drawingml/2006/main" xmlns:r="http://schemas.openxmlformats.org/officeDocument/2006/relationships" xmlns:p="http://schemas.openxmlformats.org/presentationml/2006/main">
   <p:cSld>
     <p:spTree>
@@ -4672,6 +4883,240 @@
         <p:cNvPr id="1" name="">
           <a:extLst>
             <a:ext uri="{FF2B5EF4-FFF2-40B4-BE49-F238E27FC236}">
+              <a16:creationId xmlns:a16="http://schemas.microsoft.com/office/drawing/2014/main" id="{58E778E5-4EE9-9207-6FC7-3D28CF2383AD}"/>
+            </a:ext>
+          </a:extLst>
+        </p:cNvPr>
+        <p:cNvGrpSpPr/>
+        <p:nvPr/>
+      </p:nvGrpSpPr>
+      <p:grpSpPr>
+        <a:xfrm>
+          <a:off x="0" y="0"/>
+          <a:ext cx="0" cy="0"/>
+          <a:chOff x="0" y="0"/>
+          <a:chExt cx="0" cy="0"/>
+        </a:xfrm>
+      </p:grpSpPr>
+      <p:sp>
+        <p:nvSpPr>
+          <p:cNvPr id="11" name="TextBox 10">
+            <a:extLst>
+              <a:ext uri="{FF2B5EF4-FFF2-40B4-BE49-F238E27FC236}">
+                <a16:creationId xmlns:a16="http://schemas.microsoft.com/office/drawing/2014/main" id="{781603C7-76CD-A76B-F955-68F3329D8967}"/>
+              </a:ext>
+            </a:extLst>
+          </p:cNvPr>
+          <p:cNvSpPr txBox="1"/>
+          <p:nvPr/>
+        </p:nvSpPr>
+        <p:spPr>
+          <a:xfrm>
+            <a:off x="520861" y="170082"/>
+            <a:ext cx="14642939" cy="1477328"/>
+          </a:xfrm>
+          <a:prstGeom prst="rect">
+            <a:avLst/>
+          </a:prstGeom>
+          <a:noFill/>
+        </p:spPr>
+        <p:txBody>
+          <a:bodyPr wrap="square" rtlCol="0">
+            <a:spAutoFit/>
+          </a:bodyPr>
+          <a:lstStyle/>
+          <a:p>
+            <a:r>
+              <a:rPr lang="en-US" sz="9000">
+                <a:latin typeface="Aliens &amp; cows" panose="00000500000000000000" pitchFamily="2" charset="0"/>
+              </a:rPr>
+              <a:t>Day 2 </a:t>
+            </a:r>
+            <a:r>
+              <a:rPr lang="en-US" sz="9000" dirty="0">
+                <a:latin typeface="Aliens &amp; cows" panose="00000500000000000000" pitchFamily="2" charset="0"/>
+              </a:rPr>
+              <a:t>recap</a:t>
+            </a:r>
+          </a:p>
+        </p:txBody>
+      </p:sp>
+      <p:sp>
+        <p:nvSpPr>
+          <p:cNvPr id="3" name="TextBox 2">
+            <a:extLst>
+              <a:ext uri="{FF2B5EF4-FFF2-40B4-BE49-F238E27FC236}">
+                <a16:creationId xmlns:a16="http://schemas.microsoft.com/office/drawing/2014/main" id="{5F84214C-EACA-355D-FAEB-44DBEAE3040B}"/>
+              </a:ext>
+            </a:extLst>
+          </p:cNvPr>
+          <p:cNvSpPr txBox="1"/>
+          <p:nvPr/>
+        </p:nvSpPr>
+        <p:spPr>
+          <a:xfrm>
+            <a:off x="520861" y="2095500"/>
+            <a:ext cx="14393120" cy="5909310"/>
+          </a:xfrm>
+          <a:prstGeom prst="rect">
+            <a:avLst/>
+          </a:prstGeom>
+          <a:noFill/>
+        </p:spPr>
+        <p:txBody>
+          <a:bodyPr wrap="square" rtlCol="0">
+            <a:spAutoFit/>
+          </a:bodyPr>
+          <a:lstStyle/>
+          <a:p>
+            <a:pPr marL="685800" indent="-685800">
+              <a:buClr>
+                <a:srgbClr val="CF3338"/>
+              </a:buClr>
+              <a:buFont typeface="Arial" panose="020B0604020202020204" pitchFamily="34" charset="0"/>
+              <a:buChar char="•"/>
+            </a:pPr>
+            <a:r>
+              <a:rPr lang="en-US" sz="5400" dirty="0">
+                <a:solidFill>
+                  <a:srgbClr val="707070"/>
+                </a:solidFill>
+                <a:latin typeface="Pragmatica" panose="020B0403040502020204" pitchFamily="34" charset="0"/>
+              </a:rPr>
+              <a:t>Connected Excel to Power BI + Dataverse</a:t>
+            </a:r>
+          </a:p>
+          <a:p>
+            <a:pPr marL="685800" indent="-685800">
+              <a:buClr>
+                <a:srgbClr val="CF3338"/>
+              </a:buClr>
+              <a:buFont typeface="Arial" panose="020B0604020202020204" pitchFamily="34" charset="0"/>
+              <a:buChar char="•"/>
+            </a:pPr>
+            <a:r>
+              <a:rPr lang="en-US" sz="5400" dirty="0">
+                <a:solidFill>
+                  <a:srgbClr val="707070"/>
+                </a:solidFill>
+                <a:latin typeface="Pragmatica" panose="020B0403040502020204" pitchFamily="34" charset="0"/>
+              </a:rPr>
+              <a:t>Moved data Excel → Power BI → Excel</a:t>
+            </a:r>
+          </a:p>
+          <a:p>
+            <a:pPr marL="685800" indent="-685800">
+              <a:buClr>
+                <a:srgbClr val="CF3338"/>
+              </a:buClr>
+              <a:buFont typeface="Arial" panose="020B0604020202020204" pitchFamily="34" charset="0"/>
+              <a:buChar char="•"/>
+            </a:pPr>
+            <a:r>
+              <a:rPr lang="en-US" sz="5400" dirty="0">
+                <a:solidFill>
+                  <a:srgbClr val="707070"/>
+                </a:solidFill>
+                <a:latin typeface="Pragmatica" panose="020B0403040502020204" pitchFamily="34" charset="0"/>
+              </a:rPr>
+              <a:t>Introduced semantic models for governed, shared data</a:t>
+            </a:r>
+          </a:p>
+          <a:p>
+            <a:pPr marL="685800" indent="-685800">
+              <a:buClr>
+                <a:srgbClr val="CF3338"/>
+              </a:buClr>
+              <a:buFont typeface="Arial" panose="020B0604020202020204" pitchFamily="34" charset="0"/>
+              <a:buChar char="•"/>
+            </a:pPr>
+            <a:r>
+              <a:rPr lang="en-US" sz="5400" dirty="0">
+                <a:solidFill>
+                  <a:srgbClr val="707070"/>
+                </a:solidFill>
+                <a:latin typeface="Pragmatica" panose="020B0403040502020204" pitchFamily="34" charset="0"/>
+              </a:rPr>
+              <a:t>Showed why clean, cloud data = better AI</a:t>
+            </a:r>
+          </a:p>
+          <a:p>
+            <a:pPr marL="685800" indent="-685800">
+              <a:buClr>
+                <a:srgbClr val="CF3338"/>
+              </a:buClr>
+              <a:buFont typeface="Arial" panose="020B0604020202020204" pitchFamily="34" charset="0"/>
+              <a:buChar char="•"/>
+            </a:pPr>
+            <a:r>
+              <a:rPr lang="en-US" sz="5400" dirty="0">
+                <a:solidFill>
+                  <a:srgbClr val="707070"/>
+                </a:solidFill>
+                <a:latin typeface="Pragmatica" panose="020B0403040502020204" pitchFamily="34" charset="0"/>
+              </a:rPr>
+              <a:t>Explained how semantic models give AI context + meaning</a:t>
+            </a:r>
+          </a:p>
+        </p:txBody>
+      </p:sp>
+      <p:pic>
+        <p:nvPicPr>
+          <p:cNvPr id="15" name="Picture 14" descr="A close up of a sign&#10;&#10;Description automatically generated">
+            <a:extLst>
+              <a:ext uri="{FF2B5EF4-FFF2-40B4-BE49-F238E27FC236}">
+                <a16:creationId xmlns:a16="http://schemas.microsoft.com/office/drawing/2014/main" id="{6959BD9D-5738-BA78-737D-3115164D42C1}"/>
+              </a:ext>
+            </a:extLst>
+          </p:cNvPr>
+          <p:cNvPicPr>
+            <a:picLocks noChangeAspect="1"/>
+          </p:cNvPicPr>
+          <p:nvPr/>
+        </p:nvPicPr>
+        <p:blipFill>
+          <a:blip r:embed="rId2">
+            <a:extLst>
+              <a:ext uri="{28A0092B-C50C-407E-A947-70E740481C1C}">
+                <a14:useLocalDpi xmlns:a14="http://schemas.microsoft.com/office/drawing/2010/main" val="0"/>
+              </a:ext>
+            </a:extLst>
+          </a:blip>
+          <a:stretch>
+            <a:fillRect/>
+          </a:stretch>
+        </p:blipFill>
+        <p:spPr>
+          <a:xfrm>
+            <a:off x="16341036" y="8058429"/>
+            <a:ext cx="1942857" cy="2228571"/>
+          </a:xfrm>
+          <a:prstGeom prst="rect">
+            <a:avLst/>
+          </a:prstGeom>
+        </p:spPr>
+      </p:pic>
+    </p:spTree>
+    <p:extLst>
+      <p:ext uri="{BB962C8B-B14F-4D97-AF65-F5344CB8AC3E}">
+        <p14:creationId xmlns:p14="http://schemas.microsoft.com/office/powerpoint/2010/main" val="2133890910"/>
+      </p:ext>
+    </p:extLst>
+  </p:cSld>
+  <p:clrMapOvr>
+    <a:masterClrMapping/>
+  </p:clrMapOvr>
+</p:sld>
+</file>
+
+<file path=ppt/slides/slide4.xml><?xml version="1.0" encoding="utf-8"?>
+<p:sld xmlns:a="http://schemas.openxmlformats.org/drawingml/2006/main" xmlns:r="http://schemas.openxmlformats.org/officeDocument/2006/relationships" xmlns:p="http://schemas.openxmlformats.org/presentationml/2006/main">
+  <p:cSld>
+    <p:spTree>
+      <p:nvGrpSpPr>
+        <p:cNvPr id="1" name="">
+          <a:extLst>
+            <a:ext uri="{FF2B5EF4-FFF2-40B4-BE49-F238E27FC236}">
               <a16:creationId xmlns:a16="http://schemas.microsoft.com/office/drawing/2014/main" id="{B3E6ACC5-4B11-2B34-2998-BB1C4FC9CC6C}"/>
             </a:ext>
           </a:extLst>
@@ -4896,7 +5341,7 @@
 </p:sld>
 </file>
 
-<file path=ppt/slides/slide4.xml><?xml version="1.0" encoding="utf-8"?>
+<file path=ppt/slides/slide5.xml><?xml version="1.0" encoding="utf-8"?>
 <p:sld xmlns:a="http://schemas.openxmlformats.org/drawingml/2006/main" xmlns:r="http://schemas.openxmlformats.org/officeDocument/2006/relationships" xmlns:p="http://schemas.openxmlformats.org/presentationml/2006/main">
   <p:cSld>
     <p:spTree>
@@ -5099,7 +5544,7 @@
 </p:sld>
 </file>
 
-<file path=ppt/slides/slide5.xml><?xml version="1.0" encoding="utf-8"?>
+<file path=ppt/slides/slide6.xml><?xml version="1.0" encoding="utf-8"?>
 <p:sld xmlns:a="http://schemas.openxmlformats.org/drawingml/2006/main" xmlns:r="http://schemas.openxmlformats.org/officeDocument/2006/relationships" xmlns:p="http://schemas.openxmlformats.org/presentationml/2006/main">
   <p:cSld>
     <p:spTree>
@@ -5454,7 +5899,7 @@
 </p:sld>
 </file>
 
-<file path=ppt/slides/slide6.xml><?xml version="1.0" encoding="utf-8"?>
+<file path=ppt/slides/slide7.xml><?xml version="1.0" encoding="utf-8"?>
 <p:sld xmlns:a="http://schemas.openxmlformats.org/drawingml/2006/main" xmlns:r="http://schemas.openxmlformats.org/officeDocument/2006/relationships" xmlns:p="http://schemas.openxmlformats.org/presentationml/2006/main">
   <p:cSld>
     <p:spTree>
@@ -6974,7 +7419,7 @@
 </p:sld>
 </file>
 
-<file path=ppt/slides/slide7.xml><?xml version="1.0" encoding="utf-8"?>
+<file path=ppt/slides/slide8.xml><?xml version="1.0" encoding="utf-8"?>
 <p:sld xmlns:a="http://schemas.openxmlformats.org/drawingml/2006/main" xmlns:r="http://schemas.openxmlformats.org/officeDocument/2006/relationships" xmlns:p="http://schemas.openxmlformats.org/presentationml/2006/main">
   <p:cSld>
     <p:spTree>
@@ -7277,7 +7722,7 @@
 </p:sld>
 </file>
 
-<file path=ppt/slides/slide8.xml><?xml version="1.0" encoding="utf-8"?>
+<file path=ppt/slides/slide9.xml><?xml version="1.0" encoding="utf-8"?>
 <p:sld xmlns:a="http://schemas.openxmlformats.org/drawingml/2006/main" xmlns:r="http://schemas.openxmlformats.org/officeDocument/2006/relationships" xmlns:p="http://schemas.openxmlformats.org/presentationml/2006/main">
   <p:cSld>
     <p:spTree>
@@ -7496,216 +7941,6 @@
     <p:extLst>
       <p:ext uri="{BB962C8B-B14F-4D97-AF65-F5344CB8AC3E}">
         <p14:creationId xmlns:p14="http://schemas.microsoft.com/office/powerpoint/2010/main" val="769688013"/>
-      </p:ext>
-    </p:extLst>
-  </p:cSld>
-  <p:clrMapOvr>
-    <a:masterClrMapping/>
-  </p:clrMapOvr>
-</p:sld>
-</file>
-
-<file path=ppt/slides/slide9.xml><?xml version="1.0" encoding="utf-8"?>
-<p:sld xmlns:a="http://schemas.openxmlformats.org/drawingml/2006/main" xmlns:r="http://schemas.openxmlformats.org/officeDocument/2006/relationships" xmlns:p="http://schemas.openxmlformats.org/presentationml/2006/main">
-  <p:cSld>
-    <p:spTree>
-      <p:nvGrpSpPr>
-        <p:cNvPr id="1" name="">
-          <a:extLst>
-            <a:ext uri="{FF2B5EF4-FFF2-40B4-BE49-F238E27FC236}">
-              <a16:creationId xmlns:a16="http://schemas.microsoft.com/office/drawing/2014/main" id="{E7B78ECD-3650-0D5D-E084-2ADF90776325}"/>
-            </a:ext>
-          </a:extLst>
-        </p:cNvPr>
-        <p:cNvGrpSpPr/>
-        <p:nvPr/>
-      </p:nvGrpSpPr>
-      <p:grpSpPr>
-        <a:xfrm>
-          <a:off x="0" y="0"/>
-          <a:ext cx="0" cy="0"/>
-          <a:chOff x="0" y="0"/>
-          <a:chExt cx="0" cy="0"/>
-        </a:xfrm>
-      </p:grpSpPr>
-      <p:sp>
-        <p:nvSpPr>
-          <p:cNvPr id="11" name="TextBox 10">
-            <a:extLst>
-              <a:ext uri="{FF2B5EF4-FFF2-40B4-BE49-F238E27FC236}">
-                <a16:creationId xmlns:a16="http://schemas.microsoft.com/office/drawing/2014/main" id="{2BF29A83-0331-0E10-824A-4833E4760B19}"/>
-              </a:ext>
-            </a:extLst>
-          </p:cNvPr>
-          <p:cNvSpPr txBox="1"/>
-          <p:nvPr/>
-        </p:nvSpPr>
-        <p:spPr>
-          <a:xfrm>
-            <a:off x="520861" y="170082"/>
-            <a:ext cx="16700339" cy="1107996"/>
-          </a:xfrm>
-          <a:prstGeom prst="rect">
-            <a:avLst/>
-          </a:prstGeom>
-          <a:noFill/>
-        </p:spPr>
-        <p:txBody>
-          <a:bodyPr wrap="square" rtlCol="0">
-            <a:spAutoFit/>
-          </a:bodyPr>
-          <a:lstStyle/>
-          <a:p>
-            <a:r>
-              <a:rPr lang="en-US" sz="6600" dirty="0">
-                <a:latin typeface="Aliens &amp; cows" panose="00000500000000000000" pitchFamily="2" charset="0"/>
-              </a:rPr>
-              <a:t>Day 4 preview: Turning analysis into action</a:t>
-            </a:r>
-          </a:p>
-        </p:txBody>
-      </p:sp>
-      <p:sp>
-        <p:nvSpPr>
-          <p:cNvPr id="3" name="TextBox 2">
-            <a:extLst>
-              <a:ext uri="{FF2B5EF4-FFF2-40B4-BE49-F238E27FC236}">
-                <a16:creationId xmlns:a16="http://schemas.microsoft.com/office/drawing/2014/main" id="{1F8BFEA8-EC1E-D186-8530-6533D3345701}"/>
-              </a:ext>
-            </a:extLst>
-          </p:cNvPr>
-          <p:cNvSpPr txBox="1"/>
-          <p:nvPr/>
-        </p:nvSpPr>
-        <p:spPr>
-          <a:xfrm>
-            <a:off x="520861" y="2095500"/>
-            <a:ext cx="14393120" cy="6740307"/>
-          </a:xfrm>
-          <a:prstGeom prst="rect">
-            <a:avLst/>
-          </a:prstGeom>
-          <a:noFill/>
-        </p:spPr>
-        <p:txBody>
-          <a:bodyPr wrap="square" rtlCol="0">
-            <a:spAutoFit/>
-          </a:bodyPr>
-          <a:lstStyle/>
-          <a:p>
-            <a:pPr marL="685800" indent="-685800">
-              <a:buClr>
-                <a:srgbClr val="CF3338"/>
-              </a:buClr>
-              <a:buFont typeface="Arial" panose="020B0604020202020204" pitchFamily="34" charset="0"/>
-              <a:buChar char="•"/>
-            </a:pPr>
-            <a:r>
-              <a:rPr lang="en-US" sz="5400" dirty="0">
-                <a:solidFill>
-                  <a:srgbClr val="707070"/>
-                </a:solidFill>
-                <a:latin typeface="Pragmatica" panose="020B0403040502020204" pitchFamily="34" charset="0"/>
-              </a:rPr>
-              <a:t>Office Scripts automate the clicks and steps you already take in Excel</a:t>
-            </a:r>
-          </a:p>
-          <a:p>
-            <a:pPr marL="685800" indent="-685800">
-              <a:buClr>
-                <a:srgbClr val="CF3338"/>
-              </a:buClr>
-              <a:buFont typeface="Arial" panose="020B0604020202020204" pitchFamily="34" charset="0"/>
-              <a:buChar char="•"/>
-            </a:pPr>
-            <a:r>
-              <a:rPr lang="en-US" sz="5400" dirty="0">
-                <a:solidFill>
-                  <a:srgbClr val="707070"/>
-                </a:solidFill>
-                <a:latin typeface="Pragmatica" panose="020B0403040502020204" pitchFamily="34" charset="0"/>
-              </a:rPr>
-              <a:t>Power Automate turns those scripts into real workflows that run on their own</a:t>
-            </a:r>
-          </a:p>
-          <a:p>
-            <a:pPr marL="685800" indent="-685800">
-              <a:buClr>
-                <a:srgbClr val="CF3338"/>
-              </a:buClr>
-              <a:buFont typeface="Arial" panose="020B0604020202020204" pitchFamily="34" charset="0"/>
-              <a:buChar char="•"/>
-            </a:pPr>
-            <a:r>
-              <a:rPr lang="en-US" sz="5400" dirty="0">
-                <a:solidFill>
-                  <a:srgbClr val="707070"/>
-                </a:solidFill>
-                <a:latin typeface="Pragmatica" panose="020B0403040502020204" pitchFamily="34" charset="0"/>
-              </a:rPr>
-              <a:t>Flows push data and results to Teams, Outlook, SharePoint and more</a:t>
-            </a:r>
-          </a:p>
-          <a:p>
-            <a:pPr marL="685800" indent="-685800">
-              <a:buClr>
-                <a:srgbClr val="CF3338"/>
-              </a:buClr>
-              <a:buFont typeface="Arial" panose="020B0604020202020204" pitchFamily="34" charset="0"/>
-              <a:buChar char="•"/>
-            </a:pPr>
-            <a:r>
-              <a:rPr lang="en-US" sz="5400" dirty="0">
-                <a:solidFill>
-                  <a:srgbClr val="707070"/>
-                </a:solidFill>
-                <a:latin typeface="Pragmatica" panose="020B0403040502020204" pitchFamily="34" charset="0"/>
-              </a:rPr>
-              <a:t>Together they form the execution layer that carries your work beyond the workbook</a:t>
-            </a:r>
-          </a:p>
-        </p:txBody>
-      </p:sp>
-      <p:pic>
-        <p:nvPicPr>
-          <p:cNvPr id="15" name="Picture 14" descr="A close up of a sign&#10;&#10;Description automatically generated">
-            <a:extLst>
-              <a:ext uri="{FF2B5EF4-FFF2-40B4-BE49-F238E27FC236}">
-                <a16:creationId xmlns:a16="http://schemas.microsoft.com/office/drawing/2014/main" id="{49376407-AE9F-CCBA-4232-9DA21ADE632E}"/>
-              </a:ext>
-            </a:extLst>
-          </p:cNvPr>
-          <p:cNvPicPr>
-            <a:picLocks noChangeAspect="1"/>
-          </p:cNvPicPr>
-          <p:nvPr/>
-        </p:nvPicPr>
-        <p:blipFill>
-          <a:blip r:embed="rId2">
-            <a:extLst>
-              <a:ext uri="{28A0092B-C50C-407E-A947-70E740481C1C}">
-                <a14:useLocalDpi xmlns:a14="http://schemas.microsoft.com/office/drawing/2010/main" val="0"/>
-              </a:ext>
-            </a:extLst>
-          </a:blip>
-          <a:stretch>
-            <a:fillRect/>
-          </a:stretch>
-        </p:blipFill>
-        <p:spPr>
-          <a:xfrm>
-            <a:off x="16341036" y="8058429"/>
-            <a:ext cx="1942857" cy="2228571"/>
-          </a:xfrm>
-          <a:prstGeom prst="rect">
-            <a:avLst/>
-          </a:prstGeom>
-        </p:spPr>
-      </p:pic>
-    </p:spTree>
-    <p:extLst>
-      <p:ext uri="{BB962C8B-B14F-4D97-AF65-F5344CB8AC3E}">
-        <p14:creationId xmlns:p14="http://schemas.microsoft.com/office/powerpoint/2010/main" val="2946292221"/>
       </p:ext>
     </p:extLst>
   </p:cSld>

--- a/day-3-copilot-python-agent-model/day-3-copilot-python-agent-mode.pptx
+++ b/day-3-copilot-python-agent-model/day-3-copilot-python-agent-mode.pptx
@@ -255,7 +255,7 @@
           <a:p>
             <a:fld id="{17A98A70-FA8C-4354-959C-C70678AC9BCF}" type="datetimeFigureOut">
               <a:rPr lang="en-US" smtClean="0"/>
-              <a:t>11/21/2025</a:t>
+              <a:t>12/1/2025</a:t>
             </a:fld>
             <a:endParaRPr lang="en-US"/>
           </a:p>
@@ -568,106 +568,40 @@
           <a:p>
             <a:r>
               <a:rPr lang="en-US" dirty="0"/>
-              <a:t>This chart shows the spectrum of AI tools based on two dimensions: how deeply they’re integrated into your workflow, and how much they can automate on their own.</a:t>
-            </a:r>
-          </a:p>
-          <a:p>
-            <a:endParaRPr lang="en-US" dirty="0"/>
+              <a:t>“Yesterday we started by looking at why messy data structures — like those quarterly columns — completely break AI tools. Copilot couldn’t answer even simple questions because the layout wasn’t machine-friendly.”</a:t>
+            </a:r>
           </a:p>
           <a:p>
             <a:r>
               <a:rPr lang="en-US" dirty="0"/>
-              <a:t>In the bottom left, we have </a:t>
-            </a:r>
-            <a:r>
-              <a:rPr lang="en-US" b="1" dirty="0"/>
-              <a:t>Assistants</a:t>
+              <a:t>“We used Copilot to help us </a:t>
+            </a:r>
+            <a:r>
+              <a:rPr lang="en-US" i="1" dirty="0"/>
+              <a:t>diagnose</a:t>
             </a:r>
             <a:r>
               <a:rPr lang="en-US" dirty="0"/>
-              <a:t> like ChatGPT or Bard. These tools are conversational and flexible, but they exist outside your main work environment. They can generate ideas, write text, or help explain concepts, but you have to feed them the context yourself. They don’t automatically connect to your files or data.</a:t>
-            </a:r>
-          </a:p>
-          <a:p>
-            <a:endParaRPr lang="en-US" dirty="0"/>
+              <a:t> those issues, but not to fix them. Copilot is great at spotting potential problems, but the real cleanup still happens in Power Query.”</a:t>
+            </a:r>
           </a:p>
           <a:p>
             <a:r>
               <a:rPr lang="en-US" dirty="0"/>
-              <a:t>Moving up to the top left are </a:t>
-            </a:r>
-            <a:r>
-              <a:rPr lang="en-US" b="1" dirty="0"/>
-              <a:t>Copilots</a:t>
-            </a:r>
+              <a:t>“Once we had our Power Query steps in place, we brought Copilot back in to help tidy and reorganize our M code. It can’t click around in the interface, but it’s excellent at making scripts cleaner and easier to maintain.”</a:t>
+            </a:r>
+          </a:p>
+          <a:p>
             <a:r>
               <a:rPr lang="en-US" dirty="0"/>
-              <a:t>, like Microsoft Copilot in Excel. These tools are highly integrated into your daily work tools. Copilot in Excel knows your workbook, formulas, and tables. It can help you analyze data, write formulas, and generate summaries—all inside Excel. But it’s still assistive, not autonomous. You’re in control, and it only acts when you prompt it.</a:t>
+              <a:t>“After that, we lifted the entire cleaning workflow into a Dataflow. This is the shift from ‘cleaning one workbook’ to ‘cleaning the data source for everyone,’ automatically, in the cloud.”</a:t>
             </a:r>
           </a:p>
           <a:p>
             <a:r>
               <a:rPr lang="en-US" dirty="0"/>
-              <a:t>On the bottom right are </a:t>
-            </a:r>
-            <a:r>
-              <a:rPr lang="en-US" b="1" dirty="0"/>
-              <a:t>Autopilots</a:t>
-            </a:r>
-            <a:r>
-              <a:rPr lang="en-US" dirty="0"/>
-              <a:t>, which handle repetitive processes automatically but without much awareness of your data. These might include automated social media posting or simple scheduled tasks. They act independently but lack real integration with your work context.</a:t>
-            </a:r>
-          </a:p>
-          <a:p>
-            <a:endParaRPr lang="en-US" dirty="0"/>
-          </a:p>
-          <a:p>
-            <a:r>
-              <a:rPr lang="en-US" dirty="0"/>
-              <a:t>Finally, in the top right are </a:t>
-            </a:r>
-            <a:r>
-              <a:rPr lang="en-US" b="1" dirty="0"/>
-              <a:t>Agents</a:t>
-            </a:r>
-            <a:r>
-              <a:rPr lang="en-US" dirty="0"/>
-              <a:t>. These combine deep integration with high automation. Agents can understand your business data and act proactively—like automatically generating reports, summarizing meetings, or triggering workflows across apps.</a:t>
-            </a:r>
-          </a:p>
-          <a:p>
-            <a:endParaRPr lang="en-US" dirty="0"/>
-          </a:p>
-          <a:p>
-            <a:r>
-              <a:rPr lang="en-US" b="1" dirty="0"/>
-              <a:t>Copilot in Excel</a:t>
-            </a:r>
-            <a:r>
-              <a:rPr lang="en-US" dirty="0"/>
-              <a:t> sits in the “Copilot” quadrant—it’s deeply embedded in your tools but still relies on you to guide it. </a:t>
-            </a:r>
-            <a:r>
-              <a:rPr lang="en-US" b="1" dirty="0"/>
-              <a:t>Agent Mode</a:t>
-            </a:r>
-            <a:r>
-              <a:rPr lang="en-US" dirty="0"/>
-              <a:t> is what happens when that same intelligence gains the ability to take initiative. It builds on Copilot’s understanding of your data but can connect across multiple apps and act without waiting for your command.</a:t>
-            </a:r>
-          </a:p>
-          <a:p>
-            <a:endParaRPr lang="en-US" dirty="0"/>
-          </a:p>
-          <a:p>
-            <a:r>
-              <a:rPr lang="en-US" dirty="0"/>
-              <a:t>In short, Copilot helps you do the work; Agent Mode will start doing the work for you.</a:t>
-            </a:r>
-          </a:p>
-          <a:p>
-            <a:endParaRPr lang="en-US" dirty="0"/>
+              <a:t>“And finally, we published that cleaned output as a governed Dataverse table. Now the data is structured, refreshed, and ready for Excel, Power BI, Copilot, Power Automate, and everything else we build this week.”</a:t>
+            </a:r>
           </a:p>
           <a:p>
             <a:endParaRPr lang="en-US" dirty="0"/>
@@ -691,7 +625,7 @@
           <a:p>
             <a:fld id="{FFB500C5-13F7-48FC-8160-C29AECF6C602}" type="slidenum">
               <a:rPr lang="en-US" smtClean="0"/>
-              <a:t>5</a:t>
+              <a:t>3</a:t>
             </a:fld>
             <a:endParaRPr lang="en-US"/>
           </a:p>
@@ -700,7 +634,7 @@
     </p:spTree>
     <p:extLst>
       <p:ext uri="{BB962C8B-B14F-4D97-AF65-F5344CB8AC3E}">
-        <p14:creationId xmlns:p14="http://schemas.microsoft.com/office/powerpoint/2010/main" val="828131509"/>
+        <p14:creationId xmlns:p14="http://schemas.microsoft.com/office/powerpoint/2010/main" val="1840290819"/>
       </p:ext>
     </p:extLst>
   </p:cSld>
@@ -754,9 +688,110 @@
           <a:bodyPr/>
           <a:lstStyle/>
           <a:p>
-            <a:pPr marL="0" indent="0">
-              <a:buNone/>
-            </a:pPr>
+            <a:r>
+              <a:rPr lang="en-US" dirty="0"/>
+              <a:t>This chart shows the spectrum of AI tools based on two dimensions: how deeply they’re integrated into your workflow, and how much they can automate on their own.</a:t>
+            </a:r>
+          </a:p>
+          <a:p>
+            <a:endParaRPr lang="en-US" dirty="0"/>
+          </a:p>
+          <a:p>
+            <a:r>
+              <a:rPr lang="en-US" dirty="0"/>
+              <a:t>In the bottom left, we have </a:t>
+            </a:r>
+            <a:r>
+              <a:rPr lang="en-US" b="1" dirty="0"/>
+              <a:t>Assistants</a:t>
+            </a:r>
+            <a:r>
+              <a:rPr lang="en-US" dirty="0"/>
+              <a:t> like ChatGPT or Bard. These tools are conversational and flexible, but they exist outside your main work environment. They can generate ideas, write text, or help explain concepts, but you have to feed them the context yourself. They don’t automatically connect to your files or data.</a:t>
+            </a:r>
+          </a:p>
+          <a:p>
+            <a:endParaRPr lang="en-US" dirty="0"/>
+          </a:p>
+          <a:p>
+            <a:r>
+              <a:rPr lang="en-US" dirty="0"/>
+              <a:t>Moving up to the top left are </a:t>
+            </a:r>
+            <a:r>
+              <a:rPr lang="en-US" b="1" dirty="0"/>
+              <a:t>Copilots</a:t>
+            </a:r>
+            <a:r>
+              <a:rPr lang="en-US" dirty="0"/>
+              <a:t>, like Microsoft Copilot in Excel. These tools are highly integrated into your daily work tools. Copilot in Excel knows your workbook, formulas, and tables. It can help you analyze data, write formulas, and generate summaries—all inside Excel. But it’s still assistive, not autonomous. You’re in control, and it only acts when you prompt it.</a:t>
+            </a:r>
+          </a:p>
+          <a:p>
+            <a:r>
+              <a:rPr lang="en-US" dirty="0"/>
+              <a:t>On the bottom right are </a:t>
+            </a:r>
+            <a:r>
+              <a:rPr lang="en-US" b="1" dirty="0"/>
+              <a:t>Autopilots</a:t>
+            </a:r>
+            <a:r>
+              <a:rPr lang="en-US" dirty="0"/>
+              <a:t>, which handle repetitive processes automatically but without much awareness of your data. These might include automated social media posting or simple scheduled tasks. They act independently but lack real integration with your work context.</a:t>
+            </a:r>
+          </a:p>
+          <a:p>
+            <a:endParaRPr lang="en-US" dirty="0"/>
+          </a:p>
+          <a:p>
+            <a:r>
+              <a:rPr lang="en-US" dirty="0"/>
+              <a:t>Finally, in the top right are </a:t>
+            </a:r>
+            <a:r>
+              <a:rPr lang="en-US" b="1" dirty="0"/>
+              <a:t>Agents</a:t>
+            </a:r>
+            <a:r>
+              <a:rPr lang="en-US" dirty="0"/>
+              <a:t>. These combine deep integration with high automation. Agents can understand your business data and act proactively—like automatically generating reports, summarizing meetings, or triggering workflows across apps.</a:t>
+            </a:r>
+          </a:p>
+          <a:p>
+            <a:endParaRPr lang="en-US" dirty="0"/>
+          </a:p>
+          <a:p>
+            <a:r>
+              <a:rPr lang="en-US" b="1" dirty="0"/>
+              <a:t>Copilot in Excel</a:t>
+            </a:r>
+            <a:r>
+              <a:rPr lang="en-US" dirty="0"/>
+              <a:t> sits in the “Copilot” quadrant—it’s deeply embedded in your tools but still relies on you to guide it. </a:t>
+            </a:r>
+            <a:r>
+              <a:rPr lang="en-US" b="1" dirty="0"/>
+              <a:t>Agent Mode</a:t>
+            </a:r>
+            <a:r>
+              <a:rPr lang="en-US" dirty="0"/>
+              <a:t> is what happens when that same intelligence gains the ability to take initiative. It builds on Copilot’s understanding of your data but can connect across multiple apps and act without waiting for your command.</a:t>
+            </a:r>
+          </a:p>
+          <a:p>
+            <a:endParaRPr lang="en-US" dirty="0"/>
+          </a:p>
+          <a:p>
+            <a:r>
+              <a:rPr lang="en-US" dirty="0"/>
+              <a:t>In short, Copilot helps you do the work; Agent Mode will start doing the work for you.</a:t>
+            </a:r>
+          </a:p>
+          <a:p>
+            <a:endParaRPr lang="en-US" dirty="0"/>
+          </a:p>
+          <a:p>
             <a:endParaRPr lang="en-US" dirty="0"/>
           </a:p>
         </p:txBody>
@@ -776,9 +811,9 @@
           <a:bodyPr/>
           <a:lstStyle/>
           <a:p>
-            <a:fld id="{1300335D-9F13-4B80-ADC5-B0EA3E10FF6B}" type="slidenum">
+            <a:fld id="{FFB500C5-13F7-48FC-8160-C29AECF6C602}" type="slidenum">
               <a:rPr lang="en-US" smtClean="0"/>
-              <a:t>6</a:t>
+              <a:t>5</a:t>
             </a:fld>
             <a:endParaRPr lang="en-US"/>
           </a:p>
@@ -787,7 +822,7 @@
     </p:spTree>
     <p:extLst>
       <p:ext uri="{BB962C8B-B14F-4D97-AF65-F5344CB8AC3E}">
-        <p14:creationId xmlns:p14="http://schemas.microsoft.com/office/powerpoint/2010/main" val="3864329887"/>
+        <p14:creationId xmlns:p14="http://schemas.microsoft.com/office/powerpoint/2010/main" val="828131509"/>
       </p:ext>
     </p:extLst>
   </p:cSld>
@@ -841,55 +876,10 @@
           <a:bodyPr/>
           <a:lstStyle/>
           <a:p>
-            <a:r>
-              <a:rPr lang="en-US" sz="900" dirty="0"/>
-              <a:t>When people hear Copilot and Agent Mode, they often assume they are the same thing, but they represent very different stages in how AI works inside Excel.</a:t>
-            </a:r>
-          </a:p>
-          <a:p>
-            <a:endParaRPr lang="en-US" sz="900" dirty="0"/>
-          </a:p>
-          <a:p>
-            <a:r>
-              <a:rPr lang="en-US" sz="900" dirty="0"/>
-              <a:t>Copilot is what most of us have used so far. It is a great assistant when you need to generate a formula, summarize some data, or clean up a quick report. You ask it a question, it gives an answer, and then it is up to you to decide what to do next. It is reactive. It waits for your prompt each time.</a:t>
-            </a:r>
-          </a:p>
-          <a:p>
-            <a:endParaRPr lang="en-US" sz="900" dirty="0"/>
-          </a:p>
-          <a:p>
-            <a:r>
-              <a:rPr lang="en-US" sz="900" dirty="0"/>
-              <a:t>Agent Mode takes this a step further. Instead of a single prompt and response, the agent can plan, execute, and evaluate multiple steps on its own. It does not just answer you, it actually works with you, refining its approach until it gets the result right. Think of it as the difference between giving someone an instruction versus giving them a project.</a:t>
-            </a:r>
-          </a:p>
-          <a:p>
-            <a:endParaRPr lang="en-US" sz="900" dirty="0"/>
-          </a:p>
-          <a:p>
-            <a:r>
-              <a:rPr lang="en-US" sz="900" dirty="0"/>
-              <a:t>That also changes your role as the analyst. With Copilot, you are still the one doing the work, just faster. With Agent Mode, you become more of a manager or reviewer, someone who guides, oversees, and checks the agent’s work. The focus shifts from “Can I get this formula right?” to “Can I structure and verify the workflow my agent is running?”</a:t>
-            </a:r>
-          </a:p>
-          <a:p>
-            <a:endParaRPr lang="en-US" sz="900" dirty="0"/>
-          </a:p>
-          <a:p>
-            <a:r>
-              <a:rPr lang="en-US" sz="900" dirty="0"/>
-              <a:t>In terms of output, Copilot is great for speed. You will get something usable right away. Agent Mode is built for reliability. It double checks itself, validates formulas, and produces outputs that are more auditable and refreshable. That is what makes it better suited for more complex or higher stakes workflows like financial models, reconciliations, or recurring dashboards.</a:t>
-            </a:r>
-          </a:p>
-          <a:p>
-            <a:endParaRPr lang="en-US" sz="900" dirty="0"/>
-          </a:p>
-          <a:p>
-            <a:r>
-              <a:rPr lang="en-US" sz="900" dirty="0"/>
-              <a:t>So the short version is: Copilot accelerates your work. Agent Mode begins to do the work. The real opportunity for Excel professionals is learning how to manage and guide these new digital teammates effectively.</a:t>
-            </a:r>
+            <a:pPr marL="0" indent="0">
+              <a:buNone/>
+            </a:pPr>
+            <a:endParaRPr lang="en-US" dirty="0"/>
           </a:p>
         </p:txBody>
       </p:sp>
@@ -908,9 +898,9 @@
           <a:bodyPr/>
           <a:lstStyle/>
           <a:p>
-            <a:fld id="{FFB500C5-13F7-48FC-8160-C29AECF6C602}" type="slidenum">
+            <a:fld id="{1300335D-9F13-4B80-ADC5-B0EA3E10FF6B}" type="slidenum">
               <a:rPr lang="en-US" smtClean="0"/>
-              <a:t>7</a:t>
+              <a:t>6</a:t>
             </a:fld>
             <a:endParaRPr lang="en-US"/>
           </a:p>
@@ -919,7 +909,7 @@
     </p:spTree>
     <p:extLst>
       <p:ext uri="{BB962C8B-B14F-4D97-AF65-F5344CB8AC3E}">
-        <p14:creationId xmlns:p14="http://schemas.microsoft.com/office/powerpoint/2010/main" val="2986116311"/>
+        <p14:creationId xmlns:p14="http://schemas.microsoft.com/office/powerpoint/2010/main" val="3864329887"/>
       </p:ext>
     </p:extLst>
   </p:cSld>
@@ -973,6 +963,138 @@
           <a:bodyPr/>
           <a:lstStyle/>
           <a:p>
+            <a:r>
+              <a:rPr lang="en-US" sz="900" dirty="0"/>
+              <a:t>When people hear Copilot and Agent Mode, they often assume they are the same thing, but they represent very different stages in how AI works inside Excel.</a:t>
+            </a:r>
+          </a:p>
+          <a:p>
+            <a:endParaRPr lang="en-US" sz="900" dirty="0"/>
+          </a:p>
+          <a:p>
+            <a:r>
+              <a:rPr lang="en-US" sz="900" dirty="0"/>
+              <a:t>Copilot is what most of us have used so far. It is a great assistant when you need to generate a formula, summarize some data, or clean up a quick report. You ask it a question, it gives an answer, and then it is up to you to decide what to do next. It is reactive. It waits for your prompt each time.</a:t>
+            </a:r>
+          </a:p>
+          <a:p>
+            <a:endParaRPr lang="en-US" sz="900" dirty="0"/>
+          </a:p>
+          <a:p>
+            <a:r>
+              <a:rPr lang="en-US" sz="900" dirty="0"/>
+              <a:t>Agent Mode takes this a step further. Instead of a single prompt and response, the agent can plan, execute, and evaluate multiple steps on its own. It does not just answer you, it actually works with you, refining its approach until it gets the result right. Think of it as the difference between giving someone an instruction versus giving them a project.</a:t>
+            </a:r>
+          </a:p>
+          <a:p>
+            <a:endParaRPr lang="en-US" sz="900" dirty="0"/>
+          </a:p>
+          <a:p>
+            <a:r>
+              <a:rPr lang="en-US" sz="900" dirty="0"/>
+              <a:t>That also changes your role as the analyst. With Copilot, you are still the one doing the work, just faster. With Agent Mode, you become more of a manager or reviewer, someone who guides, oversees, and checks the agent’s work. The focus shifts from “Can I get this formula right?” to “Can I structure and verify the workflow my agent is running?”</a:t>
+            </a:r>
+          </a:p>
+          <a:p>
+            <a:endParaRPr lang="en-US" sz="900" dirty="0"/>
+          </a:p>
+          <a:p>
+            <a:r>
+              <a:rPr lang="en-US" sz="900" dirty="0"/>
+              <a:t>In terms of output, Copilot is great for speed. You will get something usable right away. Agent Mode is built for reliability. It double checks itself, validates formulas, and produces outputs that are more auditable and refreshable. That is what makes it better suited for more complex or higher stakes workflows like financial models, reconciliations, or recurring dashboards.</a:t>
+            </a:r>
+          </a:p>
+          <a:p>
+            <a:endParaRPr lang="en-US" sz="900" dirty="0"/>
+          </a:p>
+          <a:p>
+            <a:r>
+              <a:rPr lang="en-US" sz="900" dirty="0"/>
+              <a:t>So the short version is: Copilot accelerates your work. Agent Mode begins to do the work. The real opportunity for Excel professionals is learning how to manage and guide these new digital teammates effectively.</a:t>
+            </a:r>
+          </a:p>
+        </p:txBody>
+      </p:sp>
+      <p:sp>
+        <p:nvSpPr>
+          <p:cNvPr id="4" name="Slide Number Placeholder 3"/>
+          <p:cNvSpPr>
+            <a:spLocks noGrp="1"/>
+          </p:cNvSpPr>
+          <p:nvPr>
+            <p:ph type="sldNum" sz="quarter" idx="5"/>
+          </p:nvPr>
+        </p:nvSpPr>
+        <p:spPr/>
+        <p:txBody>
+          <a:bodyPr/>
+          <a:lstStyle/>
+          <a:p>
+            <a:fld id="{FFB500C5-13F7-48FC-8160-C29AECF6C602}" type="slidenum">
+              <a:rPr lang="en-US" smtClean="0"/>
+              <a:t>7</a:t>
+            </a:fld>
+            <a:endParaRPr lang="en-US"/>
+          </a:p>
+        </p:txBody>
+      </p:sp>
+    </p:spTree>
+    <p:extLst>
+      <p:ext uri="{BB962C8B-B14F-4D97-AF65-F5344CB8AC3E}">
+        <p14:creationId xmlns:p14="http://schemas.microsoft.com/office/powerpoint/2010/main" val="2986116311"/>
+      </p:ext>
+    </p:extLst>
+  </p:cSld>
+  <p:clrMapOvr>
+    <a:masterClrMapping/>
+  </p:clrMapOvr>
+</p:notes>
+</file>
+
+<file path=ppt/notesSlides/notesSlide5.xml><?xml version="1.0" encoding="utf-8"?>
+<p:notes xmlns:a="http://schemas.openxmlformats.org/drawingml/2006/main" xmlns:r="http://schemas.openxmlformats.org/officeDocument/2006/relationships" xmlns:p="http://schemas.openxmlformats.org/presentationml/2006/main">
+  <p:cSld>
+    <p:spTree>
+      <p:nvGrpSpPr>
+        <p:cNvPr id="1" name=""/>
+        <p:cNvGrpSpPr/>
+        <p:nvPr/>
+      </p:nvGrpSpPr>
+      <p:grpSpPr>
+        <a:xfrm>
+          <a:off x="0" y="0"/>
+          <a:ext cx="0" cy="0"/>
+          <a:chOff x="0" y="0"/>
+          <a:chExt cx="0" cy="0"/>
+        </a:xfrm>
+      </p:grpSpPr>
+      <p:sp>
+        <p:nvSpPr>
+          <p:cNvPr id="2" name="Slide Image Placeholder 1"/>
+          <p:cNvSpPr>
+            <a:spLocks noGrp="1" noRot="1" noChangeAspect="1"/>
+          </p:cNvSpPr>
+          <p:nvPr>
+            <p:ph type="sldImg"/>
+          </p:nvPr>
+        </p:nvSpPr>
+        <p:spPr/>
+      </p:sp>
+      <p:sp>
+        <p:nvSpPr>
+          <p:cNvPr id="3" name="Notes Placeholder 2"/>
+          <p:cNvSpPr>
+            <a:spLocks noGrp="1"/>
+          </p:cNvSpPr>
+          <p:nvPr>
+            <p:ph type="body" idx="1"/>
+          </p:nvPr>
+        </p:nvSpPr>
+        <p:spPr/>
+        <p:txBody>
+          <a:bodyPr/>
+          <a:lstStyle/>
+          <a:p>
             <a:pPr marL="228600" indent="-228600">
               <a:buAutoNum type="arabicPeriod"/>
             </a:pPr>
@@ -1007,6 +1129,241 @@
     <p:extLst>
       <p:ext uri="{BB962C8B-B14F-4D97-AF65-F5344CB8AC3E}">
         <p14:creationId xmlns:p14="http://schemas.microsoft.com/office/powerpoint/2010/main" val="624549242"/>
+      </p:ext>
+    </p:extLst>
+  </p:cSld>
+  <p:clrMapOvr>
+    <a:masterClrMapping/>
+  </p:clrMapOvr>
+</p:notes>
+</file>
+
+<file path=ppt/notesSlides/notesSlide6.xml><?xml version="1.0" encoding="utf-8"?>
+<p:notes xmlns:a="http://schemas.openxmlformats.org/drawingml/2006/main" xmlns:r="http://schemas.openxmlformats.org/officeDocument/2006/relationships" xmlns:p="http://schemas.openxmlformats.org/presentationml/2006/main">
+  <p:cSld>
+    <p:spTree>
+      <p:nvGrpSpPr>
+        <p:cNvPr id="1" name=""/>
+        <p:cNvGrpSpPr/>
+        <p:nvPr/>
+      </p:nvGrpSpPr>
+      <p:grpSpPr>
+        <a:xfrm>
+          <a:off x="0" y="0"/>
+          <a:ext cx="0" cy="0"/>
+          <a:chOff x="0" y="0"/>
+          <a:chExt cx="0" cy="0"/>
+        </a:xfrm>
+      </p:grpSpPr>
+      <p:sp>
+        <p:nvSpPr>
+          <p:cNvPr id="2" name="Slide Image Placeholder 1"/>
+          <p:cNvSpPr>
+            <a:spLocks noGrp="1" noRot="1" noChangeAspect="1"/>
+          </p:cNvSpPr>
+          <p:nvPr>
+            <p:ph type="sldImg"/>
+          </p:nvPr>
+        </p:nvSpPr>
+        <p:spPr/>
+      </p:sp>
+      <p:sp>
+        <p:nvSpPr>
+          <p:cNvPr id="3" name="Notes Placeholder 2"/>
+          <p:cNvSpPr>
+            <a:spLocks noGrp="1"/>
+          </p:cNvSpPr>
+          <p:nvPr>
+            <p:ph type="body" idx="1"/>
+          </p:nvPr>
+        </p:nvSpPr>
+        <p:spPr/>
+        <p:txBody>
+          <a:bodyPr/>
+          <a:lstStyle/>
+          <a:p>
+            <a:r>
+              <a:rPr lang="en-US" dirty="0"/>
+              <a:t>“AI in Excel is powerful, but it’s only one layer of the overall workflow. Copilot can help you analyze and reason over your data, but it can’t fix the upstream problems or manage the downstream processes on its own.”</a:t>
+            </a:r>
+          </a:p>
+          <a:p>
+            <a:r>
+              <a:rPr lang="en-US" dirty="0"/>
+              <a:t>“You still need a way to bring data in, secure it, and move it across systems reliably. That’s where the rest of the Power Platform comes in — AI is only as good as the ecosystem around it.”</a:t>
+            </a:r>
+          </a:p>
+          <a:p>
+            <a:r>
+              <a:rPr lang="en-US" dirty="0"/>
+              <a:t>“Power Automate is what connects your Excel logic to real business processes. It takes the insights you generate and turns them into actions: notifications, approvals, file handling, updates, and so on.”</a:t>
+            </a:r>
+          </a:p>
+          <a:p>
+            <a:r>
+              <a:rPr lang="en-US" dirty="0"/>
+              <a:t>“Dataverse keeps everything consistent so AI can actually trust your data. When the structure, permissions, and relationships are defined in Dataverse, Copilot doesn’t have to guess — it knows exactly what it’s working with.”</a:t>
+            </a:r>
+          </a:p>
+          <a:p>
+            <a:r>
+              <a:rPr lang="en-US" dirty="0"/>
+              <a:t>“When you use these tools together — Excel, Dataverse, Power Automate, and AI — you’re not just running analyses. You’re building workflows that are reliable, scalable, and ready for real production use.”</a:t>
+            </a:r>
+          </a:p>
+          <a:p>
+            <a:endParaRPr lang="en-US" dirty="0"/>
+          </a:p>
+        </p:txBody>
+      </p:sp>
+      <p:sp>
+        <p:nvSpPr>
+          <p:cNvPr id="4" name="Slide Number Placeholder 3"/>
+          <p:cNvSpPr>
+            <a:spLocks noGrp="1"/>
+          </p:cNvSpPr>
+          <p:nvPr>
+            <p:ph type="sldNum" sz="quarter" idx="5"/>
+          </p:nvPr>
+        </p:nvSpPr>
+        <p:spPr/>
+        <p:txBody>
+          <a:bodyPr/>
+          <a:lstStyle/>
+          <a:p>
+            <a:fld id="{FFB500C5-13F7-48FC-8160-C29AECF6C602}" type="slidenum">
+              <a:rPr lang="en-US" smtClean="0"/>
+              <a:t>9</a:t>
+            </a:fld>
+            <a:endParaRPr lang="en-US"/>
+          </a:p>
+        </p:txBody>
+      </p:sp>
+    </p:spTree>
+    <p:extLst>
+      <p:ext uri="{BB962C8B-B14F-4D97-AF65-F5344CB8AC3E}">
+        <p14:creationId xmlns:p14="http://schemas.microsoft.com/office/powerpoint/2010/main" val="1354516654"/>
+      </p:ext>
+    </p:extLst>
+  </p:cSld>
+  <p:clrMapOvr>
+    <a:masterClrMapping/>
+  </p:clrMapOvr>
+</p:notes>
+</file>
+
+<file path=ppt/notesSlides/notesSlide7.xml><?xml version="1.0" encoding="utf-8"?>
+<p:notes xmlns:a="http://schemas.openxmlformats.org/drawingml/2006/main" xmlns:r="http://schemas.openxmlformats.org/officeDocument/2006/relationships" xmlns:p="http://schemas.openxmlformats.org/presentationml/2006/main">
+  <p:cSld>
+    <p:spTree>
+      <p:nvGrpSpPr>
+        <p:cNvPr id="1" name=""/>
+        <p:cNvGrpSpPr/>
+        <p:nvPr/>
+      </p:nvGrpSpPr>
+      <p:grpSpPr>
+        <a:xfrm>
+          <a:off x="0" y="0"/>
+          <a:ext cx="0" cy="0"/>
+          <a:chOff x="0" y="0"/>
+          <a:chExt cx="0" cy="0"/>
+        </a:xfrm>
+      </p:grpSpPr>
+      <p:sp>
+        <p:nvSpPr>
+          <p:cNvPr id="2" name="Slide Image Placeholder 1"/>
+          <p:cNvSpPr>
+            <a:spLocks noGrp="1" noRot="1" noChangeAspect="1"/>
+          </p:cNvSpPr>
+          <p:nvPr>
+            <p:ph type="sldImg"/>
+          </p:nvPr>
+        </p:nvSpPr>
+        <p:spPr/>
+      </p:sp>
+      <p:sp>
+        <p:nvSpPr>
+          <p:cNvPr id="3" name="Notes Placeholder 2"/>
+          <p:cNvSpPr>
+            <a:spLocks noGrp="1"/>
+          </p:cNvSpPr>
+          <p:nvPr>
+            <p:ph type="body" idx="1"/>
+          </p:nvPr>
+        </p:nvSpPr>
+        <p:spPr/>
+        <p:txBody>
+          <a:bodyPr/>
+          <a:lstStyle/>
+          <a:p>
+            <a:r>
+              <a:rPr lang="en-US" dirty="0"/>
+              <a:t>“Office Scripts let you automate the exact clicks and steps you already take in Excel. Instead of repeating the same manual actions every day or every week, you capture them once and reuse them whenever you need.”</a:t>
+            </a:r>
+          </a:p>
+          <a:p>
+            <a:endParaRPr lang="en-US" dirty="0"/>
+          </a:p>
+          <a:p>
+            <a:r>
+              <a:rPr lang="en-US" dirty="0"/>
+              <a:t>“Power Automate takes those scripts and turns them into real workflows that run on their own. Now your Excel logic doesn’t depend on you opening a file — it can fire based on a schedule, a trigger, or an event somewhere else in the system.”</a:t>
+            </a:r>
+          </a:p>
+          <a:p>
+            <a:endParaRPr lang="en-US" dirty="0"/>
+          </a:p>
+          <a:p>
+            <a:r>
+              <a:rPr lang="en-US" dirty="0"/>
+              <a:t>“Those flows can then push data and results to Teams, Outlook, SharePoint, and other business tools. Your work doesn’t stay trapped inside a workbook — it becomes part of a larger </a:t>
+            </a:r>
+            <a:r>
+              <a:rPr lang="en-US"/>
+              <a:t>process.”</a:t>
+            </a:r>
+          </a:p>
+          <a:p>
+            <a:endParaRPr lang="en-US" dirty="0"/>
+          </a:p>
+          <a:p>
+            <a:r>
+              <a:rPr lang="en-US" dirty="0"/>
+              <a:t>“And together, Office Scripts and Power Automate form the execution layer. This is what carries your work beyond Excel, connecting it to the rest of the organization so your automations actually make an impact.”</a:t>
+            </a:r>
+          </a:p>
+          <a:p>
+            <a:endParaRPr lang="en-US" dirty="0"/>
+          </a:p>
+        </p:txBody>
+      </p:sp>
+      <p:sp>
+        <p:nvSpPr>
+          <p:cNvPr id="4" name="Slide Number Placeholder 3"/>
+          <p:cNvSpPr>
+            <a:spLocks noGrp="1"/>
+          </p:cNvSpPr>
+          <p:nvPr>
+            <p:ph type="sldNum" sz="quarter" idx="5"/>
+          </p:nvPr>
+        </p:nvSpPr>
+        <p:spPr/>
+        <p:txBody>
+          <a:bodyPr/>
+          <a:lstStyle/>
+          <a:p>
+            <a:fld id="{FFB500C5-13F7-48FC-8160-C29AECF6C602}" type="slidenum">
+              <a:rPr lang="en-US" smtClean="0"/>
+              <a:t>10</a:t>
+            </a:fld>
+            <a:endParaRPr lang="en-US"/>
+          </a:p>
+        </p:txBody>
+      </p:sp>
+    </p:spTree>
+    <p:extLst>
+      <p:ext uri="{BB962C8B-B14F-4D97-AF65-F5344CB8AC3E}">
+        <p14:creationId xmlns:p14="http://schemas.microsoft.com/office/powerpoint/2010/main" val="217584689"/>
       </p:ext>
     </p:extLst>
   </p:cSld>
@@ -1196,7 +1553,7 @@
             <a:fld id="{1D8BD707-D9CF-40AE-B4C6-C98DA3205C09}" type="datetimeFigureOut">
               <a:rPr lang="en-US" smtClean="0"/>
               <a:pPr/>
-              <a:t>11/21/2025</a:t>
+              <a:t>12/1/2025</a:t>
             </a:fld>
             <a:endParaRPr lang="en-US"/>
           </a:p>
@@ -1361,7 +1718,7 @@
             <a:fld id="{1D8BD707-D9CF-40AE-B4C6-C98DA3205C09}" type="datetimeFigureOut">
               <a:rPr lang="en-US" smtClean="0"/>
               <a:pPr/>
-              <a:t>11/21/2025</a:t>
+              <a:t>12/1/2025</a:t>
             </a:fld>
             <a:endParaRPr lang="en-US"/>
           </a:p>
@@ -1536,7 +1893,7 @@
             <a:fld id="{1D8BD707-D9CF-40AE-B4C6-C98DA3205C09}" type="datetimeFigureOut">
               <a:rPr lang="en-US" smtClean="0"/>
               <a:pPr/>
-              <a:t>11/21/2025</a:t>
+              <a:t>12/1/2025</a:t>
             </a:fld>
             <a:endParaRPr lang="en-US"/>
           </a:p>
@@ -1701,7 +2058,7 @@
             <a:fld id="{1D8BD707-D9CF-40AE-B4C6-C98DA3205C09}" type="datetimeFigureOut">
               <a:rPr lang="en-US" smtClean="0"/>
               <a:pPr/>
-              <a:t>11/21/2025</a:t>
+              <a:t>12/1/2025</a:t>
             </a:fld>
             <a:endParaRPr lang="en-US"/>
           </a:p>
@@ -1943,7 +2300,7 @@
             <a:fld id="{1D8BD707-D9CF-40AE-B4C6-C98DA3205C09}" type="datetimeFigureOut">
               <a:rPr lang="en-US" smtClean="0"/>
               <a:pPr/>
-              <a:t>11/21/2025</a:t>
+              <a:t>12/1/2025</a:t>
             </a:fld>
             <a:endParaRPr lang="en-US"/>
           </a:p>
@@ -2225,7 +2582,7 @@
             <a:fld id="{1D8BD707-D9CF-40AE-B4C6-C98DA3205C09}" type="datetimeFigureOut">
               <a:rPr lang="en-US" smtClean="0"/>
               <a:pPr/>
-              <a:t>11/21/2025</a:t>
+              <a:t>12/1/2025</a:t>
             </a:fld>
             <a:endParaRPr lang="en-US"/>
           </a:p>
@@ -2641,7 +2998,7 @@
             <a:fld id="{1D8BD707-D9CF-40AE-B4C6-C98DA3205C09}" type="datetimeFigureOut">
               <a:rPr lang="en-US" smtClean="0"/>
               <a:pPr/>
-              <a:t>11/21/2025</a:t>
+              <a:t>12/1/2025</a:t>
             </a:fld>
             <a:endParaRPr lang="en-US"/>
           </a:p>
@@ -2755,7 +3112,7 @@
             <a:fld id="{1D8BD707-D9CF-40AE-B4C6-C98DA3205C09}" type="datetimeFigureOut">
               <a:rPr lang="en-US" smtClean="0"/>
               <a:pPr/>
-              <a:t>11/21/2025</a:t>
+              <a:t>12/1/2025</a:t>
             </a:fld>
             <a:endParaRPr lang="en-US"/>
           </a:p>
@@ -2847,7 +3204,7 @@
             <a:fld id="{1D8BD707-D9CF-40AE-B4C6-C98DA3205C09}" type="datetimeFigureOut">
               <a:rPr lang="en-US" smtClean="0"/>
               <a:pPr/>
-              <a:t>11/21/2025</a:t>
+              <a:t>12/1/2025</a:t>
             </a:fld>
             <a:endParaRPr lang="en-US"/>
           </a:p>
@@ -3119,7 +3476,7 @@
             <a:fld id="{1D8BD707-D9CF-40AE-B4C6-C98DA3205C09}" type="datetimeFigureOut">
               <a:rPr lang="en-US" smtClean="0"/>
               <a:pPr/>
-              <a:t>11/21/2025</a:t>
+              <a:t>12/1/2025</a:t>
             </a:fld>
             <a:endParaRPr lang="en-US"/>
           </a:p>
@@ -3368,7 +3725,7 @@
             <a:fld id="{1D8BD707-D9CF-40AE-B4C6-C98DA3205C09}" type="datetimeFigureOut">
               <a:rPr lang="en-US" smtClean="0"/>
               <a:pPr/>
-              <a:t>11/21/2025</a:t>
+              <a:t>12/1/2025</a:t>
             </a:fld>
             <a:endParaRPr lang="en-US"/>
           </a:p>
@@ -3581,7 +3938,7 @@
             <a:fld id="{1D8BD707-D9CF-40AE-B4C6-C98DA3205C09}" type="datetimeFigureOut">
               <a:rPr lang="en-US" smtClean="0"/>
               <a:pPr/>
-              <a:t>11/21/2025</a:t>
+              <a:t>12/1/2025</a:t>
             </a:fld>
             <a:endParaRPr lang="en-US"/>
           </a:p>
@@ -4290,7 +4647,7 @@
           <p:nvPr/>
         </p:nvPicPr>
         <p:blipFill>
-          <a:blip r:embed="rId2">
+          <a:blip r:embed="rId3">
             <a:extLst>
               <a:ext uri="{28A0092B-C50C-407E-A947-70E740481C1C}">
                 <a14:useLocalDpi xmlns:a14="http://schemas.microsoft.com/office/drawing/2010/main" val="0"/>
@@ -4983,7 +5340,7 @@
                 </a:solidFill>
                 <a:latin typeface="Pragmatica" panose="020B0403040502020204" pitchFamily="34" charset="0"/>
               </a:rPr>
-              <a:t>Connected Excel to Power BI + Dataverse</a:t>
+              <a:t>Saw why messy data breaks AI</a:t>
             </a:r>
           </a:p>
           <a:p>
@@ -5001,7 +5358,7 @@
                 </a:solidFill>
                 <a:latin typeface="Pragmatica" panose="020B0403040502020204" pitchFamily="34" charset="0"/>
               </a:rPr>
-              <a:t>Moved data Excel → Power BI → Excel</a:t>
+              <a:t>Used Copilot to diagnose issues (but not fix them)</a:t>
             </a:r>
           </a:p>
           <a:p>
@@ -5019,7 +5376,7 @@
                 </a:solidFill>
                 <a:latin typeface="Pragmatica" panose="020B0403040502020204" pitchFamily="34" charset="0"/>
               </a:rPr>
-              <a:t>Introduced semantic models for governed, shared data</a:t>
+              <a:t>Use Copilot to tidy our M code</a:t>
             </a:r>
           </a:p>
           <a:p>
@@ -5037,7 +5394,7 @@
                 </a:solidFill>
                 <a:latin typeface="Pragmatica" panose="020B0403040502020204" pitchFamily="34" charset="0"/>
               </a:rPr>
-              <a:t>Showed why clean, cloud data = better AI</a:t>
+              <a:t>Pushed the cleaning logic into a Dataflow</a:t>
             </a:r>
           </a:p>
           <a:p>
@@ -5055,7 +5412,7 @@
                 </a:solidFill>
                 <a:latin typeface="Pragmatica" panose="020B0403040502020204" pitchFamily="34" charset="0"/>
               </a:rPr>
-              <a:t>Explained how semantic models give AI context + meaning</a:t>
+              <a:t>Published a clean, governed table into Dataverse</a:t>
             </a:r>
           </a:p>
         </p:txBody>
@@ -5075,7 +5432,7 @@
           <p:nvPr/>
         </p:nvPicPr>
         <p:blipFill>
-          <a:blip r:embed="rId2">
+          <a:blip r:embed="rId3">
             <a:extLst>
               <a:ext uri="{28A0092B-C50C-407E-A947-70E740481C1C}">
                 <a14:useLocalDpi xmlns:a14="http://schemas.microsoft.com/office/drawing/2010/main" val="0"/>
@@ -7916,7 +8273,7 @@
           <p:nvPr/>
         </p:nvPicPr>
         <p:blipFill>
-          <a:blip r:embed="rId2">
+          <a:blip r:embed="rId3">
             <a:extLst>
               <a:ext uri="{28A0092B-C50C-407E-A947-70E740481C1C}">
                 <a14:useLocalDpi xmlns:a14="http://schemas.microsoft.com/office/drawing/2010/main" val="0"/>
